--- a/documentation/presentation/Token-level author diarization using clustering of stylistic.pptx
+++ b/documentation/presentation/Token-level author diarization using clustering of stylistic.pptx
@@ -4,6 +4,9 @@
   <p:sldMasterIdLst>
     <p:sldMasterId id="2147483708" r:id="rId1"/>
   </p:sldMasterIdLst>
+  <p:notesMasterIdLst>
+    <p:notesMasterId r:id="rId17"/>
+  </p:notesMasterIdLst>
   <p:sldIdLst>
     <p:sldId id="256" r:id="rId2"/>
     <p:sldId id="257" r:id="rId3"/>
@@ -12,13 +15,14 @@
     <p:sldId id="260" r:id="rId6"/>
     <p:sldId id="261" r:id="rId7"/>
     <p:sldId id="262" r:id="rId8"/>
-    <p:sldId id="263" r:id="rId9"/>
-    <p:sldId id="264" r:id="rId10"/>
-    <p:sldId id="265" r:id="rId11"/>
+    <p:sldId id="270" r:id="rId9"/>
+    <p:sldId id="263" r:id="rId10"/>
+    <p:sldId id="264" r:id="rId11"/>
     <p:sldId id="266" r:id="rId12"/>
-    <p:sldId id="267" r:id="rId13"/>
-    <p:sldId id="268" r:id="rId14"/>
-    <p:sldId id="269" r:id="rId15"/>
+    <p:sldId id="265" r:id="rId13"/>
+    <p:sldId id="267" r:id="rId14"/>
+    <p:sldId id="268" r:id="rId15"/>
+    <p:sldId id="269" r:id="rId16"/>
   </p:sldIdLst>
   <p:sldSz cx="12192000" cy="6858000"/>
   <p:notesSz cx="6858000" cy="9144000"/>
@@ -741,7 +745,7 @@
           </c:tx>
           <c:spPr>
             <a:solidFill>
-              <a:schemeClr val="accent1"/>
+              <a:schemeClr val="accent4"/>
             </a:solidFill>
             <a:ln>
               <a:noFill/>
@@ -946,7 +950,7 @@
               <c:strCache>
                 <c:ptCount val="1"/>
                 <c:pt idx="0">
-                  <c:v>Author 12</c:v>
+                  <c:v>Author 22</c:v>
                 </c:pt>
               </c:strCache>
             </c:strRef>
@@ -8029,6 +8033,753 @@
 </dgm:colorsDef>
 </file>
 
+<file path=ppt/diagrams/colors7.xml><?xml version="1.0" encoding="utf-8"?>
+<dgm:colorsDef xmlns:dgm="http://schemas.openxmlformats.org/drawingml/2006/diagram" xmlns:a="http://schemas.openxmlformats.org/drawingml/2006/main" uniqueId="urn:microsoft.com/office/officeart/2005/8/colors/accent1_2">
+  <dgm:title val=""/>
+  <dgm:desc val=""/>
+  <dgm:catLst>
+    <dgm:cat type="accent1" pri="11200"/>
+  </dgm:catLst>
+  <dgm:styleLbl name="node0">
+    <dgm:fillClrLst meth="repeat">
+      <a:schemeClr val="accent1"/>
+    </dgm:fillClrLst>
+    <dgm:linClrLst meth="repeat">
+      <a:schemeClr val="lt1"/>
+    </dgm:linClrLst>
+    <dgm:effectClrLst/>
+    <dgm:txLinClrLst/>
+    <dgm:txFillClrLst/>
+    <dgm:txEffectClrLst/>
+  </dgm:styleLbl>
+  <dgm:styleLbl name="alignNode1">
+    <dgm:fillClrLst meth="repeat">
+      <a:schemeClr val="accent1"/>
+    </dgm:fillClrLst>
+    <dgm:linClrLst meth="repeat">
+      <a:schemeClr val="accent1"/>
+    </dgm:linClrLst>
+    <dgm:effectClrLst/>
+    <dgm:txLinClrLst/>
+    <dgm:txFillClrLst/>
+    <dgm:txEffectClrLst/>
+  </dgm:styleLbl>
+  <dgm:styleLbl name="node1">
+    <dgm:fillClrLst meth="repeat">
+      <a:schemeClr val="accent1"/>
+    </dgm:fillClrLst>
+    <dgm:linClrLst meth="repeat">
+      <a:schemeClr val="lt1"/>
+    </dgm:linClrLst>
+    <dgm:effectClrLst/>
+    <dgm:txLinClrLst/>
+    <dgm:txFillClrLst/>
+    <dgm:txEffectClrLst/>
+  </dgm:styleLbl>
+  <dgm:styleLbl name="lnNode1">
+    <dgm:fillClrLst meth="repeat">
+      <a:schemeClr val="accent1"/>
+    </dgm:fillClrLst>
+    <dgm:linClrLst meth="repeat">
+      <a:schemeClr val="lt1"/>
+    </dgm:linClrLst>
+    <dgm:effectClrLst/>
+    <dgm:txLinClrLst/>
+    <dgm:txFillClrLst/>
+    <dgm:txEffectClrLst/>
+  </dgm:styleLbl>
+  <dgm:styleLbl name="vennNode1">
+    <dgm:fillClrLst meth="repeat">
+      <a:schemeClr val="accent1">
+        <a:alpha val="50000"/>
+      </a:schemeClr>
+    </dgm:fillClrLst>
+    <dgm:linClrLst meth="repeat">
+      <a:schemeClr val="lt1"/>
+    </dgm:linClrLst>
+    <dgm:effectClrLst/>
+    <dgm:txLinClrLst/>
+    <dgm:txFillClrLst/>
+    <dgm:txEffectClrLst/>
+  </dgm:styleLbl>
+  <dgm:styleLbl name="node2">
+    <dgm:fillClrLst meth="repeat">
+      <a:schemeClr val="accent1"/>
+    </dgm:fillClrLst>
+    <dgm:linClrLst meth="repeat">
+      <a:schemeClr val="lt1"/>
+    </dgm:linClrLst>
+    <dgm:effectClrLst/>
+    <dgm:txLinClrLst/>
+    <dgm:txFillClrLst/>
+    <dgm:txEffectClrLst/>
+  </dgm:styleLbl>
+  <dgm:styleLbl name="node3">
+    <dgm:fillClrLst meth="repeat">
+      <a:schemeClr val="accent1"/>
+    </dgm:fillClrLst>
+    <dgm:linClrLst meth="repeat">
+      <a:schemeClr val="lt1"/>
+    </dgm:linClrLst>
+    <dgm:effectClrLst/>
+    <dgm:txLinClrLst/>
+    <dgm:txFillClrLst/>
+    <dgm:txEffectClrLst/>
+  </dgm:styleLbl>
+  <dgm:styleLbl name="node4">
+    <dgm:fillClrLst meth="repeat">
+      <a:schemeClr val="accent1"/>
+    </dgm:fillClrLst>
+    <dgm:linClrLst meth="repeat">
+      <a:schemeClr val="lt1"/>
+    </dgm:linClrLst>
+    <dgm:effectClrLst/>
+    <dgm:txLinClrLst/>
+    <dgm:txFillClrLst/>
+    <dgm:txEffectClrLst/>
+  </dgm:styleLbl>
+  <dgm:styleLbl name="fgImgPlace1">
+    <dgm:fillClrLst meth="repeat">
+      <a:schemeClr val="accent1">
+        <a:tint val="50000"/>
+      </a:schemeClr>
+    </dgm:fillClrLst>
+    <dgm:linClrLst meth="repeat">
+      <a:schemeClr val="lt1"/>
+    </dgm:linClrLst>
+    <dgm:effectClrLst/>
+    <dgm:txLinClrLst/>
+    <dgm:txFillClrLst meth="repeat">
+      <a:schemeClr val="lt1"/>
+    </dgm:txFillClrLst>
+    <dgm:txEffectClrLst/>
+  </dgm:styleLbl>
+  <dgm:styleLbl name="alignImgPlace1">
+    <dgm:fillClrLst meth="repeat">
+      <a:schemeClr val="accent1">
+        <a:tint val="50000"/>
+      </a:schemeClr>
+    </dgm:fillClrLst>
+    <dgm:linClrLst meth="repeat">
+      <a:schemeClr val="lt1"/>
+    </dgm:linClrLst>
+    <dgm:effectClrLst/>
+    <dgm:txLinClrLst/>
+    <dgm:txFillClrLst meth="repeat">
+      <a:schemeClr val="lt1"/>
+    </dgm:txFillClrLst>
+    <dgm:txEffectClrLst/>
+  </dgm:styleLbl>
+  <dgm:styleLbl name="bgImgPlace1">
+    <dgm:fillClrLst meth="repeat">
+      <a:schemeClr val="accent1">
+        <a:tint val="50000"/>
+      </a:schemeClr>
+    </dgm:fillClrLst>
+    <dgm:linClrLst meth="repeat">
+      <a:schemeClr val="lt1"/>
+    </dgm:linClrLst>
+    <dgm:effectClrLst/>
+    <dgm:txLinClrLst/>
+    <dgm:txFillClrLst meth="repeat">
+      <a:schemeClr val="lt1"/>
+    </dgm:txFillClrLst>
+    <dgm:txEffectClrLst/>
+  </dgm:styleLbl>
+  <dgm:styleLbl name="sibTrans2D1">
+    <dgm:fillClrLst meth="repeat">
+      <a:schemeClr val="accent1">
+        <a:tint val="60000"/>
+      </a:schemeClr>
+    </dgm:fillClrLst>
+    <dgm:linClrLst meth="repeat">
+      <a:schemeClr val="accent1">
+        <a:tint val="60000"/>
+      </a:schemeClr>
+    </dgm:linClrLst>
+    <dgm:effectClrLst/>
+    <dgm:txLinClrLst/>
+    <dgm:txFillClrLst/>
+    <dgm:txEffectClrLst/>
+  </dgm:styleLbl>
+  <dgm:styleLbl name="fgSibTrans2D1">
+    <dgm:fillClrLst meth="repeat">
+      <a:schemeClr val="accent1">
+        <a:tint val="60000"/>
+      </a:schemeClr>
+    </dgm:fillClrLst>
+    <dgm:linClrLst meth="repeat">
+      <a:schemeClr val="accent1">
+        <a:tint val="60000"/>
+      </a:schemeClr>
+    </dgm:linClrLst>
+    <dgm:effectClrLst/>
+    <dgm:txLinClrLst/>
+    <dgm:txFillClrLst/>
+    <dgm:txEffectClrLst/>
+  </dgm:styleLbl>
+  <dgm:styleLbl name="bgSibTrans2D1">
+    <dgm:fillClrLst meth="repeat">
+      <a:schemeClr val="accent1">
+        <a:tint val="60000"/>
+      </a:schemeClr>
+    </dgm:fillClrLst>
+    <dgm:linClrLst meth="repeat">
+      <a:schemeClr val="accent1">
+        <a:tint val="60000"/>
+      </a:schemeClr>
+    </dgm:linClrLst>
+    <dgm:effectClrLst/>
+    <dgm:txLinClrLst/>
+    <dgm:txFillClrLst/>
+    <dgm:txEffectClrLst/>
+  </dgm:styleLbl>
+  <dgm:styleLbl name="sibTrans1D1">
+    <dgm:fillClrLst meth="repeat">
+      <a:schemeClr val="accent1"/>
+    </dgm:fillClrLst>
+    <dgm:linClrLst meth="repeat">
+      <a:schemeClr val="accent1"/>
+    </dgm:linClrLst>
+    <dgm:effectClrLst/>
+    <dgm:txLinClrLst/>
+    <dgm:txFillClrLst meth="repeat">
+      <a:schemeClr val="tx1"/>
+    </dgm:txFillClrLst>
+    <dgm:txEffectClrLst/>
+  </dgm:styleLbl>
+  <dgm:styleLbl name="callout">
+    <dgm:fillClrLst meth="repeat">
+      <a:schemeClr val="accent1"/>
+    </dgm:fillClrLst>
+    <dgm:linClrLst meth="repeat">
+      <a:schemeClr val="accent1">
+        <a:tint val="50000"/>
+      </a:schemeClr>
+    </dgm:linClrLst>
+    <dgm:effectClrLst/>
+    <dgm:txLinClrLst/>
+    <dgm:txFillClrLst meth="repeat">
+      <a:schemeClr val="tx1"/>
+    </dgm:txFillClrLst>
+    <dgm:txEffectClrLst/>
+  </dgm:styleLbl>
+  <dgm:styleLbl name="asst0">
+    <dgm:fillClrLst meth="repeat">
+      <a:schemeClr val="accent1"/>
+    </dgm:fillClrLst>
+    <dgm:linClrLst meth="repeat">
+      <a:schemeClr val="lt1"/>
+    </dgm:linClrLst>
+    <dgm:effectClrLst/>
+    <dgm:txLinClrLst/>
+    <dgm:txFillClrLst/>
+    <dgm:txEffectClrLst/>
+  </dgm:styleLbl>
+  <dgm:styleLbl name="asst1">
+    <dgm:fillClrLst meth="repeat">
+      <a:schemeClr val="accent1"/>
+    </dgm:fillClrLst>
+    <dgm:linClrLst meth="repeat">
+      <a:schemeClr val="lt1"/>
+    </dgm:linClrLst>
+    <dgm:effectClrLst/>
+    <dgm:txLinClrLst/>
+    <dgm:txFillClrLst/>
+    <dgm:txEffectClrLst/>
+  </dgm:styleLbl>
+  <dgm:styleLbl name="asst2">
+    <dgm:fillClrLst meth="repeat">
+      <a:schemeClr val="accent1"/>
+    </dgm:fillClrLst>
+    <dgm:linClrLst meth="repeat">
+      <a:schemeClr val="lt1"/>
+    </dgm:linClrLst>
+    <dgm:effectClrLst/>
+    <dgm:txLinClrLst/>
+    <dgm:txFillClrLst/>
+    <dgm:txEffectClrLst/>
+  </dgm:styleLbl>
+  <dgm:styleLbl name="asst3">
+    <dgm:fillClrLst meth="repeat">
+      <a:schemeClr val="accent1"/>
+    </dgm:fillClrLst>
+    <dgm:linClrLst meth="repeat">
+      <a:schemeClr val="lt1"/>
+    </dgm:linClrLst>
+    <dgm:effectClrLst/>
+    <dgm:txLinClrLst/>
+    <dgm:txFillClrLst/>
+    <dgm:txEffectClrLst/>
+  </dgm:styleLbl>
+  <dgm:styleLbl name="asst4">
+    <dgm:fillClrLst meth="repeat">
+      <a:schemeClr val="accent1"/>
+    </dgm:fillClrLst>
+    <dgm:linClrLst meth="repeat">
+      <a:schemeClr val="lt1"/>
+    </dgm:linClrLst>
+    <dgm:effectClrLst/>
+    <dgm:txLinClrLst/>
+    <dgm:txFillClrLst/>
+    <dgm:txEffectClrLst/>
+  </dgm:styleLbl>
+  <dgm:styleLbl name="parChTrans2D1">
+    <dgm:fillClrLst meth="repeat">
+      <a:schemeClr val="accent1">
+        <a:tint val="60000"/>
+      </a:schemeClr>
+    </dgm:fillClrLst>
+    <dgm:linClrLst meth="repeat">
+      <a:schemeClr val="accent1">
+        <a:tint val="60000"/>
+      </a:schemeClr>
+    </dgm:linClrLst>
+    <dgm:effectClrLst/>
+    <dgm:txLinClrLst/>
+    <dgm:txFillClrLst meth="repeat">
+      <a:schemeClr val="lt1"/>
+    </dgm:txFillClrLst>
+    <dgm:txEffectClrLst/>
+  </dgm:styleLbl>
+  <dgm:styleLbl name="parChTrans2D2">
+    <dgm:fillClrLst meth="repeat">
+      <a:schemeClr val="accent1"/>
+    </dgm:fillClrLst>
+    <dgm:linClrLst meth="repeat">
+      <a:schemeClr val="accent1"/>
+    </dgm:linClrLst>
+    <dgm:effectClrLst/>
+    <dgm:txLinClrLst/>
+    <dgm:txFillClrLst meth="repeat">
+      <a:schemeClr val="lt1"/>
+    </dgm:txFillClrLst>
+    <dgm:txEffectClrLst/>
+  </dgm:styleLbl>
+  <dgm:styleLbl name="parChTrans2D3">
+    <dgm:fillClrLst meth="repeat">
+      <a:schemeClr val="accent1"/>
+    </dgm:fillClrLst>
+    <dgm:linClrLst meth="repeat">
+      <a:schemeClr val="accent1"/>
+    </dgm:linClrLst>
+    <dgm:effectClrLst/>
+    <dgm:txLinClrLst/>
+    <dgm:txFillClrLst meth="repeat">
+      <a:schemeClr val="lt1"/>
+    </dgm:txFillClrLst>
+    <dgm:txEffectClrLst/>
+  </dgm:styleLbl>
+  <dgm:styleLbl name="parChTrans2D4">
+    <dgm:fillClrLst meth="repeat">
+      <a:schemeClr val="accent1"/>
+    </dgm:fillClrLst>
+    <dgm:linClrLst meth="repeat">
+      <a:schemeClr val="accent1"/>
+    </dgm:linClrLst>
+    <dgm:effectClrLst/>
+    <dgm:txLinClrLst/>
+    <dgm:txFillClrLst meth="repeat">
+      <a:schemeClr val="lt1"/>
+    </dgm:txFillClrLst>
+    <dgm:txEffectClrLst/>
+  </dgm:styleLbl>
+  <dgm:styleLbl name="parChTrans1D1">
+    <dgm:fillClrLst meth="repeat">
+      <a:schemeClr val="accent1"/>
+    </dgm:fillClrLst>
+    <dgm:linClrLst meth="repeat">
+      <a:schemeClr val="accent1">
+        <a:shade val="60000"/>
+      </a:schemeClr>
+    </dgm:linClrLst>
+    <dgm:effectClrLst/>
+    <dgm:txLinClrLst/>
+    <dgm:txFillClrLst meth="repeat">
+      <a:schemeClr val="tx1"/>
+    </dgm:txFillClrLst>
+    <dgm:txEffectClrLst/>
+  </dgm:styleLbl>
+  <dgm:styleLbl name="parChTrans1D2">
+    <dgm:fillClrLst meth="repeat">
+      <a:schemeClr val="accent1"/>
+    </dgm:fillClrLst>
+    <dgm:linClrLst meth="repeat">
+      <a:schemeClr val="accent1">
+        <a:shade val="60000"/>
+      </a:schemeClr>
+    </dgm:linClrLst>
+    <dgm:effectClrLst/>
+    <dgm:txLinClrLst/>
+    <dgm:txFillClrLst meth="repeat">
+      <a:schemeClr val="tx1"/>
+    </dgm:txFillClrLst>
+    <dgm:txEffectClrLst/>
+  </dgm:styleLbl>
+  <dgm:styleLbl name="parChTrans1D3">
+    <dgm:fillClrLst meth="repeat">
+      <a:schemeClr val="accent1"/>
+    </dgm:fillClrLst>
+    <dgm:linClrLst meth="repeat">
+      <a:schemeClr val="accent1">
+        <a:shade val="80000"/>
+      </a:schemeClr>
+    </dgm:linClrLst>
+    <dgm:effectClrLst/>
+    <dgm:txLinClrLst/>
+    <dgm:txFillClrLst meth="repeat">
+      <a:schemeClr val="tx1"/>
+    </dgm:txFillClrLst>
+    <dgm:txEffectClrLst/>
+  </dgm:styleLbl>
+  <dgm:styleLbl name="parChTrans1D4">
+    <dgm:fillClrLst meth="repeat">
+      <a:schemeClr val="accent1"/>
+    </dgm:fillClrLst>
+    <dgm:linClrLst meth="repeat">
+      <a:schemeClr val="accent1">
+        <a:shade val="80000"/>
+      </a:schemeClr>
+    </dgm:linClrLst>
+    <dgm:effectClrLst/>
+    <dgm:txLinClrLst/>
+    <dgm:txFillClrLst meth="repeat">
+      <a:schemeClr val="tx1"/>
+    </dgm:txFillClrLst>
+    <dgm:txEffectClrLst/>
+  </dgm:styleLbl>
+  <dgm:styleLbl name="fgAcc1">
+    <dgm:fillClrLst meth="repeat">
+      <a:schemeClr val="lt1">
+        <a:alpha val="90000"/>
+      </a:schemeClr>
+    </dgm:fillClrLst>
+    <dgm:linClrLst meth="repeat">
+      <a:schemeClr val="accent1"/>
+    </dgm:linClrLst>
+    <dgm:effectClrLst/>
+    <dgm:txLinClrLst/>
+    <dgm:txFillClrLst meth="repeat">
+      <a:schemeClr val="dk1"/>
+    </dgm:txFillClrLst>
+    <dgm:txEffectClrLst/>
+  </dgm:styleLbl>
+  <dgm:styleLbl name="conFgAcc1">
+    <dgm:fillClrLst meth="repeat">
+      <a:schemeClr val="lt1">
+        <a:alpha val="90000"/>
+      </a:schemeClr>
+    </dgm:fillClrLst>
+    <dgm:linClrLst meth="repeat">
+      <a:schemeClr val="accent1"/>
+    </dgm:linClrLst>
+    <dgm:effectClrLst/>
+    <dgm:txLinClrLst/>
+    <dgm:txFillClrLst meth="repeat">
+      <a:schemeClr val="dk1"/>
+    </dgm:txFillClrLst>
+    <dgm:txEffectClrLst/>
+  </dgm:styleLbl>
+  <dgm:styleLbl name="alignAcc1">
+    <dgm:fillClrLst meth="repeat">
+      <a:schemeClr val="lt1">
+        <a:alpha val="90000"/>
+      </a:schemeClr>
+    </dgm:fillClrLst>
+    <dgm:linClrLst meth="repeat">
+      <a:schemeClr val="accent1"/>
+    </dgm:linClrLst>
+    <dgm:effectClrLst/>
+    <dgm:txLinClrLst/>
+    <dgm:txFillClrLst meth="repeat">
+      <a:schemeClr val="dk1"/>
+    </dgm:txFillClrLst>
+    <dgm:txEffectClrLst/>
+  </dgm:styleLbl>
+  <dgm:styleLbl name="trAlignAcc1">
+    <dgm:fillClrLst meth="repeat">
+      <a:schemeClr val="lt1">
+        <a:alpha val="40000"/>
+      </a:schemeClr>
+    </dgm:fillClrLst>
+    <dgm:linClrLst meth="repeat">
+      <a:schemeClr val="accent1"/>
+    </dgm:linClrLst>
+    <dgm:effectClrLst/>
+    <dgm:txLinClrLst/>
+    <dgm:txFillClrLst meth="repeat">
+      <a:schemeClr val="dk1"/>
+    </dgm:txFillClrLst>
+    <dgm:txEffectClrLst/>
+  </dgm:styleLbl>
+  <dgm:styleLbl name="bgAcc1">
+    <dgm:fillClrLst meth="repeat">
+      <a:schemeClr val="lt1">
+        <a:alpha val="90000"/>
+      </a:schemeClr>
+    </dgm:fillClrLst>
+    <dgm:linClrLst meth="repeat">
+      <a:schemeClr val="accent1"/>
+    </dgm:linClrLst>
+    <dgm:effectClrLst/>
+    <dgm:txLinClrLst/>
+    <dgm:txFillClrLst meth="repeat">
+      <a:schemeClr val="dk1"/>
+    </dgm:txFillClrLst>
+    <dgm:txEffectClrLst/>
+  </dgm:styleLbl>
+  <dgm:styleLbl name="solidFgAcc1">
+    <dgm:fillClrLst meth="repeat">
+      <a:schemeClr val="lt1"/>
+    </dgm:fillClrLst>
+    <dgm:linClrLst meth="repeat">
+      <a:schemeClr val="accent1"/>
+    </dgm:linClrLst>
+    <dgm:effectClrLst/>
+    <dgm:txLinClrLst/>
+    <dgm:txFillClrLst meth="repeat">
+      <a:schemeClr val="dk1"/>
+    </dgm:txFillClrLst>
+    <dgm:txEffectClrLst/>
+  </dgm:styleLbl>
+  <dgm:styleLbl name="solidAlignAcc1">
+    <dgm:fillClrLst meth="repeat">
+      <a:schemeClr val="lt1"/>
+    </dgm:fillClrLst>
+    <dgm:linClrLst meth="repeat">
+      <a:schemeClr val="accent1"/>
+    </dgm:linClrLst>
+    <dgm:effectClrLst/>
+    <dgm:txLinClrLst/>
+    <dgm:txFillClrLst meth="repeat">
+      <a:schemeClr val="dk1"/>
+    </dgm:txFillClrLst>
+    <dgm:txEffectClrLst/>
+  </dgm:styleLbl>
+  <dgm:styleLbl name="solidBgAcc1">
+    <dgm:fillClrLst meth="repeat">
+      <a:schemeClr val="lt1"/>
+    </dgm:fillClrLst>
+    <dgm:linClrLst meth="repeat">
+      <a:schemeClr val="accent1"/>
+    </dgm:linClrLst>
+    <dgm:effectClrLst/>
+    <dgm:txLinClrLst/>
+    <dgm:txFillClrLst meth="repeat">
+      <a:schemeClr val="dk1"/>
+    </dgm:txFillClrLst>
+    <dgm:txEffectClrLst/>
+  </dgm:styleLbl>
+  <dgm:styleLbl name="fgAccFollowNode1">
+    <dgm:fillClrLst meth="repeat">
+      <a:schemeClr val="accent1">
+        <a:alpha val="90000"/>
+        <a:tint val="40000"/>
+      </a:schemeClr>
+    </dgm:fillClrLst>
+    <dgm:linClrLst meth="repeat">
+      <a:schemeClr val="accent1">
+        <a:alpha val="90000"/>
+        <a:tint val="40000"/>
+      </a:schemeClr>
+    </dgm:linClrLst>
+    <dgm:effectClrLst/>
+    <dgm:txLinClrLst/>
+    <dgm:txFillClrLst meth="repeat">
+      <a:schemeClr val="dk1"/>
+    </dgm:txFillClrLst>
+    <dgm:txEffectClrLst/>
+  </dgm:styleLbl>
+  <dgm:styleLbl name="alignAccFollowNode1">
+    <dgm:fillClrLst meth="repeat">
+      <a:schemeClr val="accent1">
+        <a:alpha val="90000"/>
+        <a:tint val="40000"/>
+      </a:schemeClr>
+    </dgm:fillClrLst>
+    <dgm:linClrLst meth="repeat">
+      <a:schemeClr val="accent1">
+        <a:alpha val="90000"/>
+        <a:tint val="40000"/>
+      </a:schemeClr>
+    </dgm:linClrLst>
+    <dgm:effectClrLst/>
+    <dgm:txLinClrLst/>
+    <dgm:txFillClrLst meth="repeat">
+      <a:schemeClr val="dk1"/>
+    </dgm:txFillClrLst>
+    <dgm:txEffectClrLst/>
+  </dgm:styleLbl>
+  <dgm:styleLbl name="bgAccFollowNode1">
+    <dgm:fillClrLst meth="repeat">
+      <a:schemeClr val="accent1">
+        <a:alpha val="90000"/>
+        <a:tint val="40000"/>
+      </a:schemeClr>
+    </dgm:fillClrLst>
+    <dgm:linClrLst meth="repeat">
+      <a:schemeClr val="accent1">
+        <a:alpha val="90000"/>
+        <a:tint val="40000"/>
+      </a:schemeClr>
+    </dgm:linClrLst>
+    <dgm:effectClrLst/>
+    <dgm:txLinClrLst/>
+    <dgm:txFillClrLst meth="repeat">
+      <a:schemeClr val="dk1"/>
+    </dgm:txFillClrLst>
+    <dgm:txEffectClrLst/>
+  </dgm:styleLbl>
+  <dgm:styleLbl name="fgAcc0">
+    <dgm:fillClrLst meth="repeat">
+      <a:schemeClr val="lt1">
+        <a:alpha val="90000"/>
+      </a:schemeClr>
+    </dgm:fillClrLst>
+    <dgm:linClrLst meth="repeat">
+      <a:schemeClr val="accent1"/>
+    </dgm:linClrLst>
+    <dgm:effectClrLst/>
+    <dgm:txLinClrLst/>
+    <dgm:txFillClrLst meth="repeat">
+      <a:schemeClr val="dk1"/>
+    </dgm:txFillClrLst>
+    <dgm:txEffectClrLst/>
+  </dgm:styleLbl>
+  <dgm:styleLbl name="fgAcc2">
+    <dgm:fillClrLst meth="repeat">
+      <a:schemeClr val="lt1">
+        <a:alpha val="90000"/>
+      </a:schemeClr>
+    </dgm:fillClrLst>
+    <dgm:linClrLst meth="repeat">
+      <a:schemeClr val="accent1"/>
+    </dgm:linClrLst>
+    <dgm:effectClrLst/>
+    <dgm:txLinClrLst/>
+    <dgm:txFillClrLst meth="repeat">
+      <a:schemeClr val="dk1"/>
+    </dgm:txFillClrLst>
+    <dgm:txEffectClrLst/>
+  </dgm:styleLbl>
+  <dgm:styleLbl name="fgAcc3">
+    <dgm:fillClrLst meth="repeat">
+      <a:schemeClr val="lt1">
+        <a:alpha val="90000"/>
+      </a:schemeClr>
+    </dgm:fillClrLst>
+    <dgm:linClrLst meth="repeat">
+      <a:schemeClr val="accent1"/>
+    </dgm:linClrLst>
+    <dgm:effectClrLst/>
+    <dgm:txLinClrLst/>
+    <dgm:txFillClrLst meth="repeat">
+      <a:schemeClr val="dk1"/>
+    </dgm:txFillClrLst>
+    <dgm:txEffectClrLst/>
+  </dgm:styleLbl>
+  <dgm:styleLbl name="fgAcc4">
+    <dgm:fillClrLst meth="repeat">
+      <a:schemeClr val="lt1">
+        <a:alpha val="90000"/>
+      </a:schemeClr>
+    </dgm:fillClrLst>
+    <dgm:linClrLst meth="repeat">
+      <a:schemeClr val="accent1"/>
+    </dgm:linClrLst>
+    <dgm:effectClrLst/>
+    <dgm:txLinClrLst/>
+    <dgm:txFillClrLst meth="repeat">
+      <a:schemeClr val="dk1"/>
+    </dgm:txFillClrLst>
+    <dgm:txEffectClrLst/>
+  </dgm:styleLbl>
+  <dgm:styleLbl name="bgShp">
+    <dgm:fillClrLst meth="repeat">
+      <a:schemeClr val="accent1">
+        <a:tint val="40000"/>
+      </a:schemeClr>
+    </dgm:fillClrLst>
+    <dgm:linClrLst meth="repeat">
+      <a:schemeClr val="accent1"/>
+    </dgm:linClrLst>
+    <dgm:effectClrLst/>
+    <dgm:txLinClrLst/>
+    <dgm:txFillClrLst meth="repeat">
+      <a:schemeClr val="dk1"/>
+    </dgm:txFillClrLst>
+    <dgm:txEffectClrLst/>
+  </dgm:styleLbl>
+  <dgm:styleLbl name="dkBgShp">
+    <dgm:fillClrLst meth="repeat">
+      <a:schemeClr val="accent1">
+        <a:shade val="80000"/>
+      </a:schemeClr>
+    </dgm:fillClrLst>
+    <dgm:linClrLst meth="repeat">
+      <a:schemeClr val="accent1"/>
+    </dgm:linClrLst>
+    <dgm:effectClrLst/>
+    <dgm:txLinClrLst/>
+    <dgm:txFillClrLst meth="repeat">
+      <a:schemeClr val="lt1"/>
+    </dgm:txFillClrLst>
+    <dgm:txEffectClrLst/>
+  </dgm:styleLbl>
+  <dgm:styleLbl name="trBgShp">
+    <dgm:fillClrLst meth="repeat">
+      <a:schemeClr val="accent1">
+        <a:tint val="50000"/>
+        <a:alpha val="40000"/>
+      </a:schemeClr>
+    </dgm:fillClrLst>
+    <dgm:linClrLst meth="repeat">
+      <a:schemeClr val="accent1"/>
+    </dgm:linClrLst>
+    <dgm:effectClrLst/>
+    <dgm:txLinClrLst/>
+    <dgm:txFillClrLst meth="repeat">
+      <a:schemeClr val="lt1"/>
+    </dgm:txFillClrLst>
+    <dgm:txEffectClrLst/>
+  </dgm:styleLbl>
+  <dgm:styleLbl name="fgShp">
+    <dgm:fillClrLst meth="repeat">
+      <a:schemeClr val="accent1">
+        <a:tint val="60000"/>
+      </a:schemeClr>
+    </dgm:fillClrLst>
+    <dgm:linClrLst meth="repeat">
+      <a:schemeClr val="lt1"/>
+    </dgm:linClrLst>
+    <dgm:effectClrLst/>
+    <dgm:txLinClrLst/>
+    <dgm:txFillClrLst meth="repeat">
+      <a:schemeClr val="dk1"/>
+    </dgm:txFillClrLst>
+    <dgm:txEffectClrLst/>
+  </dgm:styleLbl>
+  <dgm:styleLbl name="revTx">
+    <dgm:fillClrLst meth="repeat">
+      <a:schemeClr val="lt1">
+        <a:alpha val="0"/>
+      </a:schemeClr>
+    </dgm:fillClrLst>
+    <dgm:linClrLst meth="repeat">
+      <a:schemeClr val="dk1">
+        <a:alpha val="0"/>
+      </a:schemeClr>
+    </dgm:linClrLst>
+    <dgm:effectClrLst/>
+    <dgm:txLinClrLst/>
+    <dgm:txFillClrLst meth="repeat">
+      <a:schemeClr val="tx1"/>
+    </dgm:txFillClrLst>
+    <dgm:txEffectClrLst/>
+  </dgm:styleLbl>
+</dgm:colorsDef>
+</file>
+
 <file path=ppt/diagrams/data1.xml><?xml version="1.0" encoding="utf-8"?>
 <dgm:dataModel xmlns:dgm="http://schemas.openxmlformats.org/drawingml/2006/diagram" xmlns:a="http://schemas.openxmlformats.org/drawingml/2006/main">
   <dgm:ptLst>
@@ -8849,16 +9600,7 @@
     </dgm:pt>
     <dgm:pt modelId="{8FB0FF10-2EFE-4FBA-ABBF-CCE7E7B874D5}">
       <dgm:prSet phldrT="[Text]" custT="1"/>
-      <dgm:spPr>
-        <a:solidFill>
-          <a:schemeClr val="accent1">
-            <a:hueOff val="0"/>
-            <a:satOff val="0"/>
-            <a:lumOff val="0"/>
-            <a:alpha val="50000"/>
-          </a:schemeClr>
-        </a:solidFill>
-      </dgm:spPr>
+      <dgm:spPr/>
       <dgm:t>
         <a:bodyPr/>
         <a:lstStyle/>
@@ -8917,6 +9659,7 @@
             <a:hueOff val="0"/>
             <a:satOff val="0"/>
             <a:lumOff val="0"/>
+            <a:alpha val="50000"/>
           </a:schemeClr>
         </a:solidFill>
       </dgm:spPr>
@@ -9111,7 +9854,7 @@
   <dgm:whole/>
   <dgm:extLst>
     <a:ext uri="http://schemas.microsoft.com/office/drawing/2008/diagram">
-      <dsp:dataModelExt xmlns:dsp="http://schemas.microsoft.com/office/drawing/2008/diagram" relId="rId6" minVer="http://schemas.openxmlformats.org/drawingml/2006/diagram"/>
+      <dsp:dataModelExt xmlns:dsp="http://schemas.microsoft.com/office/drawing/2008/diagram" relId="rId7" minVer="http://schemas.openxmlformats.org/drawingml/2006/diagram"/>
     </a:ext>
   </dgm:extLst>
 </dgm:dataModel>
@@ -9677,7 +10420,6 @@
             <a:hueOff val="0"/>
             <a:satOff val="0"/>
             <a:lumOff val="0"/>
-            <a:alpha val="50000"/>
           </a:schemeClr>
         </a:solidFill>
       </dgm:spPr>
@@ -9731,6 +10473,7 @@
             <a:hueOff val="0"/>
             <a:satOff val="0"/>
             <a:lumOff val="0"/>
+            <a:alpha val="50000"/>
           </a:schemeClr>
         </a:solidFill>
       </dgm:spPr>
@@ -9871,7 +10614,7 @@
   <dgm:whole/>
   <dgm:extLst>
     <a:ext uri="http://schemas.microsoft.com/office/drawing/2008/diagram">
-      <dsp:dataModelExt xmlns:dsp="http://schemas.microsoft.com/office/drawing/2008/diagram" relId="rId6" minVer="http://schemas.openxmlformats.org/drawingml/2006/diagram"/>
+      <dsp:dataModelExt xmlns:dsp="http://schemas.microsoft.com/office/drawing/2008/diagram" relId="rId9" minVer="http://schemas.openxmlformats.org/drawingml/2006/diagram"/>
     </a:ext>
   </dgm:extLst>
 </dgm:dataModel>
@@ -10251,7 +10994,387 @@
   <dgm:whole/>
   <dgm:extLst>
     <a:ext uri="http://schemas.microsoft.com/office/drawing/2008/diagram">
-      <dsp:dataModelExt xmlns:dsp="http://schemas.microsoft.com/office/drawing/2008/diagram" relId="rId6" minVer="http://schemas.openxmlformats.org/drawingml/2006/diagram"/>
+      <dsp:dataModelExt xmlns:dsp="http://schemas.microsoft.com/office/drawing/2008/diagram" relId="rId7" minVer="http://schemas.openxmlformats.org/drawingml/2006/diagram"/>
+    </a:ext>
+  </dgm:extLst>
+</dgm:dataModel>
+</file>
+
+<file path=ppt/diagrams/data7.xml><?xml version="1.0" encoding="utf-8"?>
+<dgm:dataModel xmlns:dgm="http://schemas.openxmlformats.org/drawingml/2006/diagram" xmlns:a="http://schemas.openxmlformats.org/drawingml/2006/main">
+  <dgm:ptLst>
+    <dgm:pt modelId="{799ECA02-B557-4C2A-B111-F44633C4F0B1}" type="doc">
+      <dgm:prSet loTypeId="urn:microsoft.com/office/officeart/2005/8/layout/chevron1" loCatId="process" qsTypeId="urn:microsoft.com/office/officeart/2005/8/quickstyle/simple1" qsCatId="simple" csTypeId="urn:microsoft.com/office/officeart/2005/8/colors/accent1_2" csCatId="accent1" phldr="1"/>
+      <dgm:spPr/>
+      <dgm:t>
+        <a:bodyPr/>
+        <a:lstStyle/>
+        <a:p>
+          <a:endParaRPr lang="en-US"/>
+        </a:p>
+      </dgm:t>
+    </dgm:pt>
+    <dgm:pt modelId="{7E3245C2-2105-407A-90C3-6ED31D13F606}">
+      <dgm:prSet phldrT="[Text]" custT="1"/>
+      <dgm:spPr>
+        <a:solidFill>
+          <a:schemeClr val="accent1">
+            <a:hueOff val="0"/>
+            <a:satOff val="0"/>
+            <a:lumOff val="0"/>
+            <a:alpha val="50000"/>
+          </a:schemeClr>
+        </a:solidFill>
+      </dgm:spPr>
+      <dgm:t>
+        <a:bodyPr/>
+        <a:lstStyle/>
+        <a:p>
+          <a:r>
+            <a:rPr lang="hr-HR" sz="2000" dirty="0"/>
+            <a:t>Input </a:t>
+          </a:r>
+          <a:r>
+            <a:rPr lang="hr-HR" sz="2000" dirty="0" err="1"/>
+            <a:t>document</a:t>
+          </a:r>
+          <a:endParaRPr lang="en-US" sz="2000" dirty="0"/>
+        </a:p>
+      </dgm:t>
+    </dgm:pt>
+    <dgm:pt modelId="{4DD73DBE-CF6C-4DAC-9ADC-D3B3B712A0A3}" type="parTrans" cxnId="{889EBDFA-9620-4EF5-A259-3B51A03A8D28}">
+      <dgm:prSet/>
+      <dgm:spPr/>
+      <dgm:t>
+        <a:bodyPr/>
+        <a:lstStyle/>
+        <a:p>
+          <a:endParaRPr lang="en-US"/>
+        </a:p>
+      </dgm:t>
+    </dgm:pt>
+    <dgm:pt modelId="{90F8CA31-9A54-421E-A576-DFBD300CE1C5}" type="sibTrans" cxnId="{889EBDFA-9620-4EF5-A259-3B51A03A8D28}">
+      <dgm:prSet/>
+      <dgm:spPr/>
+      <dgm:t>
+        <a:bodyPr/>
+        <a:lstStyle/>
+        <a:p>
+          <a:endParaRPr lang="en-US"/>
+        </a:p>
+      </dgm:t>
+    </dgm:pt>
+    <dgm:pt modelId="{0CA5A0BA-8073-4073-B963-B31E9CED19C7}">
+      <dgm:prSet phldrT="[Text]" custT="1"/>
+      <dgm:spPr>
+        <a:solidFill>
+          <a:schemeClr val="accent1">
+            <a:hueOff val="0"/>
+            <a:satOff val="0"/>
+            <a:lumOff val="0"/>
+            <a:alpha val="50000"/>
+          </a:schemeClr>
+        </a:solidFill>
+      </dgm:spPr>
+      <dgm:t>
+        <a:bodyPr/>
+        <a:lstStyle/>
+        <a:p>
+          <a:r>
+            <a:rPr lang="hr-HR" sz="2000" dirty="0" err="1"/>
+            <a:t>Tokenization</a:t>
+          </a:r>
+          <a:endParaRPr lang="en-US" sz="2000" dirty="0"/>
+        </a:p>
+      </dgm:t>
+    </dgm:pt>
+    <dgm:pt modelId="{F211F473-CCD6-4411-BD55-897517B34856}" type="parTrans" cxnId="{3762DB4F-1E84-4AFE-A716-58FBAA9270E7}">
+      <dgm:prSet/>
+      <dgm:spPr/>
+      <dgm:t>
+        <a:bodyPr/>
+        <a:lstStyle/>
+        <a:p>
+          <a:endParaRPr lang="en-US"/>
+        </a:p>
+      </dgm:t>
+    </dgm:pt>
+    <dgm:pt modelId="{65D1D598-FE66-4712-AFC7-AE425C04FE01}" type="sibTrans" cxnId="{3762DB4F-1E84-4AFE-A716-58FBAA9270E7}">
+      <dgm:prSet/>
+      <dgm:spPr/>
+      <dgm:t>
+        <a:bodyPr/>
+        <a:lstStyle/>
+        <a:p>
+          <a:endParaRPr lang="en-US"/>
+        </a:p>
+      </dgm:t>
+    </dgm:pt>
+    <dgm:pt modelId="{8FB0FF10-2EFE-4FBA-ABBF-CCE7E7B874D5}">
+      <dgm:prSet phldrT="[Text]" custT="1"/>
+      <dgm:spPr>
+        <a:solidFill>
+          <a:schemeClr val="accent1">
+            <a:hueOff val="0"/>
+            <a:satOff val="0"/>
+            <a:lumOff val="0"/>
+            <a:alpha val="50000"/>
+          </a:schemeClr>
+        </a:solidFill>
+      </dgm:spPr>
+      <dgm:t>
+        <a:bodyPr/>
+        <a:lstStyle/>
+        <a:p>
+          <a:r>
+            <a:rPr lang="hr-HR" sz="2000" dirty="0" err="1"/>
+            <a:t>Basic</a:t>
+          </a:r>
+          <a:r>
+            <a:rPr lang="hr-HR" sz="2000" dirty="0"/>
+            <a:t> </a:t>
+          </a:r>
+          <a:r>
+            <a:rPr lang="hr-HR" sz="2000" dirty="0" err="1"/>
+            <a:t>feature</a:t>
+          </a:r>
+          <a:r>
+            <a:rPr lang="hr-HR" sz="2000" dirty="0"/>
+            <a:t> </a:t>
+          </a:r>
+          <a:r>
+            <a:rPr lang="hr-HR" sz="2000" dirty="0" err="1"/>
+            <a:t>extraction</a:t>
+          </a:r>
+          <a:endParaRPr lang="en-US" sz="2000" dirty="0"/>
+        </a:p>
+      </dgm:t>
+    </dgm:pt>
+    <dgm:pt modelId="{887D4AB5-0F30-4F92-9366-7ABF9C22B035}" type="parTrans" cxnId="{9EE2CFDA-1EF3-4055-969A-D6B5F4F0C992}">
+      <dgm:prSet/>
+      <dgm:spPr/>
+      <dgm:t>
+        <a:bodyPr/>
+        <a:lstStyle/>
+        <a:p>
+          <a:endParaRPr lang="en-US"/>
+        </a:p>
+      </dgm:t>
+    </dgm:pt>
+    <dgm:pt modelId="{38EBCF2E-3CD0-4C4B-A618-434744589AD5}" type="sibTrans" cxnId="{9EE2CFDA-1EF3-4055-969A-D6B5F4F0C992}">
+      <dgm:prSet/>
+      <dgm:spPr/>
+      <dgm:t>
+        <a:bodyPr/>
+        <a:lstStyle/>
+        <a:p>
+          <a:endParaRPr lang="en-US"/>
+        </a:p>
+      </dgm:t>
+    </dgm:pt>
+    <dgm:pt modelId="{0BF682E6-2470-4A11-9086-53F51A82D7A3}">
+      <dgm:prSet phldrT="[Text]" custT="1"/>
+      <dgm:spPr>
+        <a:solidFill>
+          <a:schemeClr val="accent1">
+            <a:hueOff val="0"/>
+            <a:satOff val="0"/>
+            <a:lumOff val="0"/>
+            <a:alpha val="50000"/>
+          </a:schemeClr>
+        </a:solidFill>
+      </dgm:spPr>
+      <dgm:t>
+        <a:bodyPr/>
+        <a:lstStyle/>
+        <a:p>
+          <a:r>
+            <a:rPr lang="hr-HR" sz="2000" dirty="0" err="1"/>
+            <a:t>Feature</a:t>
+          </a:r>
+          <a:r>
+            <a:rPr lang="hr-HR" sz="2000" dirty="0"/>
+            <a:t> </a:t>
+          </a:r>
+          <a:r>
+            <a:rPr lang="hr-HR" sz="2000" dirty="0" err="1"/>
+            <a:t>transformation</a:t>
+          </a:r>
+          <a:endParaRPr lang="en-US" sz="2000" dirty="0"/>
+        </a:p>
+      </dgm:t>
+    </dgm:pt>
+    <dgm:pt modelId="{183D7A46-3B3B-468C-A50B-70CBA4F2CEF9}" type="parTrans" cxnId="{946A4DEC-E217-4790-B77F-1AFDA39248FD}">
+      <dgm:prSet/>
+      <dgm:spPr/>
+      <dgm:t>
+        <a:bodyPr/>
+        <a:lstStyle/>
+        <a:p>
+          <a:endParaRPr lang="en-US"/>
+        </a:p>
+      </dgm:t>
+    </dgm:pt>
+    <dgm:pt modelId="{A2241D98-0CB5-42EB-A18C-A9B6B9C53E87}" type="sibTrans" cxnId="{946A4DEC-E217-4790-B77F-1AFDA39248FD}">
+      <dgm:prSet/>
+      <dgm:spPr/>
+      <dgm:t>
+        <a:bodyPr/>
+        <a:lstStyle/>
+        <a:p>
+          <a:endParaRPr lang="en-US"/>
+        </a:p>
+      </dgm:t>
+    </dgm:pt>
+    <dgm:pt modelId="{B21B6DFB-AFC3-4973-9C4F-51B4EA12D3E7}">
+      <dgm:prSet phldrT="[Text]"/>
+      <dgm:spPr>
+        <a:solidFill>
+          <a:schemeClr val="accent1">
+            <a:hueOff val="0"/>
+            <a:satOff val="0"/>
+            <a:lumOff val="0"/>
+          </a:schemeClr>
+        </a:solidFill>
+      </dgm:spPr>
+      <dgm:t>
+        <a:bodyPr/>
+        <a:lstStyle/>
+        <a:p>
+          <a:r>
+            <a:rPr lang="hr-HR" dirty="0" err="1"/>
+            <a:t>Clustering</a:t>
+          </a:r>
+          <a:endParaRPr lang="en-US" dirty="0"/>
+        </a:p>
+      </dgm:t>
+    </dgm:pt>
+    <dgm:pt modelId="{8357AD4B-38CA-4E38-B0FF-A2FBB4A9D65F}" type="parTrans" cxnId="{279DB333-59F7-48FF-A859-D55790EB12F0}">
+      <dgm:prSet/>
+      <dgm:spPr/>
+      <dgm:t>
+        <a:bodyPr/>
+        <a:lstStyle/>
+        <a:p>
+          <a:endParaRPr lang="en-US"/>
+        </a:p>
+      </dgm:t>
+    </dgm:pt>
+    <dgm:pt modelId="{873D84AD-73C3-4BD7-A01B-E29B2753BBC8}" type="sibTrans" cxnId="{279DB333-59F7-48FF-A859-D55790EB12F0}">
+      <dgm:prSet/>
+      <dgm:spPr/>
+      <dgm:t>
+        <a:bodyPr/>
+        <a:lstStyle/>
+        <a:p>
+          <a:endParaRPr lang="en-US"/>
+        </a:p>
+      </dgm:t>
+    </dgm:pt>
+    <dgm:pt modelId="{6C313407-3338-4689-B2F4-45436F7386CA}" type="pres">
+      <dgm:prSet presAssocID="{799ECA02-B557-4C2A-B111-F44633C4F0B1}" presName="Name0" presStyleCnt="0">
+        <dgm:presLayoutVars>
+          <dgm:dir/>
+          <dgm:animLvl val="lvl"/>
+          <dgm:resizeHandles val="exact"/>
+        </dgm:presLayoutVars>
+      </dgm:prSet>
+      <dgm:spPr/>
+    </dgm:pt>
+    <dgm:pt modelId="{6DD0A5BE-065D-4DC1-806D-AAFA173DC15A}" type="pres">
+      <dgm:prSet presAssocID="{7E3245C2-2105-407A-90C3-6ED31D13F606}" presName="parTxOnly" presStyleLbl="node1" presStyleIdx="0" presStyleCnt="5">
+        <dgm:presLayoutVars>
+          <dgm:chMax val="0"/>
+          <dgm:chPref val="0"/>
+          <dgm:bulletEnabled val="1"/>
+        </dgm:presLayoutVars>
+      </dgm:prSet>
+      <dgm:spPr/>
+    </dgm:pt>
+    <dgm:pt modelId="{03A6A441-A937-4DD4-8690-C842937E059C}" type="pres">
+      <dgm:prSet presAssocID="{90F8CA31-9A54-421E-A576-DFBD300CE1C5}" presName="parTxOnlySpace" presStyleCnt="0"/>
+      <dgm:spPr/>
+    </dgm:pt>
+    <dgm:pt modelId="{67D566AB-9CE3-49F5-9402-BB36AD6ABAF5}" type="pres">
+      <dgm:prSet presAssocID="{0CA5A0BA-8073-4073-B963-B31E9CED19C7}" presName="parTxOnly" presStyleLbl="node1" presStyleIdx="1" presStyleCnt="5" custScaleX="110160">
+        <dgm:presLayoutVars>
+          <dgm:chMax val="0"/>
+          <dgm:chPref val="0"/>
+          <dgm:bulletEnabled val="1"/>
+        </dgm:presLayoutVars>
+      </dgm:prSet>
+      <dgm:spPr/>
+    </dgm:pt>
+    <dgm:pt modelId="{0D4EB2CE-CFCE-4D9C-BDF9-016E2AC16717}" type="pres">
+      <dgm:prSet presAssocID="{65D1D598-FE66-4712-AFC7-AE425C04FE01}" presName="parTxOnlySpace" presStyleCnt="0"/>
+      <dgm:spPr/>
+    </dgm:pt>
+    <dgm:pt modelId="{3800F4D9-22BA-41C1-936C-3CBBC033D950}" type="pres">
+      <dgm:prSet presAssocID="{8FB0FF10-2EFE-4FBA-ABBF-CCE7E7B874D5}" presName="parTxOnly" presStyleLbl="node1" presStyleIdx="2" presStyleCnt="5" custScaleX="119035" custLinFactNeighborY="-844">
+        <dgm:presLayoutVars>
+          <dgm:chMax val="0"/>
+          <dgm:chPref val="0"/>
+          <dgm:bulletEnabled val="1"/>
+        </dgm:presLayoutVars>
+      </dgm:prSet>
+      <dgm:spPr/>
+    </dgm:pt>
+    <dgm:pt modelId="{2A12369E-E159-45F3-A124-04483CC1C52F}" type="pres">
+      <dgm:prSet presAssocID="{38EBCF2E-3CD0-4C4B-A618-434744589AD5}" presName="parTxOnlySpace" presStyleCnt="0"/>
+      <dgm:spPr/>
+    </dgm:pt>
+    <dgm:pt modelId="{41DA60EF-6F20-4F23-A0AB-4E27ADE6D8A0}" type="pres">
+      <dgm:prSet presAssocID="{0BF682E6-2470-4A11-9086-53F51A82D7A3}" presName="parTxOnly" presStyleLbl="node1" presStyleIdx="3" presStyleCnt="5" custScaleX="127521">
+        <dgm:presLayoutVars>
+          <dgm:chMax val="0"/>
+          <dgm:chPref val="0"/>
+          <dgm:bulletEnabled val="1"/>
+        </dgm:presLayoutVars>
+      </dgm:prSet>
+      <dgm:spPr/>
+    </dgm:pt>
+    <dgm:pt modelId="{FC152B25-7EE9-49C2-8F88-4D769F5C452B}" type="pres">
+      <dgm:prSet presAssocID="{A2241D98-0CB5-42EB-A18C-A9B6B9C53E87}" presName="parTxOnlySpace" presStyleCnt="0"/>
+      <dgm:spPr/>
+    </dgm:pt>
+    <dgm:pt modelId="{2F56FC5B-D57E-4ABA-9D00-D88203AF76B9}" type="pres">
+      <dgm:prSet presAssocID="{B21B6DFB-AFC3-4973-9C4F-51B4EA12D3E7}" presName="parTxOnly" presStyleLbl="node1" presStyleIdx="4" presStyleCnt="5">
+        <dgm:presLayoutVars>
+          <dgm:chMax val="0"/>
+          <dgm:chPref val="0"/>
+          <dgm:bulletEnabled val="1"/>
+        </dgm:presLayoutVars>
+      </dgm:prSet>
+      <dgm:spPr/>
+    </dgm:pt>
+  </dgm:ptLst>
+  <dgm:cxnLst>
+    <dgm:cxn modelId="{D9D5C307-2CB4-41F1-B197-5C2590F50BD0}" type="presOf" srcId="{B21B6DFB-AFC3-4973-9C4F-51B4EA12D3E7}" destId="{2F56FC5B-D57E-4ABA-9D00-D88203AF76B9}" srcOrd="0" destOrd="0" presId="urn:microsoft.com/office/officeart/2005/8/layout/chevron1"/>
+    <dgm:cxn modelId="{279DB333-59F7-48FF-A859-D55790EB12F0}" srcId="{799ECA02-B557-4C2A-B111-F44633C4F0B1}" destId="{B21B6DFB-AFC3-4973-9C4F-51B4EA12D3E7}" srcOrd="4" destOrd="0" parTransId="{8357AD4B-38CA-4E38-B0FF-A2FBB4A9D65F}" sibTransId="{873D84AD-73C3-4BD7-A01B-E29B2753BBC8}"/>
+    <dgm:cxn modelId="{9E92285E-60C9-4CF9-8578-C59A80A740EF}" type="presOf" srcId="{0CA5A0BA-8073-4073-B963-B31E9CED19C7}" destId="{67D566AB-9CE3-49F5-9402-BB36AD6ABAF5}" srcOrd="0" destOrd="0" presId="urn:microsoft.com/office/officeart/2005/8/layout/chevron1"/>
+    <dgm:cxn modelId="{3762DB4F-1E84-4AFE-A716-58FBAA9270E7}" srcId="{799ECA02-B557-4C2A-B111-F44633C4F0B1}" destId="{0CA5A0BA-8073-4073-B963-B31E9CED19C7}" srcOrd="1" destOrd="0" parTransId="{F211F473-CCD6-4411-BD55-897517B34856}" sibTransId="{65D1D598-FE66-4712-AFC7-AE425C04FE01}"/>
+    <dgm:cxn modelId="{BF28C974-A2EA-402E-8FA2-586A4564A04D}" type="presOf" srcId="{7E3245C2-2105-407A-90C3-6ED31D13F606}" destId="{6DD0A5BE-065D-4DC1-806D-AAFA173DC15A}" srcOrd="0" destOrd="0" presId="urn:microsoft.com/office/officeart/2005/8/layout/chevron1"/>
+    <dgm:cxn modelId="{C693F3A4-D1EB-414E-A91B-202C47D75B02}" type="presOf" srcId="{0BF682E6-2470-4A11-9086-53F51A82D7A3}" destId="{41DA60EF-6F20-4F23-A0AB-4E27ADE6D8A0}" srcOrd="0" destOrd="0" presId="urn:microsoft.com/office/officeart/2005/8/layout/chevron1"/>
+    <dgm:cxn modelId="{2F7F2BAD-3078-4E70-8567-0BD12D28119E}" type="presOf" srcId="{799ECA02-B557-4C2A-B111-F44633C4F0B1}" destId="{6C313407-3338-4689-B2F4-45436F7386CA}" srcOrd="0" destOrd="0" presId="urn:microsoft.com/office/officeart/2005/8/layout/chevron1"/>
+    <dgm:cxn modelId="{9EE2CFDA-1EF3-4055-969A-D6B5F4F0C992}" srcId="{799ECA02-B557-4C2A-B111-F44633C4F0B1}" destId="{8FB0FF10-2EFE-4FBA-ABBF-CCE7E7B874D5}" srcOrd="2" destOrd="0" parTransId="{887D4AB5-0F30-4F92-9366-7ABF9C22B035}" sibTransId="{38EBCF2E-3CD0-4C4B-A618-434744589AD5}"/>
+    <dgm:cxn modelId="{946A4DEC-E217-4790-B77F-1AFDA39248FD}" srcId="{799ECA02-B557-4C2A-B111-F44633C4F0B1}" destId="{0BF682E6-2470-4A11-9086-53F51A82D7A3}" srcOrd="3" destOrd="0" parTransId="{183D7A46-3B3B-468C-A50B-70CBA4F2CEF9}" sibTransId="{A2241D98-0CB5-42EB-A18C-A9B6B9C53E87}"/>
+    <dgm:cxn modelId="{889EBDFA-9620-4EF5-A259-3B51A03A8D28}" srcId="{799ECA02-B557-4C2A-B111-F44633C4F0B1}" destId="{7E3245C2-2105-407A-90C3-6ED31D13F606}" srcOrd="0" destOrd="0" parTransId="{4DD73DBE-CF6C-4DAC-9ADC-D3B3B712A0A3}" sibTransId="{90F8CA31-9A54-421E-A576-DFBD300CE1C5}"/>
+    <dgm:cxn modelId="{C4FF6BFC-06E8-4A7C-901F-4143D96703A7}" type="presOf" srcId="{8FB0FF10-2EFE-4FBA-ABBF-CCE7E7B874D5}" destId="{3800F4D9-22BA-41C1-936C-3CBBC033D950}" srcOrd="0" destOrd="0" presId="urn:microsoft.com/office/officeart/2005/8/layout/chevron1"/>
+    <dgm:cxn modelId="{00D8FE77-1A3D-4F06-AEFB-CA50FAD138D7}" type="presParOf" srcId="{6C313407-3338-4689-B2F4-45436F7386CA}" destId="{6DD0A5BE-065D-4DC1-806D-AAFA173DC15A}" srcOrd="0" destOrd="0" presId="urn:microsoft.com/office/officeart/2005/8/layout/chevron1"/>
+    <dgm:cxn modelId="{3087DC4B-F0A5-4EE4-B42B-24455AFFFAB3}" type="presParOf" srcId="{6C313407-3338-4689-B2F4-45436F7386CA}" destId="{03A6A441-A937-4DD4-8690-C842937E059C}" srcOrd="1" destOrd="0" presId="urn:microsoft.com/office/officeart/2005/8/layout/chevron1"/>
+    <dgm:cxn modelId="{65824072-F9A0-4566-A7E6-76AF4A6CC1EE}" type="presParOf" srcId="{6C313407-3338-4689-B2F4-45436F7386CA}" destId="{67D566AB-9CE3-49F5-9402-BB36AD6ABAF5}" srcOrd="2" destOrd="0" presId="urn:microsoft.com/office/officeart/2005/8/layout/chevron1"/>
+    <dgm:cxn modelId="{CA391824-2798-4CCB-8A66-EB211A2FB6A0}" type="presParOf" srcId="{6C313407-3338-4689-B2F4-45436F7386CA}" destId="{0D4EB2CE-CFCE-4D9C-BDF9-016E2AC16717}" srcOrd="3" destOrd="0" presId="urn:microsoft.com/office/officeart/2005/8/layout/chevron1"/>
+    <dgm:cxn modelId="{DA82964B-5B75-4708-99A4-A09088DC70A6}" type="presParOf" srcId="{6C313407-3338-4689-B2F4-45436F7386CA}" destId="{3800F4D9-22BA-41C1-936C-3CBBC033D950}" srcOrd="4" destOrd="0" presId="urn:microsoft.com/office/officeart/2005/8/layout/chevron1"/>
+    <dgm:cxn modelId="{C5193CA1-01C5-4676-B9D0-55A1418F5ABC}" type="presParOf" srcId="{6C313407-3338-4689-B2F4-45436F7386CA}" destId="{2A12369E-E159-45F3-A124-04483CC1C52F}" srcOrd="5" destOrd="0" presId="urn:microsoft.com/office/officeart/2005/8/layout/chevron1"/>
+    <dgm:cxn modelId="{AD9A6603-01EE-4A52-A8FC-858F03FB2E27}" type="presParOf" srcId="{6C313407-3338-4689-B2F4-45436F7386CA}" destId="{41DA60EF-6F20-4F23-A0AB-4E27ADE6D8A0}" srcOrd="6" destOrd="0" presId="urn:microsoft.com/office/officeart/2005/8/layout/chevron1"/>
+    <dgm:cxn modelId="{1B3B7A42-4711-4D98-8108-F04EB19B2896}" type="presParOf" srcId="{6C313407-3338-4689-B2F4-45436F7386CA}" destId="{FC152B25-7EE9-49C2-8F88-4D769F5C452B}" srcOrd="7" destOrd="0" presId="urn:microsoft.com/office/officeart/2005/8/layout/chevron1"/>
+    <dgm:cxn modelId="{D3D5BE18-409E-4ABE-AE71-964B19598A89}" type="presParOf" srcId="{6C313407-3338-4689-B2F4-45436F7386CA}" destId="{2F56FC5B-D57E-4ABA-9D00-D88203AF76B9}" srcOrd="8" destOrd="0" presId="urn:microsoft.com/office/officeart/2005/8/layout/chevron1"/>
+  </dgm:cxnLst>
+  <dgm:bg/>
+  <dgm:whole/>
+  <dgm:extLst>
+    <a:ext uri="http://schemas.microsoft.com/office/drawing/2008/diagram">
+      <dsp:dataModelExt xmlns:dsp="http://schemas.microsoft.com/office/drawing/2008/diagram" relId="rId7" minVer="http://schemas.openxmlformats.org/drawingml/2006/diagram"/>
     </a:ext>
   </dgm:extLst>
 </dgm:dataModel>
@@ -11315,7 +12438,7 @@
             <a:hueOff val="0"/>
             <a:satOff val="0"/>
             <a:lumOff val="0"/>
-            <a:alpha val="50000"/>
+            <a:alphaOff val="0"/>
           </a:schemeClr>
         </a:solidFill>
         <a:ln w="12700" cap="flat" cmpd="sng" algn="ctr">
@@ -11410,6 +12533,7 @@
             <a:hueOff val="0"/>
             <a:satOff val="0"/>
             <a:lumOff val="0"/>
+            <a:alpha val="50000"/>
           </a:schemeClr>
         </a:solidFill>
         <a:ln w="12700" cap="flat" cmpd="sng" algn="ctr">
@@ -12278,6 +13402,440 @@
             <a:hueOff val="0"/>
             <a:satOff val="0"/>
             <a:lumOff val="0"/>
+          </a:schemeClr>
+        </a:solidFill>
+        <a:ln w="12700" cap="flat" cmpd="sng" algn="ctr">
+          <a:solidFill>
+            <a:schemeClr val="lt1">
+              <a:hueOff val="0"/>
+              <a:satOff val="0"/>
+              <a:lumOff val="0"/>
+              <a:alphaOff val="0"/>
+            </a:schemeClr>
+          </a:solidFill>
+          <a:prstDash val="solid"/>
+          <a:miter lim="800000"/>
+        </a:ln>
+        <a:effectLst/>
+      </dsp:spPr>
+      <dsp:style>
+        <a:lnRef idx="2">
+          <a:scrgbClr r="0" g="0" b="0"/>
+        </a:lnRef>
+        <a:fillRef idx="1">
+          <a:scrgbClr r="0" g="0" b="0"/>
+        </a:fillRef>
+        <a:effectRef idx="0">
+          <a:scrgbClr r="0" g="0" b="0"/>
+        </a:effectRef>
+        <a:fontRef idx="minor">
+          <a:schemeClr val="lt1"/>
+        </a:fontRef>
+      </dsp:style>
+      <dsp:txBody>
+        <a:bodyPr spcFirstLastPara="0" vert="horz" wrap="square" lIns="80010" tIns="26670" rIns="26670" bIns="26670" numCol="1" spcCol="1270" anchor="ctr" anchorCtr="0">
+          <a:noAutofit/>
+        </a:bodyPr>
+        <a:lstStyle/>
+        <a:p>
+          <a:pPr marL="0" lvl="0" indent="0" algn="ctr" defTabSz="889000">
+            <a:lnSpc>
+              <a:spcPct val="90000"/>
+            </a:lnSpc>
+            <a:spcBef>
+              <a:spcPct val="0"/>
+            </a:spcBef>
+            <a:spcAft>
+              <a:spcPct val="35000"/>
+            </a:spcAft>
+            <a:buNone/>
+          </a:pPr>
+          <a:r>
+            <a:rPr lang="hr-HR" sz="2000" kern="1200" dirty="0" err="1"/>
+            <a:t>Feature</a:t>
+          </a:r>
+          <a:r>
+            <a:rPr lang="hr-HR" sz="2000" kern="1200" dirty="0"/>
+            <a:t> </a:t>
+          </a:r>
+          <a:r>
+            <a:rPr lang="hr-HR" sz="2000" kern="1200" dirty="0" err="1"/>
+            <a:t>transformation</a:t>
+          </a:r>
+          <a:endParaRPr lang="en-US" sz="2000" kern="1200" dirty="0"/>
+        </a:p>
+      </dsp:txBody>
+      <dsp:txXfrm>
+        <a:off x="6733540" y="0"/>
+        <a:ext cx="2009249" cy="707776"/>
+      </dsp:txXfrm>
+    </dsp:sp>
+    <dsp:sp modelId="{2F56FC5B-D57E-4ABA-9D00-D88203AF76B9}">
+      <dsp:nvSpPr>
+        <dsp:cNvPr id="0" name=""/>
+        <dsp:cNvSpPr/>
+      </dsp:nvSpPr>
+      <dsp:spPr>
+        <a:xfrm>
+          <a:off x="8883613" y="0"/>
+          <a:ext cx="2130649" cy="707776"/>
+        </a:xfrm>
+        <a:prstGeom prst="chevron">
+          <a:avLst/>
+        </a:prstGeom>
+        <a:solidFill>
+          <a:schemeClr val="accent1">
+            <a:hueOff val="0"/>
+            <a:satOff val="0"/>
+            <a:lumOff val="0"/>
+            <a:alpha val="50000"/>
+          </a:schemeClr>
+        </a:solidFill>
+        <a:ln w="12700" cap="flat" cmpd="sng" algn="ctr">
+          <a:solidFill>
+            <a:schemeClr val="lt1">
+              <a:hueOff val="0"/>
+              <a:satOff val="0"/>
+              <a:lumOff val="0"/>
+              <a:alphaOff val="0"/>
+            </a:schemeClr>
+          </a:solidFill>
+          <a:prstDash val="solid"/>
+          <a:miter lim="800000"/>
+        </a:ln>
+        <a:effectLst/>
+      </dsp:spPr>
+      <dsp:style>
+        <a:lnRef idx="2">
+          <a:scrgbClr r="0" g="0" b="0"/>
+        </a:lnRef>
+        <a:fillRef idx="1">
+          <a:scrgbClr r="0" g="0" b="0"/>
+        </a:fillRef>
+        <a:effectRef idx="0">
+          <a:scrgbClr r="0" g="0" b="0"/>
+        </a:effectRef>
+        <a:fontRef idx="minor">
+          <a:schemeClr val="lt1"/>
+        </a:fontRef>
+      </dsp:style>
+      <dsp:txBody>
+        <a:bodyPr spcFirstLastPara="0" vert="horz" wrap="square" lIns="96012" tIns="32004" rIns="32004" bIns="32004" numCol="1" spcCol="1270" anchor="ctr" anchorCtr="0">
+          <a:noAutofit/>
+        </a:bodyPr>
+        <a:lstStyle/>
+        <a:p>
+          <a:pPr marL="0" lvl="0" indent="0" algn="ctr" defTabSz="1066800">
+            <a:lnSpc>
+              <a:spcPct val="90000"/>
+            </a:lnSpc>
+            <a:spcBef>
+              <a:spcPct val="0"/>
+            </a:spcBef>
+            <a:spcAft>
+              <a:spcPct val="35000"/>
+            </a:spcAft>
+            <a:buNone/>
+          </a:pPr>
+          <a:r>
+            <a:rPr lang="hr-HR" sz="2400" kern="1200" dirty="0" err="1"/>
+            <a:t>Clustering</a:t>
+          </a:r>
+          <a:endParaRPr lang="en-US" sz="2400" kern="1200" dirty="0"/>
+        </a:p>
+      </dsp:txBody>
+      <dsp:txXfrm>
+        <a:off x="9237501" y="0"/>
+        <a:ext cx="1422873" cy="707776"/>
+      </dsp:txXfrm>
+    </dsp:sp>
+  </dsp:spTree>
+</dsp:drawing>
+</file>
+
+<file path=ppt/diagrams/drawing6.xml><?xml version="1.0" encoding="utf-8"?>
+<dsp:drawing xmlns:dgm="http://schemas.openxmlformats.org/drawingml/2006/diagram" xmlns:dsp="http://schemas.microsoft.com/office/drawing/2008/diagram" xmlns:a="http://schemas.openxmlformats.org/drawingml/2006/main">
+  <dsp:spTree>
+    <dsp:nvGrpSpPr>
+      <dsp:cNvPr id="0" name=""/>
+      <dsp:cNvGrpSpPr/>
+    </dsp:nvGrpSpPr>
+    <dsp:grpSpPr/>
+    <dsp:sp modelId="{6DD0A5BE-065D-4DC1-806D-AAFA173DC15A}">
+      <dsp:nvSpPr>
+        <dsp:cNvPr id="0" name=""/>
+        <dsp:cNvSpPr/>
+      </dsp:nvSpPr>
+      <dsp:spPr>
+        <a:xfrm>
+          <a:off x="4854" y="0"/>
+          <a:ext cx="2130649" cy="707776"/>
+        </a:xfrm>
+        <a:prstGeom prst="chevron">
+          <a:avLst/>
+        </a:prstGeom>
+        <a:solidFill>
+          <a:schemeClr val="accent1">
+            <a:hueOff val="0"/>
+            <a:satOff val="0"/>
+            <a:lumOff val="0"/>
+            <a:alpha val="50000"/>
+          </a:schemeClr>
+        </a:solidFill>
+        <a:ln w="12700" cap="flat" cmpd="sng" algn="ctr">
+          <a:solidFill>
+            <a:schemeClr val="lt1">
+              <a:hueOff val="0"/>
+              <a:satOff val="0"/>
+              <a:lumOff val="0"/>
+              <a:alphaOff val="0"/>
+            </a:schemeClr>
+          </a:solidFill>
+          <a:prstDash val="solid"/>
+          <a:miter lim="800000"/>
+        </a:ln>
+        <a:effectLst/>
+      </dsp:spPr>
+      <dsp:style>
+        <a:lnRef idx="2">
+          <a:scrgbClr r="0" g="0" b="0"/>
+        </a:lnRef>
+        <a:fillRef idx="1">
+          <a:scrgbClr r="0" g="0" b="0"/>
+        </a:fillRef>
+        <a:effectRef idx="0">
+          <a:scrgbClr r="0" g="0" b="0"/>
+        </a:effectRef>
+        <a:fontRef idx="minor">
+          <a:schemeClr val="lt1"/>
+        </a:fontRef>
+      </dsp:style>
+      <dsp:txBody>
+        <a:bodyPr spcFirstLastPara="0" vert="horz" wrap="square" lIns="80010" tIns="26670" rIns="26670" bIns="26670" numCol="1" spcCol="1270" anchor="ctr" anchorCtr="0">
+          <a:noAutofit/>
+        </a:bodyPr>
+        <a:lstStyle/>
+        <a:p>
+          <a:pPr marL="0" lvl="0" indent="0" algn="ctr" defTabSz="889000">
+            <a:lnSpc>
+              <a:spcPct val="90000"/>
+            </a:lnSpc>
+            <a:spcBef>
+              <a:spcPct val="0"/>
+            </a:spcBef>
+            <a:spcAft>
+              <a:spcPct val="35000"/>
+            </a:spcAft>
+            <a:buNone/>
+          </a:pPr>
+          <a:r>
+            <a:rPr lang="hr-HR" sz="2000" kern="1200" dirty="0"/>
+            <a:t>Input </a:t>
+          </a:r>
+          <a:r>
+            <a:rPr lang="hr-HR" sz="2000" kern="1200" dirty="0" err="1"/>
+            <a:t>document</a:t>
+          </a:r>
+          <a:endParaRPr lang="en-US" sz="2000" kern="1200" dirty="0"/>
+        </a:p>
+      </dsp:txBody>
+      <dsp:txXfrm>
+        <a:off x="358742" y="0"/>
+        <a:ext cx="1422873" cy="707776"/>
+      </dsp:txXfrm>
+    </dsp:sp>
+    <dsp:sp modelId="{67D566AB-9CE3-49F5-9402-BB36AD6ABAF5}">
+      <dsp:nvSpPr>
+        <dsp:cNvPr id="0" name=""/>
+        <dsp:cNvSpPr/>
+      </dsp:nvSpPr>
+      <dsp:spPr>
+        <a:xfrm>
+          <a:off x="1922439" y="0"/>
+          <a:ext cx="2347123" cy="707776"/>
+        </a:xfrm>
+        <a:prstGeom prst="chevron">
+          <a:avLst/>
+        </a:prstGeom>
+        <a:solidFill>
+          <a:schemeClr val="accent1">
+            <a:hueOff val="0"/>
+            <a:satOff val="0"/>
+            <a:lumOff val="0"/>
+            <a:alpha val="50000"/>
+          </a:schemeClr>
+        </a:solidFill>
+        <a:ln w="12700" cap="flat" cmpd="sng" algn="ctr">
+          <a:solidFill>
+            <a:schemeClr val="lt1">
+              <a:hueOff val="0"/>
+              <a:satOff val="0"/>
+              <a:lumOff val="0"/>
+              <a:alphaOff val="0"/>
+            </a:schemeClr>
+          </a:solidFill>
+          <a:prstDash val="solid"/>
+          <a:miter lim="800000"/>
+        </a:ln>
+        <a:effectLst/>
+      </dsp:spPr>
+      <dsp:style>
+        <a:lnRef idx="2">
+          <a:scrgbClr r="0" g="0" b="0"/>
+        </a:lnRef>
+        <a:fillRef idx="1">
+          <a:scrgbClr r="0" g="0" b="0"/>
+        </a:fillRef>
+        <a:effectRef idx="0">
+          <a:scrgbClr r="0" g="0" b="0"/>
+        </a:effectRef>
+        <a:fontRef idx="minor">
+          <a:schemeClr val="lt1"/>
+        </a:fontRef>
+      </dsp:style>
+      <dsp:txBody>
+        <a:bodyPr spcFirstLastPara="0" vert="horz" wrap="square" lIns="80010" tIns="26670" rIns="26670" bIns="26670" numCol="1" spcCol="1270" anchor="ctr" anchorCtr="0">
+          <a:noAutofit/>
+        </a:bodyPr>
+        <a:lstStyle/>
+        <a:p>
+          <a:pPr marL="0" lvl="0" indent="0" algn="ctr" defTabSz="889000">
+            <a:lnSpc>
+              <a:spcPct val="90000"/>
+            </a:lnSpc>
+            <a:spcBef>
+              <a:spcPct val="0"/>
+            </a:spcBef>
+            <a:spcAft>
+              <a:spcPct val="35000"/>
+            </a:spcAft>
+            <a:buNone/>
+          </a:pPr>
+          <a:r>
+            <a:rPr lang="hr-HR" sz="2000" kern="1200" dirty="0" err="1"/>
+            <a:t>Tokenization</a:t>
+          </a:r>
+          <a:endParaRPr lang="en-US" sz="2000" kern="1200" dirty="0"/>
+        </a:p>
+      </dsp:txBody>
+      <dsp:txXfrm>
+        <a:off x="2276327" y="0"/>
+        <a:ext cx="1639347" cy="707776"/>
+      </dsp:txXfrm>
+    </dsp:sp>
+    <dsp:sp modelId="{3800F4D9-22BA-41C1-936C-3CBBC033D950}">
+      <dsp:nvSpPr>
+        <dsp:cNvPr id="0" name=""/>
+        <dsp:cNvSpPr/>
+      </dsp:nvSpPr>
+      <dsp:spPr>
+        <a:xfrm>
+          <a:off x="4056498" y="0"/>
+          <a:ext cx="2536218" cy="707776"/>
+        </a:xfrm>
+        <a:prstGeom prst="chevron">
+          <a:avLst/>
+        </a:prstGeom>
+        <a:solidFill>
+          <a:schemeClr val="accent1">
+            <a:hueOff val="0"/>
+            <a:satOff val="0"/>
+            <a:lumOff val="0"/>
+            <a:alpha val="50000"/>
+          </a:schemeClr>
+        </a:solidFill>
+        <a:ln w="12700" cap="flat" cmpd="sng" algn="ctr">
+          <a:solidFill>
+            <a:schemeClr val="lt1">
+              <a:hueOff val="0"/>
+              <a:satOff val="0"/>
+              <a:lumOff val="0"/>
+              <a:alphaOff val="0"/>
+            </a:schemeClr>
+          </a:solidFill>
+          <a:prstDash val="solid"/>
+          <a:miter lim="800000"/>
+        </a:ln>
+        <a:effectLst/>
+      </dsp:spPr>
+      <dsp:style>
+        <a:lnRef idx="2">
+          <a:scrgbClr r="0" g="0" b="0"/>
+        </a:lnRef>
+        <a:fillRef idx="1">
+          <a:scrgbClr r="0" g="0" b="0"/>
+        </a:fillRef>
+        <a:effectRef idx="0">
+          <a:scrgbClr r="0" g="0" b="0"/>
+        </a:effectRef>
+        <a:fontRef idx="minor">
+          <a:schemeClr val="lt1"/>
+        </a:fontRef>
+      </dsp:style>
+      <dsp:txBody>
+        <a:bodyPr spcFirstLastPara="0" vert="horz" wrap="square" lIns="80010" tIns="26670" rIns="26670" bIns="26670" numCol="1" spcCol="1270" anchor="ctr" anchorCtr="0">
+          <a:noAutofit/>
+        </a:bodyPr>
+        <a:lstStyle/>
+        <a:p>
+          <a:pPr marL="0" lvl="0" indent="0" algn="ctr" defTabSz="889000">
+            <a:lnSpc>
+              <a:spcPct val="90000"/>
+            </a:lnSpc>
+            <a:spcBef>
+              <a:spcPct val="0"/>
+            </a:spcBef>
+            <a:spcAft>
+              <a:spcPct val="35000"/>
+            </a:spcAft>
+            <a:buNone/>
+          </a:pPr>
+          <a:r>
+            <a:rPr lang="hr-HR" sz="2000" kern="1200" dirty="0" err="1"/>
+            <a:t>Basic</a:t>
+          </a:r>
+          <a:r>
+            <a:rPr lang="hr-HR" sz="2000" kern="1200" dirty="0"/>
+            <a:t> </a:t>
+          </a:r>
+          <a:r>
+            <a:rPr lang="hr-HR" sz="2000" kern="1200" dirty="0" err="1"/>
+            <a:t>feature</a:t>
+          </a:r>
+          <a:r>
+            <a:rPr lang="hr-HR" sz="2000" kern="1200" dirty="0"/>
+            <a:t> </a:t>
+          </a:r>
+          <a:r>
+            <a:rPr lang="hr-HR" sz="2000" kern="1200" dirty="0" err="1"/>
+            <a:t>extraction</a:t>
+          </a:r>
+          <a:endParaRPr lang="en-US" sz="2000" kern="1200" dirty="0"/>
+        </a:p>
+      </dsp:txBody>
+      <dsp:txXfrm>
+        <a:off x="4410386" y="0"/>
+        <a:ext cx="1828442" cy="707776"/>
+      </dsp:txXfrm>
+    </dsp:sp>
+    <dsp:sp modelId="{41DA60EF-6F20-4F23-A0AB-4E27ADE6D8A0}">
+      <dsp:nvSpPr>
+        <dsp:cNvPr id="0" name=""/>
+        <dsp:cNvSpPr/>
+      </dsp:nvSpPr>
+      <dsp:spPr>
+        <a:xfrm>
+          <a:off x="6379652" y="0"/>
+          <a:ext cx="2717025" cy="707776"/>
+        </a:xfrm>
+        <a:prstGeom prst="chevron">
+          <a:avLst/>
+        </a:prstGeom>
+        <a:solidFill>
+          <a:schemeClr val="accent1">
+            <a:hueOff val="0"/>
+            <a:satOff val="0"/>
+            <a:lumOff val="0"/>
             <a:alpha val="50000"/>
           </a:schemeClr>
         </a:solidFill>
@@ -12429,7 +13987,7 @@
 </dsp:drawing>
 </file>
 
-<file path=ppt/diagrams/drawing6.xml><?xml version="1.0" encoding="utf-8"?>
+<file path=ppt/diagrams/drawing7.xml><?xml version="1.0" encoding="utf-8"?>
 <dsp:drawing xmlns:dgm="http://schemas.openxmlformats.org/drawingml/2006/diagram" xmlns:dsp="http://schemas.microsoft.com/office/drawing/2008/diagram" xmlns:a="http://schemas.openxmlformats.org/drawingml/2006/main">
   <dsp:spTree>
     <dsp:nvGrpSpPr>
@@ -14561,6 +16119,289 @@
 </dgm:layoutDef>
 </file>
 
+<file path=ppt/diagrams/layout7.xml><?xml version="1.0" encoding="utf-8"?>
+<dgm:layoutDef xmlns:dgm="http://schemas.openxmlformats.org/drawingml/2006/diagram" xmlns:a="http://schemas.openxmlformats.org/drawingml/2006/main" uniqueId="urn:microsoft.com/office/officeart/2005/8/layout/chevron1">
+  <dgm:title val=""/>
+  <dgm:desc val=""/>
+  <dgm:catLst>
+    <dgm:cat type="process" pri="9000"/>
+  </dgm:catLst>
+  <dgm:sampData useDef="1">
+    <dgm:dataModel>
+      <dgm:ptLst/>
+      <dgm:bg/>
+      <dgm:whole/>
+    </dgm:dataModel>
+  </dgm:sampData>
+  <dgm:styleData>
+    <dgm:dataModel>
+      <dgm:ptLst>
+        <dgm:pt modelId="0" type="doc"/>
+        <dgm:pt modelId="1"/>
+        <dgm:pt modelId="2"/>
+      </dgm:ptLst>
+      <dgm:cxnLst>
+        <dgm:cxn modelId="3" srcId="0" destId="1" srcOrd="0" destOrd="0"/>
+        <dgm:cxn modelId="4" srcId="0" destId="2" srcOrd="1" destOrd="0"/>
+      </dgm:cxnLst>
+      <dgm:bg/>
+      <dgm:whole/>
+    </dgm:dataModel>
+  </dgm:styleData>
+  <dgm:clrData>
+    <dgm:dataModel>
+      <dgm:ptLst>
+        <dgm:pt modelId="0" type="doc"/>
+        <dgm:pt modelId="1"/>
+        <dgm:pt modelId="2"/>
+        <dgm:pt modelId="3"/>
+        <dgm:pt modelId="4"/>
+      </dgm:ptLst>
+      <dgm:cxnLst>
+        <dgm:cxn modelId="5" srcId="0" destId="1" srcOrd="0" destOrd="0"/>
+        <dgm:cxn modelId="6" srcId="0" destId="2" srcOrd="1" destOrd="0"/>
+        <dgm:cxn modelId="7" srcId="0" destId="3" srcOrd="2" destOrd="0"/>
+        <dgm:cxn modelId="8" srcId="0" destId="4" srcOrd="3" destOrd="0"/>
+      </dgm:cxnLst>
+      <dgm:bg/>
+      <dgm:whole/>
+    </dgm:dataModel>
+  </dgm:clrData>
+  <dgm:layoutNode name="Name0">
+    <dgm:varLst>
+      <dgm:dir/>
+      <dgm:animLvl val="lvl"/>
+      <dgm:resizeHandles val="exact"/>
+    </dgm:varLst>
+    <dgm:choose name="Name1">
+      <dgm:if name="Name2" func="var" arg="dir" op="equ" val="norm">
+        <dgm:alg type="lin"/>
+      </dgm:if>
+      <dgm:else name="Name3">
+        <dgm:alg type="lin">
+          <dgm:param type="linDir" val="fromR"/>
+        </dgm:alg>
+      </dgm:else>
+    </dgm:choose>
+    <dgm:shape xmlns:r="http://schemas.openxmlformats.org/officeDocument/2006/relationships" r:blip="">
+      <dgm:adjLst/>
+    </dgm:shape>
+    <dgm:presOf/>
+    <dgm:choose name="Name4">
+      <dgm:if name="Name5" axis="des" func="maxDepth" op="gte" val="2">
+        <dgm:constrLst>
+          <dgm:constr type="h" for="ch" forName="composite" refType="h"/>
+          <dgm:constr type="w" for="ch" forName="composite" refType="w"/>
+          <dgm:constr type="w" for="des" forName="parTx"/>
+          <dgm:constr type="h" for="des" forName="parTx" op="equ"/>
+          <dgm:constr type="w" for="des" forName="desTx"/>
+          <dgm:constr type="h" for="des" forName="desTx" op="equ"/>
+          <dgm:constr type="primFontSz" for="des" forName="parTx" val="65"/>
+          <dgm:constr type="secFontSz" for="des" forName="desTx" refType="primFontSz" refFor="des" refForName="parTx" op="equ"/>
+          <dgm:constr type="h" for="des" forName="parTx" refType="primFontSz" refFor="des" refForName="parTx" fact="1.5"/>
+          <dgm:constr type="h" for="des" forName="desTx" refType="primFontSz" refFor="des" refForName="parTx" fact="0.5"/>
+          <dgm:constr type="w" for="ch" forName="space" op="equ" val="-6"/>
+        </dgm:constrLst>
+        <dgm:ruleLst>
+          <dgm:rule type="w" for="ch" forName="composite" val="0" fact="NaN" max="NaN"/>
+          <dgm:rule type="primFontSz" for="des" forName="parTx" val="5" fact="NaN" max="NaN"/>
+        </dgm:ruleLst>
+        <dgm:forEach name="Name6" axis="ch" ptType="node">
+          <dgm:layoutNode name="composite">
+            <dgm:alg type="composite"/>
+            <dgm:shape xmlns:r="http://schemas.openxmlformats.org/officeDocument/2006/relationships" r:blip="">
+              <dgm:adjLst/>
+            </dgm:shape>
+            <dgm:presOf/>
+            <dgm:choose name="Name7">
+              <dgm:if name="Name8" func="var" arg="dir" op="equ" val="norm">
+                <dgm:constrLst>
+                  <dgm:constr type="l" for="ch" forName="parTx"/>
+                  <dgm:constr type="w" for="ch" forName="parTx" refType="w"/>
+                  <dgm:constr type="t" for="ch" forName="parTx"/>
+                  <dgm:constr type="l" for="ch" forName="desTx"/>
+                  <dgm:constr type="w" for="ch" forName="desTx" refType="w" refFor="ch" refForName="parTx" fact="0.8"/>
+                  <dgm:constr type="t" for="ch" forName="desTx" refType="h" refFor="ch" refForName="parTx" fact="1.125"/>
+                </dgm:constrLst>
+              </dgm:if>
+              <dgm:else name="Name9">
+                <dgm:constrLst>
+                  <dgm:constr type="l" for="ch" forName="parTx"/>
+                  <dgm:constr type="w" for="ch" forName="parTx" refType="w"/>
+                  <dgm:constr type="t" for="ch" forName="parTx"/>
+                  <dgm:constr type="l" for="ch" forName="desTx" refType="w" fact="0.2"/>
+                  <dgm:constr type="w" for="ch" forName="desTx" refType="w" refFor="ch" refForName="parTx" fact="0.8"/>
+                  <dgm:constr type="t" for="ch" forName="desTx" refType="h" refFor="ch" refForName="parTx" fact="1.125"/>
+                </dgm:constrLst>
+              </dgm:else>
+            </dgm:choose>
+            <dgm:ruleLst>
+              <dgm:rule type="h" val="INF" fact="NaN" max="NaN"/>
+            </dgm:ruleLst>
+            <dgm:layoutNode name="parTx">
+              <dgm:varLst>
+                <dgm:chMax val="0"/>
+                <dgm:chPref val="0"/>
+                <dgm:bulletEnabled val="1"/>
+              </dgm:varLst>
+              <dgm:alg type="tx"/>
+              <dgm:choose name="Name10">
+                <dgm:if name="Name11" func="var" arg="dir" op="equ" val="norm">
+                  <dgm:shape xmlns:r="http://schemas.openxmlformats.org/officeDocument/2006/relationships" type="chevron" r:blip="">
+                    <dgm:adjLst/>
+                  </dgm:shape>
+                </dgm:if>
+                <dgm:else name="Name12">
+                  <dgm:shape xmlns:r="http://schemas.openxmlformats.org/officeDocument/2006/relationships" rot="180" type="chevron" r:blip="">
+                    <dgm:adjLst/>
+                  </dgm:shape>
+                </dgm:else>
+              </dgm:choose>
+              <dgm:presOf axis="self" ptType="node"/>
+              <dgm:choose name="Name13">
+                <dgm:if name="Name14" func="var" arg="dir" op="equ" val="norm">
+                  <dgm:constrLst>
+                    <dgm:constr type="h" refType="w" op="lte" fact="0.4"/>
+                    <dgm:constr type="h"/>
+                    <dgm:constr type="tMarg" refType="primFontSz" fact="0.105"/>
+                    <dgm:constr type="bMarg" refType="primFontSz" fact="0.105"/>
+                    <dgm:constr type="lMarg" refType="primFontSz" fact="0.315"/>
+                    <dgm:constr type="rMarg" refType="primFontSz" fact="0.105"/>
+                  </dgm:constrLst>
+                </dgm:if>
+                <dgm:else name="Name15">
+                  <dgm:constrLst>
+                    <dgm:constr type="h" refType="w" op="lte" fact="0.4"/>
+                    <dgm:constr type="h"/>
+                    <dgm:constr type="tMarg" refType="primFontSz" fact="0.105"/>
+                    <dgm:constr type="bMarg" refType="primFontSz" fact="0.105"/>
+                    <dgm:constr type="lMarg" refType="primFontSz" fact="0.105"/>
+                    <dgm:constr type="rMarg" refType="primFontSz" fact="0.315"/>
+                  </dgm:constrLst>
+                </dgm:else>
+              </dgm:choose>
+              <dgm:ruleLst>
+                <dgm:rule type="h" val="INF" fact="NaN" max="NaN"/>
+              </dgm:ruleLst>
+            </dgm:layoutNode>
+            <dgm:layoutNode name="desTx" styleLbl="revTx">
+              <dgm:varLst>
+                <dgm:bulletEnabled val="1"/>
+              </dgm:varLst>
+              <dgm:alg type="tx">
+                <dgm:param type="stBulletLvl" val="1"/>
+              </dgm:alg>
+              <dgm:choose name="Name16">
+                <dgm:if name="Name17" axis="ch" ptType="node" func="cnt" op="gte" val="1">
+                  <dgm:shape xmlns:r="http://schemas.openxmlformats.org/officeDocument/2006/relationships" type="rect" r:blip="">
+                    <dgm:adjLst/>
+                  </dgm:shape>
+                </dgm:if>
+                <dgm:else name="Name18">
+                  <dgm:shape xmlns:r="http://schemas.openxmlformats.org/officeDocument/2006/relationships" type="rect" r:blip="" hideGeom="1">
+                    <dgm:adjLst/>
+                  </dgm:shape>
+                </dgm:else>
+              </dgm:choose>
+              <dgm:presOf axis="des" ptType="node"/>
+              <dgm:constrLst>
+                <dgm:constr type="secFontSz" val="65"/>
+                <dgm:constr type="primFontSz" refType="secFontSz"/>
+                <dgm:constr type="h"/>
+                <dgm:constr type="tMarg"/>
+                <dgm:constr type="bMarg"/>
+                <dgm:constr type="rMarg"/>
+                <dgm:constr type="lMarg"/>
+              </dgm:constrLst>
+              <dgm:ruleLst>
+                <dgm:rule type="h" val="INF" fact="NaN" max="NaN"/>
+              </dgm:ruleLst>
+            </dgm:layoutNode>
+          </dgm:layoutNode>
+          <dgm:forEach name="Name19" axis="followSib" ptType="sibTrans" cnt="1">
+            <dgm:layoutNode name="space">
+              <dgm:alg type="sp"/>
+              <dgm:shape xmlns:r="http://schemas.openxmlformats.org/officeDocument/2006/relationships" r:blip="">
+                <dgm:adjLst/>
+              </dgm:shape>
+              <dgm:presOf/>
+              <dgm:constrLst/>
+              <dgm:ruleLst/>
+            </dgm:layoutNode>
+          </dgm:forEach>
+        </dgm:forEach>
+      </dgm:if>
+      <dgm:else name="Name20">
+        <dgm:constrLst>
+          <dgm:constr type="w" for="ch" forName="parTxOnly" refType="w"/>
+          <dgm:constr type="h" for="des" forName="parTxOnly" op="equ"/>
+          <dgm:constr type="primFontSz" for="des" forName="parTxOnly" op="equ" val="65"/>
+          <dgm:constr type="w" for="ch" forName="parTxOnlySpace" refType="w" refFor="ch" refForName="parTxOnly" fact="-0.1"/>
+        </dgm:constrLst>
+        <dgm:ruleLst/>
+        <dgm:forEach name="Name21" axis="ch" ptType="node">
+          <dgm:layoutNode name="parTxOnly">
+            <dgm:varLst>
+              <dgm:chMax val="0"/>
+              <dgm:chPref val="0"/>
+              <dgm:bulletEnabled val="1"/>
+            </dgm:varLst>
+            <dgm:alg type="tx"/>
+            <dgm:choose name="Name22">
+              <dgm:if name="Name23" func="var" arg="dir" op="equ" val="norm">
+                <dgm:shape xmlns:r="http://schemas.openxmlformats.org/officeDocument/2006/relationships" type="chevron" r:blip="">
+                  <dgm:adjLst/>
+                </dgm:shape>
+              </dgm:if>
+              <dgm:else name="Name24">
+                <dgm:shape xmlns:r="http://schemas.openxmlformats.org/officeDocument/2006/relationships" rot="180" type="chevron" r:blip="">
+                  <dgm:adjLst/>
+                </dgm:shape>
+              </dgm:else>
+            </dgm:choose>
+            <dgm:presOf axis="self" ptType="node"/>
+            <dgm:choose name="Name25">
+              <dgm:if name="Name26" func="var" arg="dir" op="equ" val="norm">
+                <dgm:constrLst>
+                  <dgm:constr type="h" refType="w" op="equ" fact="0.4"/>
+                  <dgm:constr type="tMarg" refType="primFontSz" fact="0.105"/>
+                  <dgm:constr type="bMarg" refType="primFontSz" fact="0.105"/>
+                  <dgm:constr type="lMarg" refType="primFontSz" fact="0.315"/>
+                  <dgm:constr type="rMarg" refType="primFontSz" fact="0.105"/>
+                </dgm:constrLst>
+              </dgm:if>
+              <dgm:else name="Name27">
+                <dgm:constrLst>
+                  <dgm:constr type="h" refType="w" op="equ" fact="0.4"/>
+                  <dgm:constr type="tMarg" refType="primFontSz" fact="0.105"/>
+                  <dgm:constr type="bMarg" refType="primFontSz" fact="0.105"/>
+                  <dgm:constr type="lMarg" refType="primFontSz" fact="0.105"/>
+                  <dgm:constr type="rMarg" refType="primFontSz" fact="0.315"/>
+                </dgm:constrLst>
+              </dgm:else>
+            </dgm:choose>
+            <dgm:ruleLst>
+              <dgm:rule type="primFontSz" val="5" fact="NaN" max="NaN"/>
+            </dgm:ruleLst>
+          </dgm:layoutNode>
+          <dgm:forEach name="Name28" axis="followSib" ptType="sibTrans" cnt="1">
+            <dgm:layoutNode name="parTxOnlySpace">
+              <dgm:alg type="sp"/>
+              <dgm:shape xmlns:r="http://schemas.openxmlformats.org/officeDocument/2006/relationships" r:blip="">
+                <dgm:adjLst/>
+              </dgm:shape>
+              <dgm:presOf/>
+              <dgm:constrLst/>
+              <dgm:ruleLst/>
+            </dgm:layoutNode>
+          </dgm:forEach>
+        </dgm:forEach>
+      </dgm:else>
+    </dgm:choose>
+  </dgm:layoutNode>
+</dgm:layoutDef>
+</file>
+
 <file path=ppt/diagrams/quickStyle1.xml><?xml version="1.0" encoding="utf-8"?>
 <dgm:styleDef xmlns:dgm="http://schemas.openxmlformats.org/drawingml/2006/diagram" xmlns:a="http://schemas.openxmlformats.org/drawingml/2006/main" uniqueId="urn:microsoft.com/office/officeart/2005/8/quickstyle/simple1">
   <dgm:title val=""/>
@@ -20763,6 +22604,1993 @@
     </dgm:style>
   </dgm:styleLbl>
 </dgm:styleDef>
+</file>
+
+<file path=ppt/diagrams/quickStyle7.xml><?xml version="1.0" encoding="utf-8"?>
+<dgm:styleDef xmlns:dgm="http://schemas.openxmlformats.org/drawingml/2006/diagram" xmlns:a="http://schemas.openxmlformats.org/drawingml/2006/main" uniqueId="urn:microsoft.com/office/officeart/2005/8/quickstyle/simple1">
+  <dgm:title val=""/>
+  <dgm:desc val=""/>
+  <dgm:catLst>
+    <dgm:cat type="simple" pri="10100"/>
+  </dgm:catLst>
+  <dgm:scene3d>
+    <a:camera prst="orthographicFront"/>
+    <a:lightRig rig="threePt" dir="t"/>
+  </dgm:scene3d>
+  <dgm:styleLbl name="node0">
+    <dgm:scene3d>
+      <a:camera prst="orthographicFront"/>
+      <a:lightRig rig="threePt" dir="t"/>
+    </dgm:scene3d>
+    <dgm:sp3d/>
+    <dgm:txPr/>
+    <dgm:style>
+      <a:lnRef idx="2">
+        <a:scrgbClr r="0" g="0" b="0"/>
+      </a:lnRef>
+      <a:fillRef idx="1">
+        <a:scrgbClr r="0" g="0" b="0"/>
+      </a:fillRef>
+      <a:effectRef idx="0">
+        <a:scrgbClr r="0" g="0" b="0"/>
+      </a:effectRef>
+      <a:fontRef idx="minor">
+        <a:schemeClr val="lt1"/>
+      </a:fontRef>
+    </dgm:style>
+  </dgm:styleLbl>
+  <dgm:styleLbl name="lnNode1">
+    <dgm:scene3d>
+      <a:camera prst="orthographicFront"/>
+      <a:lightRig rig="threePt" dir="t"/>
+    </dgm:scene3d>
+    <dgm:sp3d/>
+    <dgm:txPr/>
+    <dgm:style>
+      <a:lnRef idx="2">
+        <a:scrgbClr r="0" g="0" b="0"/>
+      </a:lnRef>
+      <a:fillRef idx="1">
+        <a:scrgbClr r="0" g="0" b="0"/>
+      </a:fillRef>
+      <a:effectRef idx="0">
+        <a:scrgbClr r="0" g="0" b="0"/>
+      </a:effectRef>
+      <a:fontRef idx="minor">
+        <a:schemeClr val="lt1"/>
+      </a:fontRef>
+    </dgm:style>
+  </dgm:styleLbl>
+  <dgm:styleLbl name="vennNode1">
+    <dgm:scene3d>
+      <a:camera prst="orthographicFront"/>
+      <a:lightRig rig="threePt" dir="t"/>
+    </dgm:scene3d>
+    <dgm:sp3d/>
+    <dgm:txPr/>
+    <dgm:style>
+      <a:lnRef idx="2">
+        <a:scrgbClr r="0" g="0" b="0"/>
+      </a:lnRef>
+      <a:fillRef idx="1">
+        <a:scrgbClr r="0" g="0" b="0"/>
+      </a:fillRef>
+      <a:effectRef idx="0">
+        <a:scrgbClr r="0" g="0" b="0"/>
+      </a:effectRef>
+      <a:fontRef idx="minor">
+        <a:schemeClr val="tx1"/>
+      </a:fontRef>
+    </dgm:style>
+  </dgm:styleLbl>
+  <dgm:styleLbl name="alignNode1">
+    <dgm:scene3d>
+      <a:camera prst="orthographicFront"/>
+      <a:lightRig rig="threePt" dir="t"/>
+    </dgm:scene3d>
+    <dgm:sp3d/>
+    <dgm:txPr/>
+    <dgm:style>
+      <a:lnRef idx="2">
+        <a:scrgbClr r="0" g="0" b="0"/>
+      </a:lnRef>
+      <a:fillRef idx="1">
+        <a:scrgbClr r="0" g="0" b="0"/>
+      </a:fillRef>
+      <a:effectRef idx="0">
+        <a:scrgbClr r="0" g="0" b="0"/>
+      </a:effectRef>
+      <a:fontRef idx="minor">
+        <a:schemeClr val="lt1"/>
+      </a:fontRef>
+    </dgm:style>
+  </dgm:styleLbl>
+  <dgm:styleLbl name="node1">
+    <dgm:scene3d>
+      <a:camera prst="orthographicFront"/>
+      <a:lightRig rig="threePt" dir="t"/>
+    </dgm:scene3d>
+    <dgm:sp3d/>
+    <dgm:txPr/>
+    <dgm:style>
+      <a:lnRef idx="2">
+        <a:scrgbClr r="0" g="0" b="0"/>
+      </a:lnRef>
+      <a:fillRef idx="1">
+        <a:scrgbClr r="0" g="0" b="0"/>
+      </a:fillRef>
+      <a:effectRef idx="0">
+        <a:scrgbClr r="0" g="0" b="0"/>
+      </a:effectRef>
+      <a:fontRef idx="minor">
+        <a:schemeClr val="lt1"/>
+      </a:fontRef>
+    </dgm:style>
+  </dgm:styleLbl>
+  <dgm:styleLbl name="node2">
+    <dgm:scene3d>
+      <a:camera prst="orthographicFront"/>
+      <a:lightRig rig="threePt" dir="t"/>
+    </dgm:scene3d>
+    <dgm:sp3d/>
+    <dgm:txPr/>
+    <dgm:style>
+      <a:lnRef idx="2">
+        <a:scrgbClr r="0" g="0" b="0"/>
+      </a:lnRef>
+      <a:fillRef idx="1">
+        <a:scrgbClr r="0" g="0" b="0"/>
+      </a:fillRef>
+      <a:effectRef idx="0">
+        <a:scrgbClr r="0" g="0" b="0"/>
+      </a:effectRef>
+      <a:fontRef idx="minor">
+        <a:schemeClr val="lt1"/>
+      </a:fontRef>
+    </dgm:style>
+  </dgm:styleLbl>
+  <dgm:styleLbl name="node3">
+    <dgm:scene3d>
+      <a:camera prst="orthographicFront"/>
+      <a:lightRig rig="threePt" dir="t"/>
+    </dgm:scene3d>
+    <dgm:sp3d/>
+    <dgm:txPr/>
+    <dgm:style>
+      <a:lnRef idx="2">
+        <a:scrgbClr r="0" g="0" b="0"/>
+      </a:lnRef>
+      <a:fillRef idx="1">
+        <a:scrgbClr r="0" g="0" b="0"/>
+      </a:fillRef>
+      <a:effectRef idx="0">
+        <a:scrgbClr r="0" g="0" b="0"/>
+      </a:effectRef>
+      <a:fontRef idx="minor">
+        <a:schemeClr val="lt1"/>
+      </a:fontRef>
+    </dgm:style>
+  </dgm:styleLbl>
+  <dgm:styleLbl name="node4">
+    <dgm:scene3d>
+      <a:camera prst="orthographicFront"/>
+      <a:lightRig rig="threePt" dir="t"/>
+    </dgm:scene3d>
+    <dgm:sp3d/>
+    <dgm:txPr/>
+    <dgm:style>
+      <a:lnRef idx="2">
+        <a:scrgbClr r="0" g="0" b="0"/>
+      </a:lnRef>
+      <a:fillRef idx="1">
+        <a:scrgbClr r="0" g="0" b="0"/>
+      </a:fillRef>
+      <a:effectRef idx="0">
+        <a:scrgbClr r="0" g="0" b="0"/>
+      </a:effectRef>
+      <a:fontRef idx="minor">
+        <a:schemeClr val="lt1"/>
+      </a:fontRef>
+    </dgm:style>
+  </dgm:styleLbl>
+  <dgm:styleLbl name="fgImgPlace1">
+    <dgm:scene3d>
+      <a:camera prst="orthographicFront"/>
+      <a:lightRig rig="threePt" dir="t"/>
+    </dgm:scene3d>
+    <dgm:sp3d/>
+    <dgm:txPr/>
+    <dgm:style>
+      <a:lnRef idx="2">
+        <a:scrgbClr r="0" g="0" b="0"/>
+      </a:lnRef>
+      <a:fillRef idx="1">
+        <a:scrgbClr r="0" g="0" b="0"/>
+      </a:fillRef>
+      <a:effectRef idx="0">
+        <a:scrgbClr r="0" g="0" b="0"/>
+      </a:effectRef>
+      <a:fontRef idx="minor"/>
+    </dgm:style>
+  </dgm:styleLbl>
+  <dgm:styleLbl name="alignImgPlace1">
+    <dgm:scene3d>
+      <a:camera prst="orthographicFront"/>
+      <a:lightRig rig="threePt" dir="t"/>
+    </dgm:scene3d>
+    <dgm:sp3d/>
+    <dgm:txPr/>
+    <dgm:style>
+      <a:lnRef idx="2">
+        <a:scrgbClr r="0" g="0" b="0"/>
+      </a:lnRef>
+      <a:fillRef idx="1">
+        <a:scrgbClr r="0" g="0" b="0"/>
+      </a:fillRef>
+      <a:effectRef idx="0">
+        <a:scrgbClr r="0" g="0" b="0"/>
+      </a:effectRef>
+      <a:fontRef idx="minor"/>
+    </dgm:style>
+  </dgm:styleLbl>
+  <dgm:styleLbl name="bgImgPlace1">
+    <dgm:scene3d>
+      <a:camera prst="orthographicFront"/>
+      <a:lightRig rig="threePt" dir="t"/>
+    </dgm:scene3d>
+    <dgm:sp3d/>
+    <dgm:txPr/>
+    <dgm:style>
+      <a:lnRef idx="2">
+        <a:scrgbClr r="0" g="0" b="0"/>
+      </a:lnRef>
+      <a:fillRef idx="1">
+        <a:scrgbClr r="0" g="0" b="0"/>
+      </a:fillRef>
+      <a:effectRef idx="0">
+        <a:scrgbClr r="0" g="0" b="0"/>
+      </a:effectRef>
+      <a:fontRef idx="minor"/>
+    </dgm:style>
+  </dgm:styleLbl>
+  <dgm:styleLbl name="sibTrans2D1">
+    <dgm:scene3d>
+      <a:camera prst="orthographicFront"/>
+      <a:lightRig rig="threePt" dir="t"/>
+    </dgm:scene3d>
+    <dgm:sp3d/>
+    <dgm:txPr/>
+    <dgm:style>
+      <a:lnRef idx="0">
+        <a:scrgbClr r="0" g="0" b="0"/>
+      </a:lnRef>
+      <a:fillRef idx="1">
+        <a:scrgbClr r="0" g="0" b="0"/>
+      </a:fillRef>
+      <a:effectRef idx="0">
+        <a:scrgbClr r="0" g="0" b="0"/>
+      </a:effectRef>
+      <a:fontRef idx="minor">
+        <a:schemeClr val="lt1"/>
+      </a:fontRef>
+    </dgm:style>
+  </dgm:styleLbl>
+  <dgm:styleLbl name="fgSibTrans2D1">
+    <dgm:scene3d>
+      <a:camera prst="orthographicFront"/>
+      <a:lightRig rig="threePt" dir="t"/>
+    </dgm:scene3d>
+    <dgm:sp3d/>
+    <dgm:txPr/>
+    <dgm:style>
+      <a:lnRef idx="0">
+        <a:scrgbClr r="0" g="0" b="0"/>
+      </a:lnRef>
+      <a:fillRef idx="1">
+        <a:scrgbClr r="0" g="0" b="0"/>
+      </a:fillRef>
+      <a:effectRef idx="0">
+        <a:scrgbClr r="0" g="0" b="0"/>
+      </a:effectRef>
+      <a:fontRef idx="minor">
+        <a:schemeClr val="lt1"/>
+      </a:fontRef>
+    </dgm:style>
+  </dgm:styleLbl>
+  <dgm:styleLbl name="bgSibTrans2D1">
+    <dgm:scene3d>
+      <a:camera prst="orthographicFront"/>
+      <a:lightRig rig="threePt" dir="t"/>
+    </dgm:scene3d>
+    <dgm:sp3d/>
+    <dgm:txPr/>
+    <dgm:style>
+      <a:lnRef idx="0">
+        <a:scrgbClr r="0" g="0" b="0"/>
+      </a:lnRef>
+      <a:fillRef idx="1">
+        <a:scrgbClr r="0" g="0" b="0"/>
+      </a:fillRef>
+      <a:effectRef idx="0">
+        <a:scrgbClr r="0" g="0" b="0"/>
+      </a:effectRef>
+      <a:fontRef idx="minor">
+        <a:schemeClr val="lt1"/>
+      </a:fontRef>
+    </dgm:style>
+  </dgm:styleLbl>
+  <dgm:styleLbl name="sibTrans1D1">
+    <dgm:scene3d>
+      <a:camera prst="orthographicFront"/>
+      <a:lightRig rig="threePt" dir="t"/>
+    </dgm:scene3d>
+    <dgm:sp3d/>
+    <dgm:txPr/>
+    <dgm:style>
+      <a:lnRef idx="1">
+        <a:scrgbClr r="0" g="0" b="0"/>
+      </a:lnRef>
+      <a:fillRef idx="0">
+        <a:scrgbClr r="0" g="0" b="0"/>
+      </a:fillRef>
+      <a:effectRef idx="0">
+        <a:scrgbClr r="0" g="0" b="0"/>
+      </a:effectRef>
+      <a:fontRef idx="minor"/>
+    </dgm:style>
+  </dgm:styleLbl>
+  <dgm:styleLbl name="callout">
+    <dgm:scene3d>
+      <a:camera prst="orthographicFront"/>
+      <a:lightRig rig="threePt" dir="t"/>
+    </dgm:scene3d>
+    <dgm:sp3d/>
+    <dgm:txPr/>
+    <dgm:style>
+      <a:lnRef idx="2">
+        <a:scrgbClr r="0" g="0" b="0"/>
+      </a:lnRef>
+      <a:fillRef idx="1">
+        <a:scrgbClr r="0" g="0" b="0"/>
+      </a:fillRef>
+      <a:effectRef idx="0">
+        <a:scrgbClr r="0" g="0" b="0"/>
+      </a:effectRef>
+      <a:fontRef idx="minor"/>
+    </dgm:style>
+  </dgm:styleLbl>
+  <dgm:styleLbl name="asst0">
+    <dgm:scene3d>
+      <a:camera prst="orthographicFront"/>
+      <a:lightRig rig="threePt" dir="t"/>
+    </dgm:scene3d>
+    <dgm:sp3d/>
+    <dgm:txPr/>
+    <dgm:style>
+      <a:lnRef idx="2">
+        <a:scrgbClr r="0" g="0" b="0"/>
+      </a:lnRef>
+      <a:fillRef idx="1">
+        <a:scrgbClr r="0" g="0" b="0"/>
+      </a:fillRef>
+      <a:effectRef idx="0">
+        <a:scrgbClr r="0" g="0" b="0"/>
+      </a:effectRef>
+      <a:fontRef idx="minor">
+        <a:schemeClr val="lt1"/>
+      </a:fontRef>
+    </dgm:style>
+  </dgm:styleLbl>
+  <dgm:styleLbl name="asst1">
+    <dgm:scene3d>
+      <a:camera prst="orthographicFront"/>
+      <a:lightRig rig="threePt" dir="t"/>
+    </dgm:scene3d>
+    <dgm:sp3d/>
+    <dgm:txPr/>
+    <dgm:style>
+      <a:lnRef idx="2">
+        <a:scrgbClr r="0" g="0" b="0"/>
+      </a:lnRef>
+      <a:fillRef idx="1">
+        <a:scrgbClr r="0" g="0" b="0"/>
+      </a:fillRef>
+      <a:effectRef idx="0">
+        <a:scrgbClr r="0" g="0" b="0"/>
+      </a:effectRef>
+      <a:fontRef idx="minor">
+        <a:schemeClr val="lt1"/>
+      </a:fontRef>
+    </dgm:style>
+  </dgm:styleLbl>
+  <dgm:styleLbl name="asst2">
+    <dgm:scene3d>
+      <a:camera prst="orthographicFront"/>
+      <a:lightRig rig="threePt" dir="t"/>
+    </dgm:scene3d>
+    <dgm:sp3d/>
+    <dgm:txPr/>
+    <dgm:style>
+      <a:lnRef idx="2">
+        <a:scrgbClr r="0" g="0" b="0"/>
+      </a:lnRef>
+      <a:fillRef idx="1">
+        <a:scrgbClr r="0" g="0" b="0"/>
+      </a:fillRef>
+      <a:effectRef idx="0">
+        <a:scrgbClr r="0" g="0" b="0"/>
+      </a:effectRef>
+      <a:fontRef idx="minor">
+        <a:schemeClr val="lt1"/>
+      </a:fontRef>
+    </dgm:style>
+  </dgm:styleLbl>
+  <dgm:styleLbl name="asst3">
+    <dgm:scene3d>
+      <a:camera prst="orthographicFront"/>
+      <a:lightRig rig="threePt" dir="t"/>
+    </dgm:scene3d>
+    <dgm:sp3d/>
+    <dgm:txPr/>
+    <dgm:style>
+      <a:lnRef idx="2">
+        <a:scrgbClr r="0" g="0" b="0"/>
+      </a:lnRef>
+      <a:fillRef idx="1">
+        <a:scrgbClr r="0" g="0" b="0"/>
+      </a:fillRef>
+      <a:effectRef idx="0">
+        <a:scrgbClr r="0" g="0" b="0"/>
+      </a:effectRef>
+      <a:fontRef idx="minor">
+        <a:schemeClr val="lt1"/>
+      </a:fontRef>
+    </dgm:style>
+  </dgm:styleLbl>
+  <dgm:styleLbl name="asst4">
+    <dgm:scene3d>
+      <a:camera prst="orthographicFront"/>
+      <a:lightRig rig="threePt" dir="t"/>
+    </dgm:scene3d>
+    <dgm:sp3d/>
+    <dgm:txPr/>
+    <dgm:style>
+      <a:lnRef idx="2">
+        <a:scrgbClr r="0" g="0" b="0"/>
+      </a:lnRef>
+      <a:fillRef idx="1">
+        <a:scrgbClr r="0" g="0" b="0"/>
+      </a:fillRef>
+      <a:effectRef idx="0">
+        <a:scrgbClr r="0" g="0" b="0"/>
+      </a:effectRef>
+      <a:fontRef idx="minor">
+        <a:schemeClr val="lt1"/>
+      </a:fontRef>
+    </dgm:style>
+  </dgm:styleLbl>
+  <dgm:styleLbl name="parChTrans2D1">
+    <dgm:scene3d>
+      <a:camera prst="orthographicFront"/>
+      <a:lightRig rig="threePt" dir="t"/>
+    </dgm:scene3d>
+    <dgm:sp3d/>
+    <dgm:txPr/>
+    <dgm:style>
+      <a:lnRef idx="2">
+        <a:scrgbClr r="0" g="0" b="0"/>
+      </a:lnRef>
+      <a:fillRef idx="1">
+        <a:scrgbClr r="0" g="0" b="0"/>
+      </a:fillRef>
+      <a:effectRef idx="0">
+        <a:scrgbClr r="0" g="0" b="0"/>
+      </a:effectRef>
+      <a:fontRef idx="minor">
+        <a:schemeClr val="lt1"/>
+      </a:fontRef>
+    </dgm:style>
+  </dgm:styleLbl>
+  <dgm:styleLbl name="parChTrans2D2">
+    <dgm:scene3d>
+      <a:camera prst="orthographicFront"/>
+      <a:lightRig rig="threePt" dir="t"/>
+    </dgm:scene3d>
+    <dgm:sp3d/>
+    <dgm:txPr/>
+    <dgm:style>
+      <a:lnRef idx="2">
+        <a:scrgbClr r="0" g="0" b="0"/>
+      </a:lnRef>
+      <a:fillRef idx="1">
+        <a:scrgbClr r="0" g="0" b="0"/>
+      </a:fillRef>
+      <a:effectRef idx="0">
+        <a:scrgbClr r="0" g="0" b="0"/>
+      </a:effectRef>
+      <a:fontRef idx="minor">
+        <a:schemeClr val="lt1"/>
+      </a:fontRef>
+    </dgm:style>
+  </dgm:styleLbl>
+  <dgm:styleLbl name="parChTrans2D3">
+    <dgm:scene3d>
+      <a:camera prst="orthographicFront"/>
+      <a:lightRig rig="threePt" dir="t"/>
+    </dgm:scene3d>
+    <dgm:sp3d/>
+    <dgm:txPr/>
+    <dgm:style>
+      <a:lnRef idx="2">
+        <a:scrgbClr r="0" g="0" b="0"/>
+      </a:lnRef>
+      <a:fillRef idx="1">
+        <a:scrgbClr r="0" g="0" b="0"/>
+      </a:fillRef>
+      <a:effectRef idx="0">
+        <a:scrgbClr r="0" g="0" b="0"/>
+      </a:effectRef>
+      <a:fontRef idx="minor">
+        <a:schemeClr val="lt1"/>
+      </a:fontRef>
+    </dgm:style>
+  </dgm:styleLbl>
+  <dgm:styleLbl name="parChTrans2D4">
+    <dgm:scene3d>
+      <a:camera prst="orthographicFront"/>
+      <a:lightRig rig="threePt" dir="t"/>
+    </dgm:scene3d>
+    <dgm:sp3d/>
+    <dgm:txPr/>
+    <dgm:style>
+      <a:lnRef idx="2">
+        <a:scrgbClr r="0" g="0" b="0"/>
+      </a:lnRef>
+      <a:fillRef idx="1">
+        <a:scrgbClr r="0" g="0" b="0"/>
+      </a:fillRef>
+      <a:effectRef idx="0">
+        <a:scrgbClr r="0" g="0" b="0"/>
+      </a:effectRef>
+      <a:fontRef idx="minor">
+        <a:schemeClr val="lt1"/>
+      </a:fontRef>
+    </dgm:style>
+  </dgm:styleLbl>
+  <dgm:styleLbl name="parChTrans1D1">
+    <dgm:scene3d>
+      <a:camera prst="orthographicFront"/>
+      <a:lightRig rig="threePt" dir="t"/>
+    </dgm:scene3d>
+    <dgm:sp3d/>
+    <dgm:txPr/>
+    <dgm:style>
+      <a:lnRef idx="2">
+        <a:scrgbClr r="0" g="0" b="0"/>
+      </a:lnRef>
+      <a:fillRef idx="0">
+        <a:scrgbClr r="0" g="0" b="0"/>
+      </a:fillRef>
+      <a:effectRef idx="0">
+        <a:scrgbClr r="0" g="0" b="0"/>
+      </a:effectRef>
+      <a:fontRef idx="minor"/>
+    </dgm:style>
+  </dgm:styleLbl>
+  <dgm:styleLbl name="parChTrans1D2">
+    <dgm:scene3d>
+      <a:camera prst="orthographicFront"/>
+      <a:lightRig rig="threePt" dir="t"/>
+    </dgm:scene3d>
+    <dgm:sp3d/>
+    <dgm:txPr/>
+    <dgm:style>
+      <a:lnRef idx="2">
+        <a:scrgbClr r="0" g="0" b="0"/>
+      </a:lnRef>
+      <a:fillRef idx="0">
+        <a:scrgbClr r="0" g="0" b="0"/>
+      </a:fillRef>
+      <a:effectRef idx="0">
+        <a:scrgbClr r="0" g="0" b="0"/>
+      </a:effectRef>
+      <a:fontRef idx="minor"/>
+    </dgm:style>
+  </dgm:styleLbl>
+  <dgm:styleLbl name="parChTrans1D3">
+    <dgm:scene3d>
+      <a:camera prst="orthographicFront"/>
+      <a:lightRig rig="threePt" dir="t"/>
+    </dgm:scene3d>
+    <dgm:sp3d/>
+    <dgm:txPr/>
+    <dgm:style>
+      <a:lnRef idx="2">
+        <a:scrgbClr r="0" g="0" b="0"/>
+      </a:lnRef>
+      <a:fillRef idx="0">
+        <a:scrgbClr r="0" g="0" b="0"/>
+      </a:fillRef>
+      <a:effectRef idx="0">
+        <a:scrgbClr r="0" g="0" b="0"/>
+      </a:effectRef>
+      <a:fontRef idx="minor"/>
+    </dgm:style>
+  </dgm:styleLbl>
+  <dgm:styleLbl name="parChTrans1D4">
+    <dgm:scene3d>
+      <a:camera prst="orthographicFront"/>
+      <a:lightRig rig="threePt" dir="t"/>
+    </dgm:scene3d>
+    <dgm:sp3d/>
+    <dgm:txPr/>
+    <dgm:style>
+      <a:lnRef idx="2">
+        <a:scrgbClr r="0" g="0" b="0"/>
+      </a:lnRef>
+      <a:fillRef idx="0">
+        <a:scrgbClr r="0" g="0" b="0"/>
+      </a:fillRef>
+      <a:effectRef idx="0">
+        <a:scrgbClr r="0" g="0" b="0"/>
+      </a:effectRef>
+      <a:fontRef idx="minor"/>
+    </dgm:style>
+  </dgm:styleLbl>
+  <dgm:styleLbl name="fgAcc1">
+    <dgm:scene3d>
+      <a:camera prst="orthographicFront"/>
+      <a:lightRig rig="threePt" dir="t"/>
+    </dgm:scene3d>
+    <dgm:sp3d/>
+    <dgm:txPr/>
+    <dgm:style>
+      <a:lnRef idx="2">
+        <a:scrgbClr r="0" g="0" b="0"/>
+      </a:lnRef>
+      <a:fillRef idx="1">
+        <a:scrgbClr r="0" g="0" b="0"/>
+      </a:fillRef>
+      <a:effectRef idx="0">
+        <a:scrgbClr r="0" g="0" b="0"/>
+      </a:effectRef>
+      <a:fontRef idx="minor"/>
+    </dgm:style>
+  </dgm:styleLbl>
+  <dgm:styleLbl name="conFgAcc1">
+    <dgm:scene3d>
+      <a:camera prst="orthographicFront"/>
+      <a:lightRig rig="threePt" dir="t"/>
+    </dgm:scene3d>
+    <dgm:sp3d/>
+    <dgm:txPr/>
+    <dgm:style>
+      <a:lnRef idx="2">
+        <a:scrgbClr r="0" g="0" b="0"/>
+      </a:lnRef>
+      <a:fillRef idx="1">
+        <a:scrgbClr r="0" g="0" b="0"/>
+      </a:fillRef>
+      <a:effectRef idx="0">
+        <a:scrgbClr r="0" g="0" b="0"/>
+      </a:effectRef>
+      <a:fontRef idx="minor"/>
+    </dgm:style>
+  </dgm:styleLbl>
+  <dgm:styleLbl name="alignAcc1">
+    <dgm:scene3d>
+      <a:camera prst="orthographicFront"/>
+      <a:lightRig rig="threePt" dir="t"/>
+    </dgm:scene3d>
+    <dgm:sp3d/>
+    <dgm:txPr/>
+    <dgm:style>
+      <a:lnRef idx="2">
+        <a:scrgbClr r="0" g="0" b="0"/>
+      </a:lnRef>
+      <a:fillRef idx="1">
+        <a:scrgbClr r="0" g="0" b="0"/>
+      </a:fillRef>
+      <a:effectRef idx="0">
+        <a:scrgbClr r="0" g="0" b="0"/>
+      </a:effectRef>
+      <a:fontRef idx="minor"/>
+    </dgm:style>
+  </dgm:styleLbl>
+  <dgm:styleLbl name="trAlignAcc1">
+    <dgm:scene3d>
+      <a:camera prst="orthographicFront"/>
+      <a:lightRig rig="threePt" dir="t"/>
+    </dgm:scene3d>
+    <dgm:sp3d/>
+    <dgm:txPr/>
+    <dgm:style>
+      <a:lnRef idx="1">
+        <a:scrgbClr r="0" g="0" b="0"/>
+      </a:lnRef>
+      <a:fillRef idx="1">
+        <a:scrgbClr r="0" g="0" b="0"/>
+      </a:fillRef>
+      <a:effectRef idx="0">
+        <a:scrgbClr r="0" g="0" b="0"/>
+      </a:effectRef>
+      <a:fontRef idx="minor"/>
+    </dgm:style>
+  </dgm:styleLbl>
+  <dgm:styleLbl name="bgAcc1">
+    <dgm:scene3d>
+      <a:camera prst="orthographicFront"/>
+      <a:lightRig rig="threePt" dir="t"/>
+    </dgm:scene3d>
+    <dgm:sp3d/>
+    <dgm:txPr/>
+    <dgm:style>
+      <a:lnRef idx="2">
+        <a:scrgbClr r="0" g="0" b="0"/>
+      </a:lnRef>
+      <a:fillRef idx="1">
+        <a:scrgbClr r="0" g="0" b="0"/>
+      </a:fillRef>
+      <a:effectRef idx="0">
+        <a:scrgbClr r="0" g="0" b="0"/>
+      </a:effectRef>
+      <a:fontRef idx="minor"/>
+    </dgm:style>
+  </dgm:styleLbl>
+  <dgm:styleLbl name="solidFgAcc1">
+    <dgm:scene3d>
+      <a:camera prst="orthographicFront"/>
+      <a:lightRig rig="threePt" dir="t"/>
+    </dgm:scene3d>
+    <dgm:sp3d/>
+    <dgm:txPr/>
+    <dgm:style>
+      <a:lnRef idx="2">
+        <a:scrgbClr r="0" g="0" b="0"/>
+      </a:lnRef>
+      <a:fillRef idx="1">
+        <a:scrgbClr r="0" g="0" b="0"/>
+      </a:fillRef>
+      <a:effectRef idx="0">
+        <a:scrgbClr r="0" g="0" b="0"/>
+      </a:effectRef>
+      <a:fontRef idx="minor"/>
+    </dgm:style>
+  </dgm:styleLbl>
+  <dgm:styleLbl name="solidAlignAcc1">
+    <dgm:scene3d>
+      <a:camera prst="orthographicFront"/>
+      <a:lightRig rig="threePt" dir="t"/>
+    </dgm:scene3d>
+    <dgm:sp3d/>
+    <dgm:txPr/>
+    <dgm:style>
+      <a:lnRef idx="2">
+        <a:scrgbClr r="0" g="0" b="0"/>
+      </a:lnRef>
+      <a:fillRef idx="1">
+        <a:scrgbClr r="0" g="0" b="0"/>
+      </a:fillRef>
+      <a:effectRef idx="0">
+        <a:scrgbClr r="0" g="0" b="0"/>
+      </a:effectRef>
+      <a:fontRef idx="minor"/>
+    </dgm:style>
+  </dgm:styleLbl>
+  <dgm:styleLbl name="solidBgAcc1">
+    <dgm:scene3d>
+      <a:camera prst="orthographicFront"/>
+      <a:lightRig rig="threePt" dir="t"/>
+    </dgm:scene3d>
+    <dgm:sp3d/>
+    <dgm:txPr/>
+    <dgm:style>
+      <a:lnRef idx="2">
+        <a:scrgbClr r="0" g="0" b="0"/>
+      </a:lnRef>
+      <a:fillRef idx="1">
+        <a:scrgbClr r="0" g="0" b="0"/>
+      </a:fillRef>
+      <a:effectRef idx="0">
+        <a:scrgbClr r="0" g="0" b="0"/>
+      </a:effectRef>
+      <a:fontRef idx="minor"/>
+    </dgm:style>
+  </dgm:styleLbl>
+  <dgm:styleLbl name="fgAccFollowNode1">
+    <dgm:scene3d>
+      <a:camera prst="orthographicFront"/>
+      <a:lightRig rig="threePt" dir="t"/>
+    </dgm:scene3d>
+    <dgm:sp3d/>
+    <dgm:txPr/>
+    <dgm:style>
+      <a:lnRef idx="2">
+        <a:scrgbClr r="0" g="0" b="0"/>
+      </a:lnRef>
+      <a:fillRef idx="1">
+        <a:scrgbClr r="0" g="0" b="0"/>
+      </a:fillRef>
+      <a:effectRef idx="0">
+        <a:scrgbClr r="0" g="0" b="0"/>
+      </a:effectRef>
+      <a:fontRef idx="minor"/>
+    </dgm:style>
+  </dgm:styleLbl>
+  <dgm:styleLbl name="alignAccFollowNode1">
+    <dgm:scene3d>
+      <a:camera prst="orthographicFront"/>
+      <a:lightRig rig="threePt" dir="t"/>
+    </dgm:scene3d>
+    <dgm:sp3d/>
+    <dgm:txPr/>
+    <dgm:style>
+      <a:lnRef idx="2">
+        <a:scrgbClr r="0" g="0" b="0"/>
+      </a:lnRef>
+      <a:fillRef idx="1">
+        <a:scrgbClr r="0" g="0" b="0"/>
+      </a:fillRef>
+      <a:effectRef idx="0">
+        <a:scrgbClr r="0" g="0" b="0"/>
+      </a:effectRef>
+      <a:fontRef idx="minor"/>
+    </dgm:style>
+  </dgm:styleLbl>
+  <dgm:styleLbl name="bgAccFollowNode1">
+    <dgm:scene3d>
+      <a:camera prst="orthographicFront"/>
+      <a:lightRig rig="threePt" dir="t"/>
+    </dgm:scene3d>
+    <dgm:sp3d/>
+    <dgm:txPr/>
+    <dgm:style>
+      <a:lnRef idx="2">
+        <a:scrgbClr r="0" g="0" b="0"/>
+      </a:lnRef>
+      <a:fillRef idx="1">
+        <a:scrgbClr r="0" g="0" b="0"/>
+      </a:fillRef>
+      <a:effectRef idx="0">
+        <a:scrgbClr r="0" g="0" b="0"/>
+      </a:effectRef>
+      <a:fontRef idx="minor"/>
+    </dgm:style>
+  </dgm:styleLbl>
+  <dgm:styleLbl name="fgAcc0">
+    <dgm:scene3d>
+      <a:camera prst="orthographicFront"/>
+      <a:lightRig rig="threePt" dir="t"/>
+    </dgm:scene3d>
+    <dgm:sp3d/>
+    <dgm:txPr/>
+    <dgm:style>
+      <a:lnRef idx="2">
+        <a:scrgbClr r="0" g="0" b="0"/>
+      </a:lnRef>
+      <a:fillRef idx="1">
+        <a:scrgbClr r="0" g="0" b="0"/>
+      </a:fillRef>
+      <a:effectRef idx="0">
+        <a:scrgbClr r="0" g="0" b="0"/>
+      </a:effectRef>
+      <a:fontRef idx="minor"/>
+    </dgm:style>
+  </dgm:styleLbl>
+  <dgm:styleLbl name="fgAcc2">
+    <dgm:scene3d>
+      <a:camera prst="orthographicFront"/>
+      <a:lightRig rig="threePt" dir="t"/>
+    </dgm:scene3d>
+    <dgm:sp3d/>
+    <dgm:txPr/>
+    <dgm:style>
+      <a:lnRef idx="2">
+        <a:scrgbClr r="0" g="0" b="0"/>
+      </a:lnRef>
+      <a:fillRef idx="1">
+        <a:scrgbClr r="0" g="0" b="0"/>
+      </a:fillRef>
+      <a:effectRef idx="0">
+        <a:scrgbClr r="0" g="0" b="0"/>
+      </a:effectRef>
+      <a:fontRef idx="minor"/>
+    </dgm:style>
+  </dgm:styleLbl>
+  <dgm:styleLbl name="fgAcc3">
+    <dgm:scene3d>
+      <a:camera prst="orthographicFront"/>
+      <a:lightRig rig="threePt" dir="t"/>
+    </dgm:scene3d>
+    <dgm:sp3d/>
+    <dgm:txPr/>
+    <dgm:style>
+      <a:lnRef idx="2">
+        <a:scrgbClr r="0" g="0" b="0"/>
+      </a:lnRef>
+      <a:fillRef idx="1">
+        <a:scrgbClr r="0" g="0" b="0"/>
+      </a:fillRef>
+      <a:effectRef idx="0">
+        <a:scrgbClr r="0" g="0" b="0"/>
+      </a:effectRef>
+      <a:fontRef idx="minor"/>
+    </dgm:style>
+  </dgm:styleLbl>
+  <dgm:styleLbl name="fgAcc4">
+    <dgm:scene3d>
+      <a:camera prst="orthographicFront"/>
+      <a:lightRig rig="threePt" dir="t"/>
+    </dgm:scene3d>
+    <dgm:sp3d/>
+    <dgm:txPr/>
+    <dgm:style>
+      <a:lnRef idx="2">
+        <a:scrgbClr r="0" g="0" b="0"/>
+      </a:lnRef>
+      <a:fillRef idx="1">
+        <a:scrgbClr r="0" g="0" b="0"/>
+      </a:fillRef>
+      <a:effectRef idx="0">
+        <a:scrgbClr r="0" g="0" b="0"/>
+      </a:effectRef>
+      <a:fontRef idx="minor"/>
+    </dgm:style>
+  </dgm:styleLbl>
+  <dgm:styleLbl name="bgShp">
+    <dgm:scene3d>
+      <a:camera prst="orthographicFront"/>
+      <a:lightRig rig="threePt" dir="t"/>
+    </dgm:scene3d>
+    <dgm:sp3d/>
+    <dgm:txPr/>
+    <dgm:style>
+      <a:lnRef idx="0">
+        <a:scrgbClr r="0" g="0" b="0"/>
+      </a:lnRef>
+      <a:fillRef idx="1">
+        <a:scrgbClr r="0" g="0" b="0"/>
+      </a:fillRef>
+      <a:effectRef idx="0">
+        <a:scrgbClr r="0" g="0" b="0"/>
+      </a:effectRef>
+      <a:fontRef idx="minor"/>
+    </dgm:style>
+  </dgm:styleLbl>
+  <dgm:styleLbl name="dkBgShp">
+    <dgm:scene3d>
+      <a:camera prst="orthographicFront"/>
+      <a:lightRig rig="threePt" dir="t"/>
+    </dgm:scene3d>
+    <dgm:sp3d/>
+    <dgm:txPr/>
+    <dgm:style>
+      <a:lnRef idx="0">
+        <a:scrgbClr r="0" g="0" b="0"/>
+      </a:lnRef>
+      <a:fillRef idx="1">
+        <a:scrgbClr r="0" g="0" b="0"/>
+      </a:fillRef>
+      <a:effectRef idx="0">
+        <a:scrgbClr r="0" g="0" b="0"/>
+      </a:effectRef>
+      <a:fontRef idx="minor"/>
+    </dgm:style>
+  </dgm:styleLbl>
+  <dgm:styleLbl name="trBgShp">
+    <dgm:scene3d>
+      <a:camera prst="orthographicFront"/>
+      <a:lightRig rig="threePt" dir="t"/>
+    </dgm:scene3d>
+    <dgm:sp3d/>
+    <dgm:txPr/>
+    <dgm:style>
+      <a:lnRef idx="0">
+        <a:scrgbClr r="0" g="0" b="0"/>
+      </a:lnRef>
+      <a:fillRef idx="1">
+        <a:scrgbClr r="0" g="0" b="0"/>
+      </a:fillRef>
+      <a:effectRef idx="0">
+        <a:scrgbClr r="0" g="0" b="0"/>
+      </a:effectRef>
+      <a:fontRef idx="minor"/>
+    </dgm:style>
+  </dgm:styleLbl>
+  <dgm:styleLbl name="fgShp">
+    <dgm:scene3d>
+      <a:camera prst="orthographicFront"/>
+      <a:lightRig rig="threePt" dir="t"/>
+    </dgm:scene3d>
+    <dgm:sp3d/>
+    <dgm:txPr/>
+    <dgm:style>
+      <a:lnRef idx="2">
+        <a:scrgbClr r="0" g="0" b="0"/>
+      </a:lnRef>
+      <a:fillRef idx="1">
+        <a:scrgbClr r="0" g="0" b="0"/>
+      </a:fillRef>
+      <a:effectRef idx="0">
+        <a:scrgbClr r="0" g="0" b="0"/>
+      </a:effectRef>
+      <a:fontRef idx="minor"/>
+    </dgm:style>
+  </dgm:styleLbl>
+  <dgm:styleLbl name="revTx">
+    <dgm:scene3d>
+      <a:camera prst="orthographicFront"/>
+      <a:lightRig rig="threePt" dir="t"/>
+    </dgm:scene3d>
+    <dgm:sp3d/>
+    <dgm:txPr/>
+    <dgm:style>
+      <a:lnRef idx="0">
+        <a:scrgbClr r="0" g="0" b="0"/>
+      </a:lnRef>
+      <a:fillRef idx="0">
+        <a:scrgbClr r="0" g="0" b="0"/>
+      </a:fillRef>
+      <a:effectRef idx="0">
+        <a:scrgbClr r="0" g="0" b="0"/>
+      </a:effectRef>
+      <a:fontRef idx="minor"/>
+    </dgm:style>
+  </dgm:styleLbl>
+</dgm:styleDef>
+</file>
+
+<file path=ppt/notesMasters/notesMaster1.xml><?xml version="1.0" encoding="utf-8"?>
+<p:notesMaster xmlns:a="http://schemas.openxmlformats.org/drawingml/2006/main" xmlns:r="http://schemas.openxmlformats.org/officeDocument/2006/relationships" xmlns:p="http://schemas.openxmlformats.org/presentationml/2006/main">
+  <p:cSld>
+    <p:bg>
+      <p:bgRef idx="1001">
+        <a:schemeClr val="bg1"/>
+      </p:bgRef>
+    </p:bg>
+    <p:spTree>
+      <p:nvGrpSpPr>
+        <p:cNvPr id="1" name=""/>
+        <p:cNvGrpSpPr/>
+        <p:nvPr/>
+      </p:nvGrpSpPr>
+      <p:grpSpPr>
+        <a:xfrm>
+          <a:off x="0" y="0"/>
+          <a:ext cx="0" cy="0"/>
+          <a:chOff x="0" y="0"/>
+          <a:chExt cx="0" cy="0"/>
+        </a:xfrm>
+      </p:grpSpPr>
+      <p:sp>
+        <p:nvSpPr>
+          <p:cNvPr id="2" name="Header Placeholder 1"/>
+          <p:cNvSpPr>
+            <a:spLocks noGrp="1"/>
+          </p:cNvSpPr>
+          <p:nvPr>
+            <p:ph type="hdr" sz="quarter"/>
+          </p:nvPr>
+        </p:nvSpPr>
+        <p:spPr>
+          <a:xfrm>
+            <a:off x="0" y="0"/>
+            <a:ext cx="2971800" cy="458788"/>
+          </a:xfrm>
+          <a:prstGeom prst="rect">
+            <a:avLst/>
+          </a:prstGeom>
+        </p:spPr>
+        <p:txBody>
+          <a:bodyPr vert="horz" lIns="91440" tIns="45720" rIns="91440" bIns="45720" rtlCol="0"/>
+          <a:lstStyle>
+            <a:lvl1pPr algn="l">
+              <a:defRPr sz="1200"/>
+            </a:lvl1pPr>
+          </a:lstStyle>
+          <a:p>
+            <a:endParaRPr lang="hr-HR"/>
+          </a:p>
+        </p:txBody>
+      </p:sp>
+      <p:sp>
+        <p:nvSpPr>
+          <p:cNvPr id="3" name="Date Placeholder 2"/>
+          <p:cNvSpPr>
+            <a:spLocks noGrp="1"/>
+          </p:cNvSpPr>
+          <p:nvPr>
+            <p:ph type="dt" idx="1"/>
+          </p:nvPr>
+        </p:nvSpPr>
+        <p:spPr>
+          <a:xfrm>
+            <a:off x="3884613" y="0"/>
+            <a:ext cx="2971800" cy="458788"/>
+          </a:xfrm>
+          <a:prstGeom prst="rect">
+            <a:avLst/>
+          </a:prstGeom>
+        </p:spPr>
+        <p:txBody>
+          <a:bodyPr vert="horz" lIns="91440" tIns="45720" rIns="91440" bIns="45720" rtlCol="0"/>
+          <a:lstStyle>
+            <a:lvl1pPr algn="r">
+              <a:defRPr sz="1200"/>
+            </a:lvl1pPr>
+          </a:lstStyle>
+          <a:p>
+            <a:fld id="{44B3C5A4-0CCA-4BBB-B598-370495444CF2}" type="datetimeFigureOut">
+              <a:rPr lang="hr-HR" smtClean="0"/>
+              <a:t>2017-06-04</a:t>
+            </a:fld>
+            <a:endParaRPr lang="hr-HR"/>
+          </a:p>
+        </p:txBody>
+      </p:sp>
+      <p:sp>
+        <p:nvSpPr>
+          <p:cNvPr id="4" name="Slide Image Placeholder 3"/>
+          <p:cNvSpPr>
+            <a:spLocks noGrp="1" noRot="1" noChangeAspect="1"/>
+          </p:cNvSpPr>
+          <p:nvPr>
+            <p:ph type="sldImg" idx="2"/>
+          </p:nvPr>
+        </p:nvSpPr>
+        <p:spPr>
+          <a:xfrm>
+            <a:off x="685800" y="1143000"/>
+            <a:ext cx="5486400" cy="3086100"/>
+          </a:xfrm>
+          <a:prstGeom prst="rect">
+            <a:avLst/>
+          </a:prstGeom>
+          <a:noFill/>
+          <a:ln w="12700">
+            <a:solidFill>
+              <a:prstClr val="black"/>
+            </a:solidFill>
+          </a:ln>
+        </p:spPr>
+        <p:txBody>
+          <a:bodyPr vert="horz" lIns="91440" tIns="45720" rIns="91440" bIns="45720" rtlCol="0" anchor="ctr"/>
+          <a:lstStyle/>
+          <a:p>
+            <a:endParaRPr lang="hr-HR"/>
+          </a:p>
+        </p:txBody>
+      </p:sp>
+      <p:sp>
+        <p:nvSpPr>
+          <p:cNvPr id="5" name="Notes Placeholder 4"/>
+          <p:cNvSpPr>
+            <a:spLocks noGrp="1"/>
+          </p:cNvSpPr>
+          <p:nvPr>
+            <p:ph type="body" sz="quarter" idx="3"/>
+          </p:nvPr>
+        </p:nvSpPr>
+        <p:spPr>
+          <a:xfrm>
+            <a:off x="685800" y="4400550"/>
+            <a:ext cx="5486400" cy="3600450"/>
+          </a:xfrm>
+          <a:prstGeom prst="rect">
+            <a:avLst/>
+          </a:prstGeom>
+        </p:spPr>
+        <p:txBody>
+          <a:bodyPr vert="horz" lIns="91440" tIns="45720" rIns="91440" bIns="45720" rtlCol="0"/>
+          <a:lstStyle/>
+          <a:p>
+            <a:pPr lvl="0"/>
+            <a:r>
+              <a:rPr lang="en-US"/>
+              <a:t>Edit Master text styles</a:t>
+            </a:r>
+          </a:p>
+          <a:p>
+            <a:pPr lvl="1"/>
+            <a:r>
+              <a:rPr lang="en-US"/>
+              <a:t>Second level</a:t>
+            </a:r>
+          </a:p>
+          <a:p>
+            <a:pPr lvl="2"/>
+            <a:r>
+              <a:rPr lang="en-US"/>
+              <a:t>Third level</a:t>
+            </a:r>
+          </a:p>
+          <a:p>
+            <a:pPr lvl="3"/>
+            <a:r>
+              <a:rPr lang="en-US"/>
+              <a:t>Fourth level</a:t>
+            </a:r>
+          </a:p>
+          <a:p>
+            <a:pPr lvl="4"/>
+            <a:r>
+              <a:rPr lang="en-US"/>
+              <a:t>Fifth level</a:t>
+            </a:r>
+            <a:endParaRPr lang="hr-HR"/>
+          </a:p>
+        </p:txBody>
+      </p:sp>
+      <p:sp>
+        <p:nvSpPr>
+          <p:cNvPr id="6" name="Footer Placeholder 5"/>
+          <p:cNvSpPr>
+            <a:spLocks noGrp="1"/>
+          </p:cNvSpPr>
+          <p:nvPr>
+            <p:ph type="ftr" sz="quarter" idx="4"/>
+          </p:nvPr>
+        </p:nvSpPr>
+        <p:spPr>
+          <a:xfrm>
+            <a:off x="0" y="8685213"/>
+            <a:ext cx="2971800" cy="458787"/>
+          </a:xfrm>
+          <a:prstGeom prst="rect">
+            <a:avLst/>
+          </a:prstGeom>
+        </p:spPr>
+        <p:txBody>
+          <a:bodyPr vert="horz" lIns="91440" tIns="45720" rIns="91440" bIns="45720" rtlCol="0" anchor="b"/>
+          <a:lstStyle>
+            <a:lvl1pPr algn="l">
+              <a:defRPr sz="1200"/>
+            </a:lvl1pPr>
+          </a:lstStyle>
+          <a:p>
+            <a:endParaRPr lang="hr-HR"/>
+          </a:p>
+        </p:txBody>
+      </p:sp>
+      <p:sp>
+        <p:nvSpPr>
+          <p:cNvPr id="7" name="Slide Number Placeholder 6"/>
+          <p:cNvSpPr>
+            <a:spLocks noGrp="1"/>
+          </p:cNvSpPr>
+          <p:nvPr>
+            <p:ph type="sldNum" sz="quarter" idx="5"/>
+          </p:nvPr>
+        </p:nvSpPr>
+        <p:spPr>
+          <a:xfrm>
+            <a:off x="3884613" y="8685213"/>
+            <a:ext cx="2971800" cy="458787"/>
+          </a:xfrm>
+          <a:prstGeom prst="rect">
+            <a:avLst/>
+          </a:prstGeom>
+        </p:spPr>
+        <p:txBody>
+          <a:bodyPr vert="horz" lIns="91440" tIns="45720" rIns="91440" bIns="45720" rtlCol="0" anchor="b"/>
+          <a:lstStyle>
+            <a:lvl1pPr algn="r">
+              <a:defRPr sz="1200"/>
+            </a:lvl1pPr>
+          </a:lstStyle>
+          <a:p>
+            <a:fld id="{55E96210-A9A4-43FB-8065-D05213461070}" type="slidenum">
+              <a:rPr lang="hr-HR" smtClean="0"/>
+              <a:t>‹#›</a:t>
+            </a:fld>
+            <a:endParaRPr lang="hr-HR"/>
+          </a:p>
+        </p:txBody>
+      </p:sp>
+    </p:spTree>
+    <p:extLst>
+      <p:ext uri="{BB962C8B-B14F-4D97-AF65-F5344CB8AC3E}">
+        <p14:creationId xmlns:p14="http://schemas.microsoft.com/office/powerpoint/2010/main" val="837536139"/>
+      </p:ext>
+    </p:extLst>
+  </p:cSld>
+  <p:clrMap bg1="lt1" tx1="dk1" bg2="lt2" tx2="dk2" accent1="accent1" accent2="accent2" accent3="accent3" accent4="accent4" accent5="accent5" accent6="accent6" hlink="hlink" folHlink="folHlink"/>
+  <p:notesStyle>
+    <a:lvl1pPr marL="0" algn="l" defTabSz="914400" rtl="0" eaLnBrk="1" latinLnBrk="0" hangingPunct="1">
+      <a:defRPr sz="1200" kern="1200">
+        <a:solidFill>
+          <a:schemeClr val="tx1"/>
+        </a:solidFill>
+        <a:latin typeface="+mn-lt"/>
+        <a:ea typeface="+mn-ea"/>
+        <a:cs typeface="+mn-cs"/>
+      </a:defRPr>
+    </a:lvl1pPr>
+    <a:lvl2pPr marL="457200" algn="l" defTabSz="914400" rtl="0" eaLnBrk="1" latinLnBrk="0" hangingPunct="1">
+      <a:defRPr sz="1200" kern="1200">
+        <a:solidFill>
+          <a:schemeClr val="tx1"/>
+        </a:solidFill>
+        <a:latin typeface="+mn-lt"/>
+        <a:ea typeface="+mn-ea"/>
+        <a:cs typeface="+mn-cs"/>
+      </a:defRPr>
+    </a:lvl2pPr>
+    <a:lvl3pPr marL="914400" algn="l" defTabSz="914400" rtl="0" eaLnBrk="1" latinLnBrk="0" hangingPunct="1">
+      <a:defRPr sz="1200" kern="1200">
+        <a:solidFill>
+          <a:schemeClr val="tx1"/>
+        </a:solidFill>
+        <a:latin typeface="+mn-lt"/>
+        <a:ea typeface="+mn-ea"/>
+        <a:cs typeface="+mn-cs"/>
+      </a:defRPr>
+    </a:lvl3pPr>
+    <a:lvl4pPr marL="1371600" algn="l" defTabSz="914400" rtl="0" eaLnBrk="1" latinLnBrk="0" hangingPunct="1">
+      <a:defRPr sz="1200" kern="1200">
+        <a:solidFill>
+          <a:schemeClr val="tx1"/>
+        </a:solidFill>
+        <a:latin typeface="+mn-lt"/>
+        <a:ea typeface="+mn-ea"/>
+        <a:cs typeface="+mn-cs"/>
+      </a:defRPr>
+    </a:lvl4pPr>
+    <a:lvl5pPr marL="1828800" algn="l" defTabSz="914400" rtl="0" eaLnBrk="1" latinLnBrk="0" hangingPunct="1">
+      <a:defRPr sz="1200" kern="1200">
+        <a:solidFill>
+          <a:schemeClr val="tx1"/>
+        </a:solidFill>
+        <a:latin typeface="+mn-lt"/>
+        <a:ea typeface="+mn-ea"/>
+        <a:cs typeface="+mn-cs"/>
+      </a:defRPr>
+    </a:lvl5pPr>
+    <a:lvl6pPr marL="2286000" algn="l" defTabSz="914400" rtl="0" eaLnBrk="1" latinLnBrk="0" hangingPunct="1">
+      <a:defRPr sz="1200" kern="1200">
+        <a:solidFill>
+          <a:schemeClr val="tx1"/>
+        </a:solidFill>
+        <a:latin typeface="+mn-lt"/>
+        <a:ea typeface="+mn-ea"/>
+        <a:cs typeface="+mn-cs"/>
+      </a:defRPr>
+    </a:lvl6pPr>
+    <a:lvl7pPr marL="2743200" algn="l" defTabSz="914400" rtl="0" eaLnBrk="1" latinLnBrk="0" hangingPunct="1">
+      <a:defRPr sz="1200" kern="1200">
+        <a:solidFill>
+          <a:schemeClr val="tx1"/>
+        </a:solidFill>
+        <a:latin typeface="+mn-lt"/>
+        <a:ea typeface="+mn-ea"/>
+        <a:cs typeface="+mn-cs"/>
+      </a:defRPr>
+    </a:lvl7pPr>
+    <a:lvl8pPr marL="3200400" algn="l" defTabSz="914400" rtl="0" eaLnBrk="1" latinLnBrk="0" hangingPunct="1">
+      <a:defRPr sz="1200" kern="1200">
+        <a:solidFill>
+          <a:schemeClr val="tx1"/>
+        </a:solidFill>
+        <a:latin typeface="+mn-lt"/>
+        <a:ea typeface="+mn-ea"/>
+        <a:cs typeface="+mn-cs"/>
+      </a:defRPr>
+    </a:lvl8pPr>
+    <a:lvl9pPr marL="3657600" algn="l" defTabSz="914400" rtl="0" eaLnBrk="1" latinLnBrk="0" hangingPunct="1">
+      <a:defRPr sz="1200" kern="1200">
+        <a:solidFill>
+          <a:schemeClr val="tx1"/>
+        </a:solidFill>
+        <a:latin typeface="+mn-lt"/>
+        <a:ea typeface="+mn-ea"/>
+        <a:cs typeface="+mn-cs"/>
+      </a:defRPr>
+    </a:lvl9pPr>
+  </p:notesStyle>
+</p:notesMaster>
+</file>
+
+<file path=ppt/notesSlides/notesSlide1.xml><?xml version="1.0" encoding="utf-8"?>
+<p:notes xmlns:a="http://schemas.openxmlformats.org/drawingml/2006/main" xmlns:r="http://schemas.openxmlformats.org/officeDocument/2006/relationships" xmlns:p="http://schemas.openxmlformats.org/presentationml/2006/main">
+  <p:cSld>
+    <p:spTree>
+      <p:nvGrpSpPr>
+        <p:cNvPr id="1" name=""/>
+        <p:cNvGrpSpPr/>
+        <p:nvPr/>
+      </p:nvGrpSpPr>
+      <p:grpSpPr>
+        <a:xfrm>
+          <a:off x="0" y="0"/>
+          <a:ext cx="0" cy="0"/>
+          <a:chOff x="0" y="0"/>
+          <a:chExt cx="0" cy="0"/>
+        </a:xfrm>
+      </p:grpSpPr>
+      <p:sp>
+        <p:nvSpPr>
+          <p:cNvPr id="2" name="Slide Image Placeholder 1"/>
+          <p:cNvSpPr>
+            <a:spLocks noGrp="1" noRot="1" noChangeAspect="1"/>
+          </p:cNvSpPr>
+          <p:nvPr>
+            <p:ph type="sldImg"/>
+          </p:nvPr>
+        </p:nvSpPr>
+        <p:spPr/>
+      </p:sp>
+      <p:sp>
+        <p:nvSpPr>
+          <p:cNvPr id="3" name="Notes Placeholder 2"/>
+          <p:cNvSpPr>
+            <a:spLocks noGrp="1"/>
+          </p:cNvSpPr>
+          <p:nvPr>
+            <p:ph type="body" idx="1"/>
+          </p:nvPr>
+        </p:nvSpPr>
+        <p:spPr/>
+        <p:txBody>
+          <a:bodyPr/>
+          <a:lstStyle/>
+          <a:p>
+            <a:endParaRPr lang="hr-HR" dirty="0"/>
+          </a:p>
+        </p:txBody>
+      </p:sp>
+      <p:sp>
+        <p:nvSpPr>
+          <p:cNvPr id="4" name="Slide Number Placeholder 3"/>
+          <p:cNvSpPr>
+            <a:spLocks noGrp="1"/>
+          </p:cNvSpPr>
+          <p:nvPr>
+            <p:ph type="sldNum" sz="quarter" idx="10"/>
+          </p:nvPr>
+        </p:nvSpPr>
+        <p:spPr/>
+        <p:txBody>
+          <a:bodyPr/>
+          <a:lstStyle/>
+          <a:p>
+            <a:fld id="{55E96210-A9A4-43FB-8065-D05213461070}" type="slidenum">
+              <a:rPr lang="hr-HR" smtClean="0"/>
+              <a:t>3</a:t>
+            </a:fld>
+            <a:endParaRPr lang="hr-HR"/>
+          </a:p>
+        </p:txBody>
+      </p:sp>
+    </p:spTree>
+    <p:extLst>
+      <p:ext uri="{BB962C8B-B14F-4D97-AF65-F5344CB8AC3E}">
+        <p14:creationId xmlns:p14="http://schemas.microsoft.com/office/powerpoint/2010/main" val="1148083069"/>
+      </p:ext>
+    </p:extLst>
+  </p:cSld>
+  <p:clrMapOvr>
+    <a:masterClrMapping/>
+  </p:clrMapOvr>
+</p:notes>
+</file>
+
+<file path=ppt/notesSlides/notesSlide2.xml><?xml version="1.0" encoding="utf-8"?>
+<p:notes xmlns:a="http://schemas.openxmlformats.org/drawingml/2006/main" xmlns:r="http://schemas.openxmlformats.org/officeDocument/2006/relationships" xmlns:p="http://schemas.openxmlformats.org/presentationml/2006/main">
+  <p:cSld>
+    <p:spTree>
+      <p:nvGrpSpPr>
+        <p:cNvPr id="1" name=""/>
+        <p:cNvGrpSpPr/>
+        <p:nvPr/>
+      </p:nvGrpSpPr>
+      <p:grpSpPr>
+        <a:xfrm>
+          <a:off x="0" y="0"/>
+          <a:ext cx="0" cy="0"/>
+          <a:chOff x="0" y="0"/>
+          <a:chExt cx="0" cy="0"/>
+        </a:xfrm>
+      </p:grpSpPr>
+      <p:sp>
+        <p:nvSpPr>
+          <p:cNvPr id="2" name="Slide Image Placeholder 1"/>
+          <p:cNvSpPr>
+            <a:spLocks noGrp="1" noRot="1" noChangeAspect="1"/>
+          </p:cNvSpPr>
+          <p:nvPr>
+            <p:ph type="sldImg"/>
+          </p:nvPr>
+        </p:nvSpPr>
+        <p:spPr/>
+      </p:sp>
+      <p:sp>
+        <p:nvSpPr>
+          <p:cNvPr id="3" name="Notes Placeholder 2"/>
+          <p:cNvSpPr>
+            <a:spLocks noGrp="1"/>
+          </p:cNvSpPr>
+          <p:nvPr>
+            <p:ph type="body" idx="1"/>
+          </p:nvPr>
+        </p:nvSpPr>
+        <p:spPr/>
+        <p:txBody>
+          <a:bodyPr/>
+          <a:lstStyle/>
+          <a:p>
+            <a:endParaRPr lang="hr-HR" dirty="0"/>
+          </a:p>
+        </p:txBody>
+      </p:sp>
+      <p:sp>
+        <p:nvSpPr>
+          <p:cNvPr id="4" name="Slide Number Placeholder 3"/>
+          <p:cNvSpPr>
+            <a:spLocks noGrp="1"/>
+          </p:cNvSpPr>
+          <p:nvPr>
+            <p:ph type="sldNum" sz="quarter" idx="10"/>
+          </p:nvPr>
+        </p:nvSpPr>
+        <p:spPr/>
+        <p:txBody>
+          <a:bodyPr/>
+          <a:lstStyle/>
+          <a:p>
+            <a:fld id="{55E96210-A9A4-43FB-8065-D05213461070}" type="slidenum">
+              <a:rPr lang="hr-HR" smtClean="0"/>
+              <a:t>8</a:t>
+            </a:fld>
+            <a:endParaRPr lang="hr-HR"/>
+          </a:p>
+        </p:txBody>
+      </p:sp>
+    </p:spTree>
+    <p:extLst>
+      <p:ext uri="{BB962C8B-B14F-4D97-AF65-F5344CB8AC3E}">
+        <p14:creationId xmlns:p14="http://schemas.microsoft.com/office/powerpoint/2010/main" val="4236126103"/>
+      </p:ext>
+    </p:extLst>
+  </p:cSld>
+  <p:clrMapOvr>
+    <a:masterClrMapping/>
+  </p:clrMapOvr>
+</p:notes>
+</file>
+
+<file path=ppt/notesSlides/notesSlide3.xml><?xml version="1.0" encoding="utf-8"?>
+<p:notes xmlns:a="http://schemas.openxmlformats.org/drawingml/2006/main" xmlns:r="http://schemas.openxmlformats.org/officeDocument/2006/relationships" xmlns:p="http://schemas.openxmlformats.org/presentationml/2006/main">
+  <p:cSld>
+    <p:spTree>
+      <p:nvGrpSpPr>
+        <p:cNvPr id="1" name=""/>
+        <p:cNvGrpSpPr/>
+        <p:nvPr/>
+      </p:nvGrpSpPr>
+      <p:grpSpPr>
+        <a:xfrm>
+          <a:off x="0" y="0"/>
+          <a:ext cx="0" cy="0"/>
+          <a:chOff x="0" y="0"/>
+          <a:chExt cx="0" cy="0"/>
+        </a:xfrm>
+      </p:grpSpPr>
+      <p:sp>
+        <p:nvSpPr>
+          <p:cNvPr id="2" name="Slide Image Placeholder 1"/>
+          <p:cNvSpPr>
+            <a:spLocks noGrp="1" noRot="1" noChangeAspect="1"/>
+          </p:cNvSpPr>
+          <p:nvPr>
+            <p:ph type="sldImg"/>
+          </p:nvPr>
+        </p:nvSpPr>
+        <p:spPr/>
+      </p:sp>
+      <p:sp>
+        <p:nvSpPr>
+          <p:cNvPr id="3" name="Notes Placeholder 2"/>
+          <p:cNvSpPr>
+            <a:spLocks noGrp="1"/>
+          </p:cNvSpPr>
+          <p:nvPr>
+            <p:ph type="body" idx="1"/>
+          </p:nvPr>
+        </p:nvSpPr>
+        <p:spPr/>
+        <p:txBody>
+          <a:bodyPr/>
+          <a:lstStyle/>
+          <a:p>
+            <a:endParaRPr lang="hr-HR" dirty="0"/>
+          </a:p>
+        </p:txBody>
+      </p:sp>
+      <p:sp>
+        <p:nvSpPr>
+          <p:cNvPr id="4" name="Slide Number Placeholder 3"/>
+          <p:cNvSpPr>
+            <a:spLocks noGrp="1"/>
+          </p:cNvSpPr>
+          <p:nvPr>
+            <p:ph type="sldNum" sz="quarter" idx="10"/>
+          </p:nvPr>
+        </p:nvSpPr>
+        <p:spPr/>
+        <p:txBody>
+          <a:bodyPr/>
+          <a:lstStyle/>
+          <a:p>
+            <a:fld id="{55E96210-A9A4-43FB-8065-D05213461070}" type="slidenum">
+              <a:rPr lang="hr-HR" smtClean="0"/>
+              <a:t>9</a:t>
+            </a:fld>
+            <a:endParaRPr lang="hr-HR"/>
+          </a:p>
+        </p:txBody>
+      </p:sp>
+    </p:spTree>
+    <p:extLst>
+      <p:ext uri="{BB962C8B-B14F-4D97-AF65-F5344CB8AC3E}">
+        <p14:creationId xmlns:p14="http://schemas.microsoft.com/office/powerpoint/2010/main" val="857180357"/>
+      </p:ext>
+    </p:extLst>
+  </p:cSld>
+  <p:clrMapOvr>
+    <a:masterClrMapping/>
+  </p:clrMapOvr>
+</p:notes>
+</file>
+
+<file path=ppt/notesSlides/notesSlide4.xml><?xml version="1.0" encoding="utf-8"?>
+<p:notes xmlns:a="http://schemas.openxmlformats.org/drawingml/2006/main" xmlns:r="http://schemas.openxmlformats.org/officeDocument/2006/relationships" xmlns:p="http://schemas.openxmlformats.org/presentationml/2006/main">
+  <p:cSld>
+    <p:spTree>
+      <p:nvGrpSpPr>
+        <p:cNvPr id="1" name=""/>
+        <p:cNvGrpSpPr/>
+        <p:nvPr/>
+      </p:nvGrpSpPr>
+      <p:grpSpPr>
+        <a:xfrm>
+          <a:off x="0" y="0"/>
+          <a:ext cx="0" cy="0"/>
+          <a:chOff x="0" y="0"/>
+          <a:chExt cx="0" cy="0"/>
+        </a:xfrm>
+      </p:grpSpPr>
+      <p:sp>
+        <p:nvSpPr>
+          <p:cNvPr id="2" name="Slide Image Placeholder 1"/>
+          <p:cNvSpPr>
+            <a:spLocks noGrp="1" noRot="1" noChangeAspect="1"/>
+          </p:cNvSpPr>
+          <p:nvPr>
+            <p:ph type="sldImg"/>
+          </p:nvPr>
+        </p:nvSpPr>
+        <p:spPr/>
+      </p:sp>
+      <p:sp>
+        <p:nvSpPr>
+          <p:cNvPr id="3" name="Notes Placeholder 2"/>
+          <p:cNvSpPr>
+            <a:spLocks noGrp="1"/>
+          </p:cNvSpPr>
+          <p:nvPr>
+            <p:ph type="body" idx="1"/>
+          </p:nvPr>
+        </p:nvSpPr>
+        <p:spPr/>
+        <p:txBody>
+          <a:bodyPr/>
+          <a:lstStyle/>
+          <a:p>
+            <a:r>
+              <a:rPr lang="en-US" dirty="0"/>
+              <a:t>Animation here?</a:t>
+            </a:r>
+          </a:p>
+        </p:txBody>
+      </p:sp>
+      <p:sp>
+        <p:nvSpPr>
+          <p:cNvPr id="4" name="Slide Number Placeholder 3"/>
+          <p:cNvSpPr>
+            <a:spLocks noGrp="1"/>
+          </p:cNvSpPr>
+          <p:nvPr>
+            <p:ph type="sldNum" sz="quarter" idx="10"/>
+          </p:nvPr>
+        </p:nvSpPr>
+        <p:spPr/>
+        <p:txBody>
+          <a:bodyPr/>
+          <a:lstStyle/>
+          <a:p>
+            <a:fld id="{55E96210-A9A4-43FB-8065-D05213461070}" type="slidenum">
+              <a:rPr lang="hr-HR" smtClean="0"/>
+              <a:t>10</a:t>
+            </a:fld>
+            <a:endParaRPr lang="hr-HR"/>
+          </a:p>
+        </p:txBody>
+      </p:sp>
+    </p:spTree>
+    <p:extLst>
+      <p:ext uri="{BB962C8B-B14F-4D97-AF65-F5344CB8AC3E}">
+        <p14:creationId xmlns:p14="http://schemas.microsoft.com/office/powerpoint/2010/main" val="1993114743"/>
+      </p:ext>
+    </p:extLst>
+  </p:cSld>
+  <p:clrMapOvr>
+    <a:masterClrMapping/>
+  </p:clrMapOvr>
+</p:notes>
+</file>
+
+<file path=ppt/notesSlides/notesSlide5.xml><?xml version="1.0" encoding="utf-8"?>
+<p:notes xmlns:a="http://schemas.openxmlformats.org/drawingml/2006/main" xmlns:r="http://schemas.openxmlformats.org/officeDocument/2006/relationships" xmlns:p="http://schemas.openxmlformats.org/presentationml/2006/main">
+  <p:cSld>
+    <p:spTree>
+      <p:nvGrpSpPr>
+        <p:cNvPr id="1" name=""/>
+        <p:cNvGrpSpPr/>
+        <p:nvPr/>
+      </p:nvGrpSpPr>
+      <p:grpSpPr>
+        <a:xfrm>
+          <a:off x="0" y="0"/>
+          <a:ext cx="0" cy="0"/>
+          <a:chOff x="0" y="0"/>
+          <a:chExt cx="0" cy="0"/>
+        </a:xfrm>
+      </p:grpSpPr>
+      <p:sp>
+        <p:nvSpPr>
+          <p:cNvPr id="2" name="Slide Image Placeholder 1"/>
+          <p:cNvSpPr>
+            <a:spLocks noGrp="1" noRot="1" noChangeAspect="1"/>
+          </p:cNvSpPr>
+          <p:nvPr>
+            <p:ph type="sldImg"/>
+          </p:nvPr>
+        </p:nvSpPr>
+        <p:spPr/>
+      </p:sp>
+      <p:sp>
+        <p:nvSpPr>
+          <p:cNvPr id="3" name="Notes Placeholder 2"/>
+          <p:cNvSpPr>
+            <a:spLocks noGrp="1"/>
+          </p:cNvSpPr>
+          <p:nvPr>
+            <p:ph type="body" idx="1"/>
+          </p:nvPr>
+        </p:nvSpPr>
+        <p:spPr/>
+        <p:txBody>
+          <a:bodyPr/>
+          <a:lstStyle/>
+          <a:p>
+            <a:endParaRPr lang="hr-HR" dirty="0"/>
+          </a:p>
+        </p:txBody>
+      </p:sp>
+      <p:sp>
+        <p:nvSpPr>
+          <p:cNvPr id="4" name="Slide Number Placeholder 3"/>
+          <p:cNvSpPr>
+            <a:spLocks noGrp="1"/>
+          </p:cNvSpPr>
+          <p:nvPr>
+            <p:ph type="sldNum" sz="quarter" idx="10"/>
+          </p:nvPr>
+        </p:nvSpPr>
+        <p:spPr/>
+        <p:txBody>
+          <a:bodyPr/>
+          <a:lstStyle/>
+          <a:p>
+            <a:fld id="{55E96210-A9A4-43FB-8065-D05213461070}" type="slidenum">
+              <a:rPr lang="hr-HR" smtClean="0"/>
+              <a:t>11</a:t>
+            </a:fld>
+            <a:endParaRPr lang="hr-HR"/>
+          </a:p>
+        </p:txBody>
+      </p:sp>
+    </p:spTree>
+    <p:extLst>
+      <p:ext uri="{BB962C8B-B14F-4D97-AF65-F5344CB8AC3E}">
+        <p14:creationId xmlns:p14="http://schemas.microsoft.com/office/powerpoint/2010/main" val="1150163873"/>
+      </p:ext>
+    </p:extLst>
+  </p:cSld>
+  <p:clrMapOvr>
+    <a:masterClrMapping/>
+  </p:clrMapOvr>
+</p:notes>
+</file>
+
+<file path=ppt/notesSlides/notesSlide6.xml><?xml version="1.0" encoding="utf-8"?>
+<p:notes xmlns:a="http://schemas.openxmlformats.org/drawingml/2006/main" xmlns:r="http://schemas.openxmlformats.org/officeDocument/2006/relationships" xmlns:p="http://schemas.openxmlformats.org/presentationml/2006/main">
+  <p:cSld>
+    <p:spTree>
+      <p:nvGrpSpPr>
+        <p:cNvPr id="1" name=""/>
+        <p:cNvGrpSpPr/>
+        <p:nvPr/>
+      </p:nvGrpSpPr>
+      <p:grpSpPr>
+        <a:xfrm>
+          <a:off x="0" y="0"/>
+          <a:ext cx="0" cy="0"/>
+          <a:chOff x="0" y="0"/>
+          <a:chExt cx="0" cy="0"/>
+        </a:xfrm>
+      </p:grpSpPr>
+      <p:sp>
+        <p:nvSpPr>
+          <p:cNvPr id="2" name="Slide Image Placeholder 1"/>
+          <p:cNvSpPr>
+            <a:spLocks noGrp="1" noRot="1" noChangeAspect="1"/>
+          </p:cNvSpPr>
+          <p:nvPr>
+            <p:ph type="sldImg"/>
+          </p:nvPr>
+        </p:nvSpPr>
+        <p:spPr/>
+      </p:sp>
+      <p:sp>
+        <p:nvSpPr>
+          <p:cNvPr id="3" name="Notes Placeholder 2"/>
+          <p:cNvSpPr>
+            <a:spLocks noGrp="1"/>
+          </p:cNvSpPr>
+          <p:nvPr>
+            <p:ph type="body" idx="1"/>
+          </p:nvPr>
+        </p:nvSpPr>
+        <p:spPr/>
+        <p:txBody>
+          <a:bodyPr/>
+          <a:lstStyle/>
+          <a:p>
+            <a:endParaRPr lang="hr-HR" dirty="0"/>
+          </a:p>
+        </p:txBody>
+      </p:sp>
+      <p:sp>
+        <p:nvSpPr>
+          <p:cNvPr id="4" name="Slide Number Placeholder 3"/>
+          <p:cNvSpPr>
+            <a:spLocks noGrp="1"/>
+          </p:cNvSpPr>
+          <p:nvPr>
+            <p:ph type="sldNum" sz="quarter" idx="10"/>
+          </p:nvPr>
+        </p:nvSpPr>
+        <p:spPr/>
+        <p:txBody>
+          <a:bodyPr/>
+          <a:lstStyle/>
+          <a:p>
+            <a:fld id="{55E96210-A9A4-43FB-8065-D05213461070}" type="slidenum">
+              <a:rPr lang="hr-HR" smtClean="0"/>
+              <a:t>12</a:t>
+            </a:fld>
+            <a:endParaRPr lang="hr-HR"/>
+          </a:p>
+        </p:txBody>
+      </p:sp>
+    </p:spTree>
+    <p:extLst>
+      <p:ext uri="{BB962C8B-B14F-4D97-AF65-F5344CB8AC3E}">
+        <p14:creationId xmlns:p14="http://schemas.microsoft.com/office/powerpoint/2010/main" val="948235522"/>
+      </p:ext>
+    </p:extLst>
+  </p:cSld>
+  <p:clrMapOvr>
+    <a:masterClrMapping/>
+  </p:clrMapOvr>
+</p:notes>
+</file>
+
+<file path=ppt/notesSlides/notesSlide7.xml><?xml version="1.0" encoding="utf-8"?>
+<p:notes xmlns:a="http://schemas.openxmlformats.org/drawingml/2006/main" xmlns:r="http://schemas.openxmlformats.org/officeDocument/2006/relationships" xmlns:p="http://schemas.openxmlformats.org/presentationml/2006/main">
+  <p:cSld>
+    <p:spTree>
+      <p:nvGrpSpPr>
+        <p:cNvPr id="1" name=""/>
+        <p:cNvGrpSpPr/>
+        <p:nvPr/>
+      </p:nvGrpSpPr>
+      <p:grpSpPr>
+        <a:xfrm>
+          <a:off x="0" y="0"/>
+          <a:ext cx="0" cy="0"/>
+          <a:chOff x="0" y="0"/>
+          <a:chExt cx="0" cy="0"/>
+        </a:xfrm>
+      </p:grpSpPr>
+      <p:sp>
+        <p:nvSpPr>
+          <p:cNvPr id="2" name="Slide Image Placeholder 1"/>
+          <p:cNvSpPr>
+            <a:spLocks noGrp="1" noRot="1" noChangeAspect="1"/>
+          </p:cNvSpPr>
+          <p:nvPr>
+            <p:ph type="sldImg"/>
+          </p:nvPr>
+        </p:nvSpPr>
+        <p:spPr/>
+      </p:sp>
+      <p:sp>
+        <p:nvSpPr>
+          <p:cNvPr id="3" name="Notes Placeholder 2"/>
+          <p:cNvSpPr>
+            <a:spLocks noGrp="1"/>
+          </p:cNvSpPr>
+          <p:nvPr>
+            <p:ph type="body" idx="1"/>
+          </p:nvPr>
+        </p:nvSpPr>
+        <p:spPr/>
+        <p:txBody>
+          <a:bodyPr/>
+          <a:lstStyle/>
+          <a:p>
+            <a:r>
+              <a:rPr lang="en-US" dirty="0"/>
+              <a:t>Mention that Model B in the table uses 2 groups for k-means and the problems with the </a:t>
+            </a:r>
+            <a:r>
+              <a:rPr lang="en-US" dirty="0" err="1"/>
+              <a:t>Bcubed</a:t>
+            </a:r>
+            <a:r>
+              <a:rPr lang="en-US" dirty="0"/>
+              <a:t> score.</a:t>
+            </a:r>
+            <a:endParaRPr lang="hr-HR" dirty="0"/>
+          </a:p>
+        </p:txBody>
+      </p:sp>
+      <p:sp>
+        <p:nvSpPr>
+          <p:cNvPr id="4" name="Slide Number Placeholder 3"/>
+          <p:cNvSpPr>
+            <a:spLocks noGrp="1"/>
+          </p:cNvSpPr>
+          <p:nvPr>
+            <p:ph type="sldNum" sz="quarter" idx="10"/>
+          </p:nvPr>
+        </p:nvSpPr>
+        <p:spPr/>
+        <p:txBody>
+          <a:bodyPr/>
+          <a:lstStyle/>
+          <a:p>
+            <a:fld id="{55E96210-A9A4-43FB-8065-D05213461070}" type="slidenum">
+              <a:rPr lang="hr-HR" smtClean="0"/>
+              <a:t>14</a:t>
+            </a:fld>
+            <a:endParaRPr lang="hr-HR"/>
+          </a:p>
+        </p:txBody>
+      </p:sp>
+    </p:spTree>
+    <p:extLst>
+      <p:ext uri="{BB962C8B-B14F-4D97-AF65-F5344CB8AC3E}">
+        <p14:creationId xmlns:p14="http://schemas.microsoft.com/office/powerpoint/2010/main" val="1148151628"/>
+      </p:ext>
+    </p:extLst>
+  </p:cSld>
+  <p:clrMapOvr>
+    <a:masterClrMapping/>
+  </p:clrMapOvr>
+</p:notes>
 </file>
 
 <file path=ppt/slideLayouts/slideLayout1.xml><?xml version="1.0" encoding="utf-8"?>
@@ -23873,19 +27701,51 @@
           <a:p>
             <a:r>
               <a:rPr lang="hr-HR" dirty="0"/>
-              <a:t>Model </a:t>
+              <a:t>Model B: </a:t>
+            </a:r>
+            <a:r>
+              <a:rPr lang="hr-HR" dirty="0" err="1"/>
+              <a:t>initialized</a:t>
+            </a:r>
+            <a:r>
+              <a:rPr lang="hr-HR" dirty="0"/>
+              <a:t> </a:t>
+            </a:r>
+            <a:r>
+              <a:rPr lang="hr-HR" dirty="0" err="1"/>
+              <a:t>weights</a:t>
             </a:r>
             <a:r>
               <a:rPr lang="en-US" dirty="0"/>
-              <a:t>A</a:t>
-            </a:r>
-            <a:r>
-              <a:rPr lang="hr-HR" dirty="0"/>
-              <a:t>:</a:t>
-            </a:r>
+              <a:t>*</a:t>
+            </a:r>
+            <a:endParaRPr lang="hr-HR" dirty="0"/>
           </a:p>
         </p:txBody>
       </p:sp>
+      <p:pic>
+        <p:nvPicPr>
+          <p:cNvPr id="3" name="Content Placeholder 2"/>
+          <p:cNvPicPr>
+            <a:picLocks noGrp="1" noChangeAspect="1"/>
+          </p:cNvPicPr>
+          <p:nvPr>
+            <p:ph sz="half" idx="2"/>
+          </p:nvPr>
+        </p:nvPicPr>
+        <p:blipFill>
+          <a:blip r:embed="rId3"/>
+          <a:stretch>
+            <a:fillRect/>
+          </a:stretch>
+        </p:blipFill>
+        <p:spPr>
+          <a:xfrm>
+            <a:off x="962290" y="2887663"/>
+            <a:ext cx="4912782" cy="3684587"/>
+          </a:xfrm>
+        </p:spPr>
+      </p:pic>
       <p:sp>
         <p:nvSpPr>
           <p:cNvPr id="7" name="Text Placeholder 6"/>
@@ -23908,25 +27768,42 @@
           <a:p>
             <a:r>
               <a:rPr lang="en-US" dirty="0"/>
-              <a:t>Model B:</a:t>
+              <a:t>Model B: learned weights*</a:t>
             </a:r>
             <a:endParaRPr lang="hr-HR" dirty="0"/>
           </a:p>
         </p:txBody>
       </p:sp>
+      <p:pic>
+        <p:nvPicPr>
+          <p:cNvPr id="11" name="Content Placeholder 10"/>
+          <p:cNvPicPr>
+            <a:picLocks noGrp="1" noChangeAspect="1"/>
+          </p:cNvPicPr>
+          <p:nvPr>
+            <p:ph sz="quarter" idx="4"/>
+          </p:nvPr>
+        </p:nvPicPr>
+        <p:blipFill>
+          <a:blip r:embed="rId4"/>
+          <a:stretch>
+            <a:fillRect/>
+          </a:stretch>
+        </p:blipFill>
+        <p:spPr>
+          <a:xfrm>
+            <a:off x="6307403" y="2887663"/>
+            <a:ext cx="4912782" cy="3684587"/>
+          </a:xfrm>
+        </p:spPr>
+      </p:pic>
       <p:graphicFrame>
         <p:nvGraphicFramePr>
           <p:cNvPr id="9" name="Content Placeholder 3"/>
           <p:cNvGraphicFramePr>
             <a:graphicFrameLocks/>
           </p:cNvGraphicFramePr>
-          <p:nvPr>
-            <p:extLst>
-              <p:ext uri="{D42A27DB-BD31-4B8C-83A1-F6EECF244321}">
-                <p14:modId xmlns:p14="http://schemas.microsoft.com/office/powerpoint/2010/main" val="2962888696"/>
-              </p:ext>
-            </p:extLst>
-          </p:nvPr>
+          <p:nvPr/>
         </p:nvGraphicFramePr>
         <p:xfrm>
           <a:off x="586441" y="1535278"/>
@@ -23934,105 +27811,84 @@
         </p:xfrm>
         <a:graphic>
           <a:graphicData uri="http://schemas.openxmlformats.org/drawingml/2006/diagram">
-            <dgm:relIds xmlns:dgm="http://schemas.openxmlformats.org/drawingml/2006/diagram" xmlns:r="http://schemas.openxmlformats.org/officeDocument/2006/relationships" r:dm="rId2" r:lo="rId3" r:qs="rId4" r:cs="rId5"/>
+            <dgm:relIds xmlns:dgm="http://schemas.openxmlformats.org/drawingml/2006/diagram" xmlns:r="http://schemas.openxmlformats.org/officeDocument/2006/relationships" r:dm="rId5" r:lo="rId6" r:qs="rId7" r:cs="rId8"/>
           </a:graphicData>
         </a:graphic>
       </p:graphicFrame>
       <p:sp>
         <p:nvSpPr>
-          <p:cNvPr id="6" name="Content Placeholder 5"/>
-          <p:cNvSpPr>
-            <a:spLocks noGrp="1"/>
-          </p:cNvSpPr>
-          <p:nvPr>
-            <p:ph sz="half" idx="2"/>
-          </p:nvPr>
+          <p:cNvPr id="12" name="Arrow: Right 11"/>
+          <p:cNvSpPr/>
+          <p:nvPr/>
         </p:nvSpPr>
         <p:spPr>
           <a:xfrm>
-            <a:off x="839788" y="2935380"/>
-            <a:ext cx="5157787" cy="3684588"/>
+            <a:off x="5556343" y="4440097"/>
+            <a:ext cx="1069789" cy="579717"/>
           </a:xfrm>
+          <a:prstGeom prst="rightArrow">
+            <a:avLst/>
+          </a:prstGeom>
         </p:spPr>
+        <p:style>
+          <a:lnRef idx="2">
+            <a:schemeClr val="accent1">
+              <a:shade val="50000"/>
+            </a:schemeClr>
+          </a:lnRef>
+          <a:fillRef idx="1">
+            <a:schemeClr val="accent1"/>
+          </a:fillRef>
+          <a:effectRef idx="0">
+            <a:schemeClr val="accent1"/>
+          </a:effectRef>
+          <a:fontRef idx="minor">
+            <a:schemeClr val="lt1"/>
+          </a:fontRef>
+        </p:style>
         <p:txBody>
-          <a:bodyPr/>
+          <a:bodyPr rtlCol="0" anchor="ctr"/>
           <a:lstStyle/>
           <a:p>
-            <a:r>
-              <a:rPr lang="en-US" dirty="0"/>
-              <a:t>All features</a:t>
-            </a:r>
-          </a:p>
-          <a:p>
-            <a:r>
-              <a:rPr lang="en-US" dirty="0"/>
-              <a:t>Context sizes: </a:t>
-            </a:r>
-          </a:p>
-          <a:p>
-            <a:pPr lvl="1"/>
-            <a:r>
-              <a:rPr lang="en-US" dirty="0"/>
-              <a:t>16 tokens for Task </a:t>
-            </a:r>
-            <a:r>
-              <a:rPr lang="en-US" i="1" dirty="0"/>
-              <a:t>a</a:t>
-            </a:r>
-          </a:p>
-          <a:p>
-            <a:pPr lvl="1"/>
-            <a:r>
-              <a:rPr lang="en-US" dirty="0"/>
-              <a:t>140 tokens for tasks </a:t>
-            </a:r>
-            <a:r>
-              <a:rPr lang="en-US" i="1" dirty="0"/>
-              <a:t>a</a:t>
-            </a:r>
-            <a:r>
-              <a:rPr lang="en-US" dirty="0"/>
-              <a:t> and </a:t>
-            </a:r>
-            <a:r>
-              <a:rPr lang="en-US" i="1" dirty="0"/>
-              <a:t>b</a:t>
-            </a:r>
-          </a:p>
-          <a:p>
-            <a:r>
-              <a:rPr lang="en-US" dirty="0"/>
-              <a:t>A training and a test set</a:t>
-            </a:r>
-          </a:p>
-          <a:p>
-            <a:r>
-              <a:rPr lang="en-US" dirty="0"/>
-              <a:t>Grid search on the training set over several algorithms on all tasks</a:t>
-            </a:r>
+            <a:pPr algn="ctr"/>
+            <a:endParaRPr lang="hr-HR"/>
           </a:p>
         </p:txBody>
       </p:sp>
       <p:sp>
         <p:nvSpPr>
-          <p:cNvPr id="10" name="Content Placeholder 9"/>
-          <p:cNvSpPr>
-            <a:spLocks noGrp="1"/>
-          </p:cNvSpPr>
-          <p:nvPr>
-            <p:ph sz="quarter" idx="4"/>
-          </p:nvPr>
+          <p:cNvPr id="13" name="TextBox 12"/>
+          <p:cNvSpPr txBox="1"/>
+          <p:nvPr/>
         </p:nvSpPr>
         <p:spPr>
           <a:xfrm>
-            <a:off x="6172200" y="2935380"/>
-            <a:ext cx="5183188" cy="3684588"/>
+            <a:off x="586441" y="2887565"/>
+            <a:ext cx="11019118" cy="369332"/>
           </a:xfrm>
+          <a:prstGeom prst="rect">
+            <a:avLst/>
+          </a:prstGeom>
+          <a:noFill/>
         </p:spPr>
         <p:txBody>
-          <a:bodyPr/>
+          <a:bodyPr wrap="square" rtlCol="0">
+            <a:spAutoFit/>
+          </a:bodyPr>
           <a:lstStyle/>
           <a:p>
+            <a:r>
+              <a:rPr lang="en-US" dirty="0"/>
+              <a:t>*Linear transformation trained specifically on one document to show </a:t>
+            </a:r>
+            <a:r>
+              <a:rPr lang="en-US" dirty="0" err="1"/>
+              <a:t>separability</a:t>
+            </a:r>
+            <a:r>
+              <a:rPr lang="en-US" dirty="0"/>
+              <a:t> of authors by character trigrams</a:t>
+            </a:r>
             <a:endParaRPr lang="hr-HR" dirty="0"/>
           </a:p>
         </p:txBody>
@@ -24040,7 +27896,7 @@
     </p:spTree>
     <p:extLst>
       <p:ext uri="{BB962C8B-B14F-4D97-AF65-F5344CB8AC3E}">
-        <p14:creationId xmlns:p14="http://schemas.microsoft.com/office/powerpoint/2010/main" val="1155150795"/>
+        <p14:creationId xmlns:p14="http://schemas.microsoft.com/office/powerpoint/2010/main" val="156289158"/>
       </p:ext>
     </p:extLst>
   </p:cSld>
@@ -24167,7 +28023,7 @@
         </p:xfrm>
         <a:graphic>
           <a:graphicData uri="http://schemas.openxmlformats.org/drawingml/2006/diagram">
-            <dgm:relIds xmlns:dgm="http://schemas.openxmlformats.org/drawingml/2006/diagram" xmlns:r="http://schemas.openxmlformats.org/officeDocument/2006/relationships" r:dm="rId2" r:lo="rId3" r:qs="rId4" r:cs="rId5"/>
+            <dgm:relIds xmlns:dgm="http://schemas.openxmlformats.org/drawingml/2006/diagram" xmlns:r="http://schemas.openxmlformats.org/officeDocument/2006/relationships" r:dm="rId3" r:lo="rId4" r:qs="rId5" r:cs="rId6"/>
           </a:graphicData>
         </a:graphic>
       </p:graphicFrame>
@@ -24264,7 +28120,29 @@
           <a:bodyPr/>
           <a:lstStyle/>
           <a:p>
-            <a:endParaRPr lang="hr-HR" dirty="0"/>
+            <a:r>
+              <a:rPr lang="en-US" dirty="0"/>
+              <a:t>All tasks: k-means</a:t>
+            </a:r>
+          </a:p>
+          <a:p>
+            <a:r>
+              <a:rPr lang="en-US" dirty="0"/>
+              <a:t>Tried automatic cluster number prediction using the elbow rule for Task </a:t>
+            </a:r>
+            <a:r>
+              <a:rPr lang="en-US" i="1" dirty="0"/>
+              <a:t>c </a:t>
+            </a:r>
+            <a:r>
+              <a:rPr lang="en-US" dirty="0"/>
+              <a:t>and outlier elimination for Task </a:t>
+            </a:r>
+            <a:r>
+              <a:rPr lang="en-US" i="1" dirty="0"/>
+              <a:t>a</a:t>
+            </a:r>
+            <a:endParaRPr lang="hr-HR" i="1" dirty="0"/>
           </a:p>
         </p:txBody>
       </p:sp>
@@ -24282,6 +28160,213 @@
 </file>
 
 <file path=ppt/slides/slide12.xml><?xml version="1.0" encoding="utf-8"?>
+<p:sld xmlns:a="http://schemas.openxmlformats.org/drawingml/2006/main" xmlns:r="http://schemas.openxmlformats.org/officeDocument/2006/relationships" xmlns:p="http://schemas.openxmlformats.org/presentationml/2006/main">
+  <p:cSld>
+    <p:spTree>
+      <p:nvGrpSpPr>
+        <p:cNvPr id="1" name=""/>
+        <p:cNvGrpSpPr/>
+        <p:nvPr/>
+      </p:nvGrpSpPr>
+      <p:grpSpPr>
+        <a:xfrm>
+          <a:off x="0" y="0"/>
+          <a:ext cx="0" cy="0"/>
+          <a:chOff x="0" y="0"/>
+          <a:chExt cx="0" cy="0"/>
+        </a:xfrm>
+      </p:grpSpPr>
+      <p:sp>
+        <p:nvSpPr>
+          <p:cNvPr id="4" name="Title 3"/>
+          <p:cNvSpPr>
+            <a:spLocks noGrp="1"/>
+          </p:cNvSpPr>
+          <p:nvPr>
+            <p:ph type="title"/>
+          </p:nvPr>
+        </p:nvSpPr>
+        <p:spPr/>
+        <p:txBody>
+          <a:bodyPr/>
+          <a:lstStyle/>
+          <a:p>
+            <a:r>
+              <a:rPr lang="en-US" dirty="0"/>
+              <a:t>The proposed approach</a:t>
+            </a:r>
+            <a:endParaRPr lang="hr-HR" dirty="0"/>
+          </a:p>
+        </p:txBody>
+      </p:sp>
+      <p:sp>
+        <p:nvSpPr>
+          <p:cNvPr id="5" name="Text Placeholder 4"/>
+          <p:cNvSpPr>
+            <a:spLocks noGrp="1"/>
+          </p:cNvSpPr>
+          <p:nvPr>
+            <p:ph type="body" idx="1"/>
+          </p:nvPr>
+        </p:nvSpPr>
+        <p:spPr>
+          <a:xfrm>
+            <a:off x="839788" y="2374530"/>
+            <a:ext cx="5157787" cy="513036"/>
+          </a:xfrm>
+        </p:spPr>
+        <p:txBody>
+          <a:bodyPr/>
+          <a:lstStyle/>
+          <a:p>
+            <a:r>
+              <a:rPr lang="hr-HR" dirty="0"/>
+              <a:t>Model </a:t>
+            </a:r>
+            <a:r>
+              <a:rPr lang="en-US" dirty="0"/>
+              <a:t>A</a:t>
+            </a:r>
+            <a:r>
+              <a:rPr lang="hr-HR" dirty="0"/>
+              <a:t>:</a:t>
+            </a:r>
+          </a:p>
+        </p:txBody>
+      </p:sp>
+      <p:sp>
+        <p:nvSpPr>
+          <p:cNvPr id="7" name="Text Placeholder 6"/>
+          <p:cNvSpPr>
+            <a:spLocks noGrp="1"/>
+          </p:cNvSpPr>
+          <p:nvPr>
+            <p:ph type="body" sz="quarter" idx="3"/>
+          </p:nvPr>
+        </p:nvSpPr>
+        <p:spPr>
+          <a:xfrm>
+            <a:off x="6172200" y="2374530"/>
+            <a:ext cx="5183188" cy="513036"/>
+          </a:xfrm>
+        </p:spPr>
+        <p:txBody>
+          <a:bodyPr/>
+          <a:lstStyle/>
+          <a:p>
+            <a:r>
+              <a:rPr lang="en-US" dirty="0"/>
+              <a:t>Model B:</a:t>
+            </a:r>
+            <a:endParaRPr lang="hr-HR" dirty="0"/>
+          </a:p>
+        </p:txBody>
+      </p:sp>
+      <p:graphicFrame>
+        <p:nvGraphicFramePr>
+          <p:cNvPr id="9" name="Content Placeholder 3"/>
+          <p:cNvGraphicFramePr>
+            <a:graphicFrameLocks/>
+          </p:cNvGraphicFramePr>
+          <p:nvPr>
+            <p:extLst>
+              <p:ext uri="{D42A27DB-BD31-4B8C-83A1-F6EECF244321}">
+                <p14:modId xmlns:p14="http://schemas.microsoft.com/office/powerpoint/2010/main" val="2962888696"/>
+              </p:ext>
+            </p:extLst>
+          </p:nvPr>
+        </p:nvGraphicFramePr>
+        <p:xfrm>
+          <a:off x="586441" y="1535278"/>
+          <a:ext cx="11019118" cy="707776"/>
+        </p:xfrm>
+        <a:graphic>
+          <a:graphicData uri="http://schemas.openxmlformats.org/drawingml/2006/diagram">
+            <dgm:relIds xmlns:dgm="http://schemas.openxmlformats.org/drawingml/2006/diagram" xmlns:r="http://schemas.openxmlformats.org/officeDocument/2006/relationships" r:dm="rId3" r:lo="rId4" r:qs="rId5" r:cs="rId6"/>
+          </a:graphicData>
+        </a:graphic>
+      </p:graphicFrame>
+      <p:sp>
+        <p:nvSpPr>
+          <p:cNvPr id="6" name="Content Placeholder 5"/>
+          <p:cNvSpPr>
+            <a:spLocks noGrp="1"/>
+          </p:cNvSpPr>
+          <p:nvPr>
+            <p:ph sz="half" idx="2"/>
+          </p:nvPr>
+        </p:nvSpPr>
+        <p:spPr>
+          <a:xfrm>
+            <a:off x="839788" y="2935380"/>
+            <a:ext cx="5157787" cy="3684588"/>
+          </a:xfrm>
+        </p:spPr>
+        <p:txBody>
+          <a:bodyPr/>
+          <a:lstStyle/>
+          <a:p>
+            <a:r>
+              <a:rPr lang="en-US" dirty="0"/>
+              <a:t>A training and a test set</a:t>
+            </a:r>
+          </a:p>
+          <a:p>
+            <a:r>
+              <a:rPr lang="en-US" dirty="0"/>
+              <a:t>Grid search on the training set over several algorithms on all tasks</a:t>
+            </a:r>
+          </a:p>
+        </p:txBody>
+      </p:sp>
+      <p:sp>
+        <p:nvSpPr>
+          <p:cNvPr id="10" name="Content Placeholder 9"/>
+          <p:cNvSpPr>
+            <a:spLocks noGrp="1"/>
+          </p:cNvSpPr>
+          <p:nvPr>
+            <p:ph sz="quarter" idx="4"/>
+          </p:nvPr>
+        </p:nvSpPr>
+        <p:spPr>
+          <a:xfrm>
+            <a:off x="6172200" y="2935380"/>
+            <a:ext cx="5183188" cy="3684588"/>
+          </a:xfrm>
+        </p:spPr>
+        <p:txBody>
+          <a:bodyPr/>
+          <a:lstStyle/>
+          <a:p>
+            <a:r>
+              <a:rPr lang="en-US" dirty="0"/>
+              <a:t>Development set (70% of the data) split into a training set and a validation set for the feature transformation</a:t>
+            </a:r>
+          </a:p>
+          <a:p>
+            <a:r>
+              <a:rPr lang="en-US" dirty="0"/>
+              <a:t>30% of data left for the test set</a:t>
+            </a:r>
+            <a:endParaRPr lang="hr-HR" dirty="0"/>
+          </a:p>
+        </p:txBody>
+      </p:sp>
+    </p:spTree>
+    <p:extLst>
+      <p:ext uri="{BB962C8B-B14F-4D97-AF65-F5344CB8AC3E}">
+        <p14:creationId xmlns:p14="http://schemas.microsoft.com/office/powerpoint/2010/main" val="1155150795"/>
+      </p:ext>
+    </p:extLst>
+  </p:cSld>
+  <p:clrMapOvr>
+    <a:masterClrMapping/>
+  </p:clrMapOvr>
+</p:sld>
+</file>
+
+<file path=ppt/slides/slide13.xml><?xml version="1.0" encoding="utf-8"?>
 <p:sld xmlns:a="http://schemas.openxmlformats.org/drawingml/2006/main" xmlns:r="http://schemas.openxmlformats.org/officeDocument/2006/relationships" xmlns:p="http://schemas.openxmlformats.org/presentationml/2006/main">
   <p:cSld>
     <p:spTree>
@@ -24380,7 +28465,7 @@
 </p:sld>
 </file>
 
-<file path=ppt/slides/slide13.xml><?xml version="1.0" encoding="utf-8"?>
+<file path=ppt/slides/slide14.xml><?xml version="1.0" encoding="utf-8"?>
 <p:sld xmlns:a="http://schemas.openxmlformats.org/drawingml/2006/main" xmlns:r="http://schemas.openxmlformats.org/officeDocument/2006/relationships" xmlns:p="http://schemas.openxmlformats.org/presentationml/2006/main">
   <p:cSld>
     <p:spTree>
@@ -24447,7 +28532,7 @@
           <a:bodyPr/>
           <a:lstStyle/>
           <a:p>
-            <a:endParaRPr lang="hr-HR"/>
+            <a:endParaRPr lang="hr-HR" dirty="0"/>
           </a:p>
         </p:txBody>
       </p:sp>
@@ -24460,7 +28545,7 @@
           <p:nvPr/>
         </p:nvPicPr>
         <p:blipFill rotWithShape="1">
-          <a:blip r:embed="rId2"/>
+          <a:blip r:embed="rId3"/>
           <a:srcRect l="40629" t="13140" r="4039" b="44881"/>
           <a:stretch/>
         </p:blipFill>
@@ -24487,7 +28572,7 @@
 </p:sld>
 </file>
 
-<file path=ppt/slides/slide14.xml><?xml version="1.0" encoding="utf-8"?>
+<file path=ppt/slides/slide15.xml><?xml version="1.0" encoding="utf-8"?>
 <p:sld xmlns:a="http://schemas.openxmlformats.org/drawingml/2006/main" xmlns:r="http://schemas.openxmlformats.org/officeDocument/2006/relationships" xmlns:p="http://schemas.openxmlformats.org/presentationml/2006/main">
   <p:cSld>
     <p:spTree>
@@ -24693,7 +28778,7 @@
         </p:xfrm>
         <a:graphic>
           <a:graphicData uri="http://schemas.openxmlformats.org/drawingml/2006/chart">
-            <c:chart xmlns:c="http://schemas.openxmlformats.org/drawingml/2006/chart" xmlns:r="http://schemas.openxmlformats.org/officeDocument/2006/relationships" r:id="rId2"/>
+            <c:chart xmlns:c="http://schemas.openxmlformats.org/drawingml/2006/chart" xmlns:r="http://schemas.openxmlformats.org/officeDocument/2006/relationships" r:id="rId3"/>
           </a:graphicData>
         </a:graphic>
       </p:graphicFrame>
@@ -24768,7 +28853,15 @@
             </a:r>
             <a:r>
               <a:rPr lang="hr-HR" sz="2400" dirty="0"/>
-              <a:t> a </a:t>
+              <a:t> </a:t>
+            </a:r>
+            <a:r>
+              <a:rPr lang="en-US" sz="2400" dirty="0"/>
+              <a:t>the</a:t>
+            </a:r>
+            <a:r>
+              <a:rPr lang="hr-HR" sz="2400" dirty="0"/>
+              <a:t> </a:t>
             </a:r>
             <a:r>
               <a:rPr lang="hr-HR" sz="2400" dirty="0" err="1"/>
@@ -25013,7 +29106,7 @@
             <p:ph sz="half" idx="1"/>
             <p:extLst>
               <p:ext uri="{D42A27DB-BD31-4B8C-83A1-F6EECF244321}">
-                <p14:modId xmlns:p14="http://schemas.microsoft.com/office/powerpoint/2010/main" val="2711065138"/>
+                <p14:modId xmlns:p14="http://schemas.microsoft.com/office/powerpoint/2010/main" val="136245000"/>
               </p:ext>
             </p:extLst>
           </p:nvPr>
@@ -25259,8 +29352,12 @@
               <a:t>in</a:t>
             </a:r>
             <a:r>
+              <a:rPr lang="en-US" dirty="0"/>
+              <a:t> the</a:t>
+            </a:r>
+            <a:r>
               <a:rPr lang="hr-HR" dirty="0"/>
-              <a:t> a </a:t>
+              <a:t> </a:t>
             </a:r>
             <a:r>
               <a:rPr lang="hr-HR" dirty="0" err="1"/>
@@ -26421,7 +30518,7 @@
       </p:grpSpPr>
       <p:sp>
         <p:nvSpPr>
-          <p:cNvPr id="4" name="Title 3"/>
+          <p:cNvPr id="2" name="Title 1"/>
           <p:cNvSpPr>
             <a:spLocks noGrp="1"/>
           </p:cNvSpPr>
@@ -26442,222 +30539,14 @@
           </a:p>
         </p:txBody>
       </p:sp>
-      <p:sp>
-        <p:nvSpPr>
-          <p:cNvPr id="5" name="Text Placeholder 4"/>
-          <p:cNvSpPr>
-            <a:spLocks noGrp="1"/>
-          </p:cNvSpPr>
-          <p:nvPr>
-            <p:ph type="body" idx="1"/>
-          </p:nvPr>
-        </p:nvSpPr>
-        <p:spPr>
-          <a:xfrm>
-            <a:off x="839788" y="2374530"/>
-            <a:ext cx="5157787" cy="513036"/>
-          </a:xfrm>
-        </p:spPr>
-        <p:txBody>
-          <a:bodyPr/>
-          <a:lstStyle/>
-          <a:p>
-            <a:r>
-              <a:rPr lang="hr-HR" dirty="0"/>
-              <a:t>Model A:</a:t>
-            </a:r>
-          </a:p>
-        </p:txBody>
-      </p:sp>
-      <p:sp>
-        <p:nvSpPr>
-          <p:cNvPr id="6" name="Content Placeholder 5"/>
-          <p:cNvSpPr>
-            <a:spLocks noGrp="1"/>
-          </p:cNvSpPr>
-          <p:nvPr>
-            <p:ph sz="half" idx="2"/>
-          </p:nvPr>
-        </p:nvSpPr>
-        <p:spPr>
-          <a:xfrm>
-            <a:off x="839788" y="2887566"/>
-            <a:ext cx="3391553" cy="3684588"/>
-          </a:xfrm>
-        </p:spPr>
-        <p:txBody>
-          <a:bodyPr/>
-          <a:lstStyle/>
-          <a:p>
-            <a:r>
-              <a:rPr lang="hr-HR" dirty="0" err="1"/>
-              <a:t>Feature</a:t>
-            </a:r>
-            <a:r>
-              <a:rPr lang="hr-HR" dirty="0"/>
-              <a:t> </a:t>
-            </a:r>
-            <a:r>
-              <a:rPr lang="hr-HR" dirty="0" err="1"/>
-              <a:t>scaling</a:t>
-            </a:r>
-            <a:r>
-              <a:rPr lang="hr-HR" dirty="0"/>
-              <a:t> to zero </a:t>
-            </a:r>
-            <a:r>
-              <a:rPr lang="hr-HR" dirty="0" err="1"/>
-              <a:t>mean</a:t>
-            </a:r>
-            <a:r>
-              <a:rPr lang="hr-HR" dirty="0"/>
-              <a:t> </a:t>
-            </a:r>
-            <a:r>
-              <a:rPr lang="hr-HR" dirty="0" err="1"/>
-              <a:t>and</a:t>
-            </a:r>
-            <a:r>
-              <a:rPr lang="hr-HR" dirty="0"/>
-              <a:t> </a:t>
-            </a:r>
-            <a:r>
-              <a:rPr lang="hr-HR" dirty="0" err="1"/>
-              <a:t>unit</a:t>
-            </a:r>
-            <a:r>
-              <a:rPr lang="hr-HR" dirty="0"/>
-              <a:t> </a:t>
-            </a:r>
-            <a:r>
-              <a:rPr lang="hr-HR" dirty="0" err="1"/>
-              <a:t>variance</a:t>
-            </a:r>
-            <a:endParaRPr lang="hr-HR" dirty="0"/>
-          </a:p>
-        </p:txBody>
-      </p:sp>
-      <p:sp>
-        <p:nvSpPr>
-          <p:cNvPr id="7" name="Text Placeholder 6"/>
-          <p:cNvSpPr>
-            <a:spLocks noGrp="1"/>
-          </p:cNvSpPr>
-          <p:nvPr>
-            <p:ph type="body" sz="quarter" idx="3"/>
-          </p:nvPr>
-        </p:nvSpPr>
-        <p:spPr>
-          <a:xfrm>
-            <a:off x="4918635" y="2374530"/>
-            <a:ext cx="6436753" cy="513036"/>
-          </a:xfrm>
-        </p:spPr>
-        <p:txBody>
-          <a:bodyPr/>
-          <a:lstStyle/>
-          <a:p>
-            <a:r>
-              <a:rPr lang="hr-HR" dirty="0"/>
-              <a:t>Model B:</a:t>
-            </a:r>
-          </a:p>
-        </p:txBody>
-      </p:sp>
-      <p:sp>
-        <p:nvSpPr>
-          <p:cNvPr id="8" name="Content Placeholder 7"/>
-          <p:cNvSpPr>
-            <a:spLocks noGrp="1"/>
-          </p:cNvSpPr>
-          <p:nvPr>
-            <p:ph sz="quarter" idx="4"/>
-          </p:nvPr>
-        </p:nvSpPr>
-        <p:spPr>
-          <a:xfrm>
-            <a:off x="4918635" y="2887566"/>
-            <a:ext cx="6436753" cy="3684588"/>
-          </a:xfrm>
-        </p:spPr>
-        <p:txBody>
-          <a:bodyPr/>
-          <a:lstStyle/>
-          <a:p>
-            <a:r>
-              <a:rPr lang="hr-HR" dirty="0" err="1"/>
-              <a:t>Uses</a:t>
-            </a:r>
-            <a:r>
-              <a:rPr lang="hr-HR" dirty="0"/>
-              <a:t> </a:t>
-            </a:r>
-            <a:r>
-              <a:rPr lang="en-US" dirty="0"/>
-              <a:t>a trainable transformation which requires a fixed basic feature space </a:t>
-            </a:r>
-          </a:p>
-          <a:p>
-            <a:r>
-              <a:rPr lang="hr-HR" dirty="0"/>
-              <a:t>Model – </a:t>
-            </a:r>
-            <a:r>
-              <a:rPr lang="hr-HR" dirty="0" err="1"/>
-              <a:t>linear</a:t>
-            </a:r>
-            <a:endParaRPr lang="hr-HR" dirty="0"/>
-          </a:p>
-          <a:p>
-            <a:r>
-              <a:rPr lang="hr-HR" dirty="0"/>
-              <a:t>Model – </a:t>
-            </a:r>
-            <a:r>
-              <a:rPr lang="hr-HR" dirty="0" err="1"/>
-              <a:t>elementwise</a:t>
-            </a:r>
-            <a:endParaRPr lang="hr-HR" dirty="0"/>
-          </a:p>
-          <a:p>
-            <a:r>
-              <a:rPr lang="hr-HR" dirty="0" err="1"/>
-              <a:t>Loss</a:t>
-            </a:r>
-            <a:r>
-              <a:rPr lang="hr-HR" dirty="0"/>
-              <a:t> </a:t>
-            </a:r>
-            <a:r>
-              <a:rPr lang="hr-HR" dirty="0" err="1"/>
-              <a:t>function</a:t>
-            </a:r>
-            <a:endParaRPr lang="hr-HR" dirty="0"/>
-          </a:p>
-          <a:p>
-            <a:r>
-              <a:rPr lang="hr-HR" dirty="0" err="1"/>
-              <a:t>RMSProp</a:t>
-            </a:r>
-            <a:endParaRPr lang="hr-HR" dirty="0"/>
-          </a:p>
-          <a:p>
-            <a:endParaRPr lang="hr-HR" dirty="0"/>
-          </a:p>
-        </p:txBody>
-      </p:sp>
       <p:graphicFrame>
         <p:nvGraphicFramePr>
-          <p:cNvPr id="9" name="Content Placeholder 3"/>
+          <p:cNvPr id="8" name="Content Placeholder 3"/>
           <p:cNvGraphicFramePr>
             <a:graphicFrameLocks/>
           </p:cNvGraphicFramePr>
           <p:nvPr>
-            <p:extLst>
-              <p:ext uri="{D42A27DB-BD31-4B8C-83A1-F6EECF244321}">
-                <p14:modId xmlns:p14="http://schemas.microsoft.com/office/powerpoint/2010/main" val="2542696090"/>
-              </p:ext>
-            </p:extLst>
+            <p:extLst/>
           </p:nvPr>
         </p:nvGraphicFramePr>
         <p:xfrm>
@@ -26666,14 +30555,491 @@
         </p:xfrm>
         <a:graphic>
           <a:graphicData uri="http://schemas.openxmlformats.org/drawingml/2006/diagram">
-            <dgm:relIds xmlns:dgm="http://schemas.openxmlformats.org/drawingml/2006/diagram" xmlns:r="http://schemas.openxmlformats.org/officeDocument/2006/relationships" r:dm="rId2" r:lo="rId3" r:qs="rId4" r:cs="rId5"/>
+            <dgm:relIds xmlns:dgm="http://schemas.openxmlformats.org/drawingml/2006/diagram" xmlns:r="http://schemas.openxmlformats.org/officeDocument/2006/relationships" r:dm="rId3" r:lo="rId4" r:qs="rId5" r:cs="rId6"/>
           </a:graphicData>
         </a:graphic>
       </p:graphicFrame>
+      <p:sp>
+        <p:nvSpPr>
+          <p:cNvPr id="14" name="Content Placeholder 5">
+            <a:extLst>
+              <a:ext uri="{FF2B5EF4-FFF2-40B4-BE49-F238E27FC236}">
+                <a16:creationId xmlns:a16="http://schemas.microsoft.com/office/drawing/2014/main" id="{018F7ECA-1938-47B8-B111-592C18071F28}"/>
+              </a:ext>
+            </a:extLst>
+          </p:cNvPr>
+          <p:cNvSpPr txBox="1">
+            <a:spLocks/>
+          </p:cNvSpPr>
+          <p:nvPr/>
+        </p:nvSpPr>
+        <p:spPr>
+          <a:xfrm>
+            <a:off x="839788" y="2935380"/>
+            <a:ext cx="5157787" cy="3684588"/>
+          </a:xfrm>
+          <a:prstGeom prst="rect">
+            <a:avLst/>
+          </a:prstGeom>
+        </p:spPr>
+        <p:txBody>
+          <a:bodyPr/>
+          <a:lstStyle>
+            <a:lvl1pPr marL="228600" indent="-228600" algn="l" defTabSz="914400" rtl="0" eaLnBrk="1" latinLnBrk="0" hangingPunct="1">
+              <a:lnSpc>
+                <a:spcPct val="90000"/>
+              </a:lnSpc>
+              <a:spcBef>
+                <a:spcPts val="1000"/>
+              </a:spcBef>
+              <a:buFont typeface="Arial" panose="020B0604020202020204" pitchFamily="34" charset="0"/>
+              <a:buChar char="•"/>
+              <a:defRPr sz="2800" kern="1200">
+                <a:solidFill>
+                  <a:schemeClr val="tx1"/>
+                </a:solidFill>
+                <a:latin typeface="+mn-lt"/>
+                <a:ea typeface="+mn-ea"/>
+                <a:cs typeface="+mn-cs"/>
+              </a:defRPr>
+            </a:lvl1pPr>
+            <a:lvl2pPr marL="685800" indent="-228600" algn="l" defTabSz="914400" rtl="0" eaLnBrk="1" latinLnBrk="0" hangingPunct="1">
+              <a:lnSpc>
+                <a:spcPct val="90000"/>
+              </a:lnSpc>
+              <a:spcBef>
+                <a:spcPts val="500"/>
+              </a:spcBef>
+              <a:buFont typeface="Arial" panose="020B0604020202020204" pitchFamily="34" charset="0"/>
+              <a:buChar char="•"/>
+              <a:defRPr sz="2400" kern="1200">
+                <a:solidFill>
+                  <a:schemeClr val="tx1"/>
+                </a:solidFill>
+                <a:latin typeface="+mn-lt"/>
+                <a:ea typeface="+mn-ea"/>
+                <a:cs typeface="+mn-cs"/>
+              </a:defRPr>
+            </a:lvl2pPr>
+            <a:lvl3pPr marL="1143000" indent="-228600" algn="l" defTabSz="914400" rtl="0" eaLnBrk="1" latinLnBrk="0" hangingPunct="1">
+              <a:lnSpc>
+                <a:spcPct val="90000"/>
+              </a:lnSpc>
+              <a:spcBef>
+                <a:spcPts val="500"/>
+              </a:spcBef>
+              <a:buFont typeface="Arial" panose="020B0604020202020204" pitchFamily="34" charset="0"/>
+              <a:buChar char="•"/>
+              <a:defRPr sz="2000" kern="1200">
+                <a:solidFill>
+                  <a:schemeClr val="tx1"/>
+                </a:solidFill>
+                <a:latin typeface="+mn-lt"/>
+                <a:ea typeface="+mn-ea"/>
+                <a:cs typeface="+mn-cs"/>
+              </a:defRPr>
+            </a:lvl3pPr>
+            <a:lvl4pPr marL="1600200" indent="-228600" algn="l" defTabSz="914400" rtl="0" eaLnBrk="1" latinLnBrk="0" hangingPunct="1">
+              <a:lnSpc>
+                <a:spcPct val="90000"/>
+              </a:lnSpc>
+              <a:spcBef>
+                <a:spcPts val="500"/>
+              </a:spcBef>
+              <a:buFont typeface="Arial" panose="020B0604020202020204" pitchFamily="34" charset="0"/>
+              <a:buChar char="•"/>
+              <a:defRPr sz="1800" kern="1200">
+                <a:solidFill>
+                  <a:schemeClr val="tx1"/>
+                </a:solidFill>
+                <a:latin typeface="+mn-lt"/>
+                <a:ea typeface="+mn-ea"/>
+                <a:cs typeface="+mn-cs"/>
+              </a:defRPr>
+            </a:lvl4pPr>
+            <a:lvl5pPr marL="2057400" indent="-228600" algn="l" defTabSz="914400" rtl="0" eaLnBrk="1" latinLnBrk="0" hangingPunct="1">
+              <a:lnSpc>
+                <a:spcPct val="90000"/>
+              </a:lnSpc>
+              <a:spcBef>
+                <a:spcPts val="500"/>
+              </a:spcBef>
+              <a:buFont typeface="Arial" panose="020B0604020202020204" pitchFamily="34" charset="0"/>
+              <a:buChar char="•"/>
+              <a:defRPr sz="1800" kern="1200">
+                <a:solidFill>
+                  <a:schemeClr val="tx1"/>
+                </a:solidFill>
+                <a:latin typeface="+mn-lt"/>
+                <a:ea typeface="+mn-ea"/>
+                <a:cs typeface="+mn-cs"/>
+              </a:defRPr>
+            </a:lvl5pPr>
+            <a:lvl6pPr marL="2514600" indent="-228600" algn="l" defTabSz="914400" rtl="0" eaLnBrk="1" latinLnBrk="0" hangingPunct="1">
+              <a:lnSpc>
+                <a:spcPct val="90000"/>
+              </a:lnSpc>
+              <a:spcBef>
+                <a:spcPts val="500"/>
+              </a:spcBef>
+              <a:buFont typeface="Arial" panose="020B0604020202020204" pitchFamily="34" charset="0"/>
+              <a:buChar char="•"/>
+              <a:defRPr sz="1800" kern="1200">
+                <a:solidFill>
+                  <a:schemeClr val="tx1"/>
+                </a:solidFill>
+                <a:latin typeface="+mn-lt"/>
+                <a:ea typeface="+mn-ea"/>
+                <a:cs typeface="+mn-cs"/>
+              </a:defRPr>
+            </a:lvl6pPr>
+            <a:lvl7pPr marL="2971800" indent="-228600" algn="l" defTabSz="914400" rtl="0" eaLnBrk="1" latinLnBrk="0" hangingPunct="1">
+              <a:lnSpc>
+                <a:spcPct val="90000"/>
+              </a:lnSpc>
+              <a:spcBef>
+                <a:spcPts val="500"/>
+              </a:spcBef>
+              <a:buFont typeface="Arial" panose="020B0604020202020204" pitchFamily="34" charset="0"/>
+              <a:buChar char="•"/>
+              <a:defRPr sz="1800" kern="1200">
+                <a:solidFill>
+                  <a:schemeClr val="tx1"/>
+                </a:solidFill>
+                <a:latin typeface="+mn-lt"/>
+                <a:ea typeface="+mn-ea"/>
+                <a:cs typeface="+mn-cs"/>
+              </a:defRPr>
+            </a:lvl7pPr>
+            <a:lvl8pPr marL="3429000" indent="-228600" algn="l" defTabSz="914400" rtl="0" eaLnBrk="1" latinLnBrk="0" hangingPunct="1">
+              <a:lnSpc>
+                <a:spcPct val="90000"/>
+              </a:lnSpc>
+              <a:spcBef>
+                <a:spcPts val="500"/>
+              </a:spcBef>
+              <a:buFont typeface="Arial" panose="020B0604020202020204" pitchFamily="34" charset="0"/>
+              <a:buChar char="•"/>
+              <a:defRPr sz="1800" kern="1200">
+                <a:solidFill>
+                  <a:schemeClr val="tx1"/>
+                </a:solidFill>
+                <a:latin typeface="+mn-lt"/>
+                <a:ea typeface="+mn-ea"/>
+                <a:cs typeface="+mn-cs"/>
+              </a:defRPr>
+            </a:lvl8pPr>
+            <a:lvl9pPr marL="3886200" indent="-228600" algn="l" defTabSz="914400" rtl="0" eaLnBrk="1" latinLnBrk="0" hangingPunct="1">
+              <a:lnSpc>
+                <a:spcPct val="90000"/>
+              </a:lnSpc>
+              <a:spcBef>
+                <a:spcPts val="500"/>
+              </a:spcBef>
+              <a:buFont typeface="Arial" panose="020B0604020202020204" pitchFamily="34" charset="0"/>
+              <a:buChar char="•"/>
+              <a:defRPr sz="1800" kern="1200">
+                <a:solidFill>
+                  <a:schemeClr val="tx1"/>
+                </a:solidFill>
+                <a:latin typeface="+mn-lt"/>
+                <a:ea typeface="+mn-ea"/>
+                <a:cs typeface="+mn-cs"/>
+              </a:defRPr>
+            </a:lvl9pPr>
+          </a:lstStyle>
+          <a:p>
+            <a:r>
+              <a:rPr lang="en-US" dirty="0"/>
+              <a:t>All features</a:t>
+            </a:r>
+          </a:p>
+          <a:p>
+            <a:r>
+              <a:rPr lang="en-US" dirty="0"/>
+              <a:t>Context sizes: </a:t>
+            </a:r>
+          </a:p>
+          <a:p>
+            <a:pPr lvl="1"/>
+            <a:r>
+              <a:rPr lang="en-US" dirty="0"/>
+              <a:t>16 tokens for Task </a:t>
+            </a:r>
+            <a:r>
+              <a:rPr lang="en-US" i="1" dirty="0"/>
+              <a:t>a</a:t>
+            </a:r>
+          </a:p>
+          <a:p>
+            <a:pPr lvl="1"/>
+            <a:r>
+              <a:rPr lang="en-US" dirty="0"/>
+              <a:t>140 tokens for tasks </a:t>
+            </a:r>
+            <a:r>
+              <a:rPr lang="en-US" i="1" dirty="0"/>
+              <a:t>a</a:t>
+            </a:r>
+            <a:r>
+              <a:rPr lang="en-US" dirty="0"/>
+              <a:t> and </a:t>
+            </a:r>
+            <a:r>
+              <a:rPr lang="en-US" i="1" dirty="0"/>
+              <a:t>b</a:t>
+            </a:r>
+          </a:p>
+        </p:txBody>
+      </p:sp>
+      <p:sp>
+        <p:nvSpPr>
+          <p:cNvPr id="15" name="Content Placeholder 9">
+            <a:extLst>
+              <a:ext uri="{FF2B5EF4-FFF2-40B4-BE49-F238E27FC236}">
+                <a16:creationId xmlns:a16="http://schemas.microsoft.com/office/drawing/2014/main" id="{D8264808-502C-4821-8F4D-B69A325D1E7D}"/>
+              </a:ext>
+            </a:extLst>
+          </p:cNvPr>
+          <p:cNvSpPr txBox="1">
+            <a:spLocks/>
+          </p:cNvSpPr>
+          <p:nvPr/>
+        </p:nvSpPr>
+        <p:spPr>
+          <a:xfrm>
+            <a:off x="6172200" y="2935380"/>
+            <a:ext cx="5183188" cy="3684588"/>
+          </a:xfrm>
+          <a:prstGeom prst="rect">
+            <a:avLst/>
+          </a:prstGeom>
+        </p:spPr>
+        <p:txBody>
+          <a:bodyPr/>
+          <a:lstStyle>
+            <a:lvl1pPr marL="228600" indent="-228600" algn="l" defTabSz="914400" rtl="0" eaLnBrk="1" latinLnBrk="0" hangingPunct="1">
+              <a:lnSpc>
+                <a:spcPct val="90000"/>
+              </a:lnSpc>
+              <a:spcBef>
+                <a:spcPts val="1000"/>
+              </a:spcBef>
+              <a:buFont typeface="Arial" panose="020B0604020202020204" pitchFamily="34" charset="0"/>
+              <a:buChar char="•"/>
+              <a:defRPr sz="2800" kern="1200">
+                <a:solidFill>
+                  <a:schemeClr val="tx1"/>
+                </a:solidFill>
+                <a:latin typeface="+mn-lt"/>
+                <a:ea typeface="+mn-ea"/>
+                <a:cs typeface="+mn-cs"/>
+              </a:defRPr>
+            </a:lvl1pPr>
+            <a:lvl2pPr marL="685800" indent="-228600" algn="l" defTabSz="914400" rtl="0" eaLnBrk="1" latinLnBrk="0" hangingPunct="1">
+              <a:lnSpc>
+                <a:spcPct val="90000"/>
+              </a:lnSpc>
+              <a:spcBef>
+                <a:spcPts val="500"/>
+              </a:spcBef>
+              <a:buFont typeface="Arial" panose="020B0604020202020204" pitchFamily="34" charset="0"/>
+              <a:buChar char="•"/>
+              <a:defRPr sz="2400" kern="1200">
+                <a:solidFill>
+                  <a:schemeClr val="tx1"/>
+                </a:solidFill>
+                <a:latin typeface="+mn-lt"/>
+                <a:ea typeface="+mn-ea"/>
+                <a:cs typeface="+mn-cs"/>
+              </a:defRPr>
+            </a:lvl2pPr>
+            <a:lvl3pPr marL="1143000" indent="-228600" algn="l" defTabSz="914400" rtl="0" eaLnBrk="1" latinLnBrk="0" hangingPunct="1">
+              <a:lnSpc>
+                <a:spcPct val="90000"/>
+              </a:lnSpc>
+              <a:spcBef>
+                <a:spcPts val="500"/>
+              </a:spcBef>
+              <a:buFont typeface="Arial" panose="020B0604020202020204" pitchFamily="34" charset="0"/>
+              <a:buChar char="•"/>
+              <a:defRPr sz="2000" kern="1200">
+                <a:solidFill>
+                  <a:schemeClr val="tx1"/>
+                </a:solidFill>
+                <a:latin typeface="+mn-lt"/>
+                <a:ea typeface="+mn-ea"/>
+                <a:cs typeface="+mn-cs"/>
+              </a:defRPr>
+            </a:lvl3pPr>
+            <a:lvl4pPr marL="1600200" indent="-228600" algn="l" defTabSz="914400" rtl="0" eaLnBrk="1" latinLnBrk="0" hangingPunct="1">
+              <a:lnSpc>
+                <a:spcPct val="90000"/>
+              </a:lnSpc>
+              <a:spcBef>
+                <a:spcPts val="500"/>
+              </a:spcBef>
+              <a:buFont typeface="Arial" panose="020B0604020202020204" pitchFamily="34" charset="0"/>
+              <a:buChar char="•"/>
+              <a:defRPr sz="1800" kern="1200">
+                <a:solidFill>
+                  <a:schemeClr val="tx1"/>
+                </a:solidFill>
+                <a:latin typeface="+mn-lt"/>
+                <a:ea typeface="+mn-ea"/>
+                <a:cs typeface="+mn-cs"/>
+              </a:defRPr>
+            </a:lvl4pPr>
+            <a:lvl5pPr marL="2057400" indent="-228600" algn="l" defTabSz="914400" rtl="0" eaLnBrk="1" latinLnBrk="0" hangingPunct="1">
+              <a:lnSpc>
+                <a:spcPct val="90000"/>
+              </a:lnSpc>
+              <a:spcBef>
+                <a:spcPts val="500"/>
+              </a:spcBef>
+              <a:buFont typeface="Arial" panose="020B0604020202020204" pitchFamily="34" charset="0"/>
+              <a:buChar char="•"/>
+              <a:defRPr sz="1800" kern="1200">
+                <a:solidFill>
+                  <a:schemeClr val="tx1"/>
+                </a:solidFill>
+                <a:latin typeface="+mn-lt"/>
+                <a:ea typeface="+mn-ea"/>
+                <a:cs typeface="+mn-cs"/>
+              </a:defRPr>
+            </a:lvl5pPr>
+            <a:lvl6pPr marL="2514600" indent="-228600" algn="l" defTabSz="914400" rtl="0" eaLnBrk="1" latinLnBrk="0" hangingPunct="1">
+              <a:lnSpc>
+                <a:spcPct val="90000"/>
+              </a:lnSpc>
+              <a:spcBef>
+                <a:spcPts val="500"/>
+              </a:spcBef>
+              <a:buFont typeface="Arial" panose="020B0604020202020204" pitchFamily="34" charset="0"/>
+              <a:buChar char="•"/>
+              <a:defRPr sz="1800" kern="1200">
+                <a:solidFill>
+                  <a:schemeClr val="tx1"/>
+                </a:solidFill>
+                <a:latin typeface="+mn-lt"/>
+                <a:ea typeface="+mn-ea"/>
+                <a:cs typeface="+mn-cs"/>
+              </a:defRPr>
+            </a:lvl6pPr>
+            <a:lvl7pPr marL="2971800" indent="-228600" algn="l" defTabSz="914400" rtl="0" eaLnBrk="1" latinLnBrk="0" hangingPunct="1">
+              <a:lnSpc>
+                <a:spcPct val="90000"/>
+              </a:lnSpc>
+              <a:spcBef>
+                <a:spcPts val="500"/>
+              </a:spcBef>
+              <a:buFont typeface="Arial" panose="020B0604020202020204" pitchFamily="34" charset="0"/>
+              <a:buChar char="•"/>
+              <a:defRPr sz="1800" kern="1200">
+                <a:solidFill>
+                  <a:schemeClr val="tx1"/>
+                </a:solidFill>
+                <a:latin typeface="+mn-lt"/>
+                <a:ea typeface="+mn-ea"/>
+                <a:cs typeface="+mn-cs"/>
+              </a:defRPr>
+            </a:lvl7pPr>
+            <a:lvl8pPr marL="3429000" indent="-228600" algn="l" defTabSz="914400" rtl="0" eaLnBrk="1" latinLnBrk="0" hangingPunct="1">
+              <a:lnSpc>
+                <a:spcPct val="90000"/>
+              </a:lnSpc>
+              <a:spcBef>
+                <a:spcPts val="500"/>
+              </a:spcBef>
+              <a:buFont typeface="Arial" panose="020B0604020202020204" pitchFamily="34" charset="0"/>
+              <a:buChar char="•"/>
+              <a:defRPr sz="1800" kern="1200">
+                <a:solidFill>
+                  <a:schemeClr val="tx1"/>
+                </a:solidFill>
+                <a:latin typeface="+mn-lt"/>
+                <a:ea typeface="+mn-ea"/>
+                <a:cs typeface="+mn-cs"/>
+              </a:defRPr>
+            </a:lvl8pPr>
+            <a:lvl9pPr marL="3886200" indent="-228600" algn="l" defTabSz="914400" rtl="0" eaLnBrk="1" latinLnBrk="0" hangingPunct="1">
+              <a:lnSpc>
+                <a:spcPct val="90000"/>
+              </a:lnSpc>
+              <a:spcBef>
+                <a:spcPts val="500"/>
+              </a:spcBef>
+              <a:buFont typeface="Arial" panose="020B0604020202020204" pitchFamily="34" charset="0"/>
+              <a:buChar char="•"/>
+              <a:defRPr sz="1800" kern="1200">
+                <a:solidFill>
+                  <a:schemeClr val="tx1"/>
+                </a:solidFill>
+                <a:latin typeface="+mn-lt"/>
+                <a:ea typeface="+mn-ea"/>
+                <a:cs typeface="+mn-cs"/>
+              </a:defRPr>
+            </a:lvl9pPr>
+          </a:lstStyle>
+          <a:p>
+            <a:r>
+              <a:rPr lang="en-US" dirty="0"/>
+              <a:t>Character trigrams, </a:t>
+            </a:r>
+            <a:r>
+              <a:rPr lang="en-US" dirty="0" err="1"/>
+              <a:t>BoW</a:t>
+            </a:r>
+            <a:r>
+              <a:rPr lang="en-US" dirty="0"/>
+              <a:t>, stop words, average token length</a:t>
+            </a:r>
+          </a:p>
+          <a:p>
+            <a:r>
+              <a:rPr lang="en-US" dirty="0"/>
+              <a:t>Context size: 120 tokens</a:t>
+            </a:r>
+          </a:p>
+          <a:p>
+            <a:endParaRPr lang="hr-HR" dirty="0"/>
+          </a:p>
+        </p:txBody>
+      </p:sp>
+      <p:pic>
+        <p:nvPicPr>
+          <p:cNvPr id="10" name="Picture 9">
+            <a:extLst>
+              <a:ext uri="{FF2B5EF4-FFF2-40B4-BE49-F238E27FC236}">
+                <a16:creationId xmlns:a16="http://schemas.microsoft.com/office/drawing/2014/main" id="{40068D2C-08C3-4C23-B269-AE7FFF82DDCD}"/>
+              </a:ext>
+            </a:extLst>
+          </p:cNvPr>
+          <p:cNvPicPr>
+            <a:picLocks noChangeAspect="1"/>
+          </p:cNvPicPr>
+          <p:nvPr/>
+        </p:nvPicPr>
+        <p:blipFill>
+          <a:blip r:embed="rId8"/>
+          <a:stretch>
+            <a:fillRect/>
+          </a:stretch>
+        </p:blipFill>
+        <p:spPr>
+          <a:xfrm>
+            <a:off x="788972" y="2357249"/>
+            <a:ext cx="10614056" cy="652329"/>
+          </a:xfrm>
+          <a:prstGeom prst="rect">
+            <a:avLst/>
+          </a:prstGeom>
+        </p:spPr>
+      </p:pic>
     </p:spTree>
     <p:extLst>
       <p:ext uri="{BB962C8B-B14F-4D97-AF65-F5344CB8AC3E}">
-        <p14:creationId xmlns:p14="http://schemas.microsoft.com/office/powerpoint/2010/main" val="1627581678"/>
+        <p14:creationId xmlns:p14="http://schemas.microsoft.com/office/powerpoint/2010/main" val="736976247"/>
       </p:ext>
     </p:extLst>
   </p:cSld>
@@ -26700,6 +31066,36 @@
           <a:chExt cx="0" cy="0"/>
         </a:xfrm>
       </p:grpSpPr>
+      <p:pic>
+        <p:nvPicPr>
+          <p:cNvPr id="2" name="Picture 1">
+            <a:extLst>
+              <a:ext uri="{FF2B5EF4-FFF2-40B4-BE49-F238E27FC236}">
+                <a16:creationId xmlns:a16="http://schemas.microsoft.com/office/drawing/2014/main" id="{99C5BAE4-F847-456C-95CD-08B13C44648E}"/>
+              </a:ext>
+            </a:extLst>
+          </p:cNvPr>
+          <p:cNvPicPr>
+            <a:picLocks noChangeAspect="1"/>
+          </p:cNvPicPr>
+          <p:nvPr/>
+        </p:nvPicPr>
+        <p:blipFill>
+          <a:blip r:embed="rId3"/>
+          <a:stretch>
+            <a:fillRect/>
+          </a:stretch>
+        </p:blipFill>
+        <p:spPr>
+          <a:xfrm>
+            <a:off x="5775550" y="5047756"/>
+            <a:ext cx="4722921" cy="1810244"/>
+          </a:xfrm>
+          <a:prstGeom prst="rect">
+            <a:avLst/>
+          </a:prstGeom>
+        </p:spPr>
+      </p:pic>
       <p:sp>
         <p:nvSpPr>
           <p:cNvPr id="4" name="Title 3"/>
@@ -26745,11 +31141,34 @@
           <a:p>
             <a:r>
               <a:rPr lang="hr-HR" dirty="0"/>
-              <a:t>Model B: </a:t>
-            </a:r>
+              <a:t>Model A:</a:t>
+            </a:r>
+          </a:p>
+        </p:txBody>
+      </p:sp>
+      <p:sp>
+        <p:nvSpPr>
+          <p:cNvPr id="6" name="Content Placeholder 5"/>
+          <p:cNvSpPr>
+            <a:spLocks noGrp="1"/>
+          </p:cNvSpPr>
+          <p:nvPr>
+            <p:ph sz="half" idx="2"/>
+          </p:nvPr>
+        </p:nvSpPr>
+        <p:spPr>
+          <a:xfrm>
+            <a:off x="839788" y="2887566"/>
+            <a:ext cx="3391553" cy="3684588"/>
+          </a:xfrm>
+        </p:spPr>
+        <p:txBody>
+          <a:bodyPr/>
+          <a:lstStyle/>
+          <a:p>
             <a:r>
               <a:rPr lang="hr-HR" dirty="0" err="1"/>
-              <a:t>initialized</a:t>
+              <a:t>Feature</a:t>
             </a:r>
             <a:r>
               <a:rPr lang="hr-HR" dirty="0"/>
@@ -26757,39 +31176,44 @@
             </a:r>
             <a:r>
               <a:rPr lang="hr-HR" dirty="0" err="1"/>
-              <a:t>weights</a:t>
-            </a:r>
-            <a:r>
-              <a:rPr lang="en-US" dirty="0"/>
-              <a:t>*</a:t>
+              <a:t>scaling</a:t>
+            </a:r>
+            <a:r>
+              <a:rPr lang="hr-HR" dirty="0"/>
+              <a:t> to zero </a:t>
+            </a:r>
+            <a:r>
+              <a:rPr lang="hr-HR" dirty="0" err="1"/>
+              <a:t>mean</a:t>
+            </a:r>
+            <a:r>
+              <a:rPr lang="hr-HR" dirty="0"/>
+              <a:t> </a:t>
+            </a:r>
+            <a:r>
+              <a:rPr lang="hr-HR" dirty="0" err="1"/>
+              <a:t>and</a:t>
+            </a:r>
+            <a:r>
+              <a:rPr lang="hr-HR" dirty="0"/>
+              <a:t> </a:t>
+            </a:r>
+            <a:r>
+              <a:rPr lang="hr-HR" dirty="0" err="1"/>
+              <a:t>unit</a:t>
+            </a:r>
+            <a:r>
+              <a:rPr lang="hr-HR" dirty="0"/>
+              <a:t> </a:t>
+            </a:r>
+            <a:r>
+              <a:rPr lang="hr-HR" dirty="0" err="1"/>
+              <a:t>variance</a:t>
             </a:r>
             <a:endParaRPr lang="hr-HR" dirty="0"/>
           </a:p>
         </p:txBody>
       </p:sp>
-      <p:pic>
-        <p:nvPicPr>
-          <p:cNvPr id="3" name="Content Placeholder 2"/>
-          <p:cNvPicPr>
-            <a:picLocks noGrp="1" noChangeAspect="1"/>
-          </p:cNvPicPr>
-          <p:nvPr>
-            <p:ph sz="half" idx="2"/>
-          </p:nvPr>
-        </p:nvPicPr>
-        <p:blipFill>
-          <a:blip r:embed="rId2"/>
-          <a:stretch>
-            <a:fillRect/>
-          </a:stretch>
-        </p:blipFill>
-        <p:spPr>
-          <a:xfrm>
-            <a:off x="962290" y="2887663"/>
-            <a:ext cx="4912782" cy="3684587"/>
-          </a:xfrm>
-        </p:spPr>
-      </p:pic>
       <p:sp>
         <p:nvSpPr>
           <p:cNvPr id="7" name="Text Placeholder 6"/>
@@ -26802,8 +31226,8 @@
         </p:nvSpPr>
         <p:spPr>
           <a:xfrm>
-            <a:off x="6172200" y="2374530"/>
-            <a:ext cx="5183188" cy="513036"/>
+            <a:off x="4918635" y="2374530"/>
+            <a:ext cx="6436753" cy="513036"/>
           </a:xfrm>
         </p:spPr>
         <p:txBody>
@@ -26811,43 +31235,92 @@
           <a:lstStyle/>
           <a:p>
             <a:r>
+              <a:rPr lang="hr-HR" dirty="0"/>
+              <a:t>Model B:</a:t>
+            </a:r>
+          </a:p>
+        </p:txBody>
+      </p:sp>
+      <p:sp>
+        <p:nvSpPr>
+          <p:cNvPr id="8" name="Content Placeholder 7"/>
+          <p:cNvSpPr>
+            <a:spLocks noGrp="1"/>
+          </p:cNvSpPr>
+          <p:nvPr>
+            <p:ph sz="quarter" idx="4"/>
+          </p:nvPr>
+        </p:nvSpPr>
+        <p:spPr>
+          <a:xfrm>
+            <a:off x="4918635" y="2887566"/>
+            <a:ext cx="6436753" cy="3684588"/>
+          </a:xfrm>
+        </p:spPr>
+        <p:txBody>
+          <a:bodyPr>
+            <a:normAutofit/>
+          </a:bodyPr>
+          <a:lstStyle/>
+          <a:p>
+            <a:r>
+              <a:rPr lang="hr-HR" dirty="0" err="1"/>
+              <a:t>Uses</a:t>
+            </a:r>
+            <a:r>
+              <a:rPr lang="hr-HR" dirty="0"/>
+              <a:t> </a:t>
+            </a:r>
+            <a:r>
               <a:rPr lang="en-US" dirty="0"/>
-              <a:t>Model B: learned weights*</a:t>
-            </a:r>
+              <a:t>a trainable transformation in order to adopt the feature space for clustering</a:t>
+            </a:r>
+          </a:p>
+          <a:p>
+            <a:r>
+              <a:rPr lang="en-US" dirty="0"/>
+              <a:t>Linear or elementwise linear transformation </a:t>
+            </a:r>
+            <a:r>
+              <a:rPr lang="en-US" i="1" dirty="0"/>
+              <a:t>T</a:t>
+            </a:r>
+          </a:p>
+          <a:p>
+            <a:r>
+              <a:rPr lang="en-US" i="1" dirty="0"/>
+              <a:t>Compactness loss </a:t>
+            </a:r>
+            <a:r>
+              <a:rPr lang="en-US" dirty="0"/>
+              <a:t>and </a:t>
+            </a:r>
+            <a:r>
+              <a:rPr lang="en-US" i="1" dirty="0"/>
+              <a:t>segregation loss</a:t>
+            </a:r>
+          </a:p>
+          <a:p>
+            <a:pPr marL="0" indent="0">
+              <a:buNone/>
+            </a:pPr>
             <a:endParaRPr lang="hr-HR" dirty="0"/>
           </a:p>
         </p:txBody>
       </p:sp>
-      <p:pic>
-        <p:nvPicPr>
-          <p:cNvPr id="11" name="Content Placeholder 10"/>
-          <p:cNvPicPr>
-            <a:picLocks noGrp="1" noChangeAspect="1"/>
-          </p:cNvPicPr>
-          <p:nvPr>
-            <p:ph sz="quarter" idx="4"/>
-          </p:nvPr>
-        </p:nvPicPr>
-        <p:blipFill>
-          <a:blip r:embed="rId3"/>
-          <a:stretch>
-            <a:fillRect/>
-          </a:stretch>
-        </p:blipFill>
-        <p:spPr>
-          <a:xfrm>
-            <a:off x="6307403" y="2887663"/>
-            <a:ext cx="4912782" cy="3684587"/>
-          </a:xfrm>
-        </p:spPr>
-      </p:pic>
       <p:graphicFrame>
         <p:nvGraphicFramePr>
           <p:cNvPr id="9" name="Content Placeholder 3"/>
           <p:cNvGraphicFramePr>
             <a:graphicFrameLocks/>
           </p:cNvGraphicFramePr>
-          <p:nvPr/>
+          <p:nvPr>
+            <p:extLst>
+              <p:ext uri="{D42A27DB-BD31-4B8C-83A1-F6EECF244321}">
+                <p14:modId xmlns:p14="http://schemas.microsoft.com/office/powerpoint/2010/main" val="2542696090"/>
+              </p:ext>
+            </p:extLst>
+          </p:nvPr>
         </p:nvGraphicFramePr>
         <p:xfrm>
           <a:off x="586441" y="1535278"/>
@@ -26859,80 +31332,10 @@
           </a:graphicData>
         </a:graphic>
       </p:graphicFrame>
-      <p:sp>
-        <p:nvSpPr>
-          <p:cNvPr id="12" name="Arrow: Right 11"/>
-          <p:cNvSpPr/>
-          <p:nvPr/>
-        </p:nvSpPr>
-        <p:spPr>
-          <a:xfrm>
-            <a:off x="5556343" y="4440097"/>
-            <a:ext cx="1069789" cy="579717"/>
-          </a:xfrm>
-          <a:prstGeom prst="rightArrow">
-            <a:avLst/>
-          </a:prstGeom>
-        </p:spPr>
-        <p:style>
-          <a:lnRef idx="2">
-            <a:schemeClr val="accent1">
-              <a:shade val="50000"/>
-            </a:schemeClr>
-          </a:lnRef>
-          <a:fillRef idx="1">
-            <a:schemeClr val="accent1"/>
-          </a:fillRef>
-          <a:effectRef idx="0">
-            <a:schemeClr val="accent1"/>
-          </a:effectRef>
-          <a:fontRef idx="minor">
-            <a:schemeClr val="lt1"/>
-          </a:fontRef>
-        </p:style>
-        <p:txBody>
-          <a:bodyPr rtlCol="0" anchor="ctr"/>
-          <a:lstStyle/>
-          <a:p>
-            <a:pPr algn="ctr"/>
-            <a:endParaRPr lang="hr-HR"/>
-          </a:p>
-        </p:txBody>
-      </p:sp>
-      <p:sp>
-        <p:nvSpPr>
-          <p:cNvPr id="13" name="TextBox 12"/>
-          <p:cNvSpPr txBox="1"/>
-          <p:nvPr/>
-        </p:nvSpPr>
-        <p:spPr>
-          <a:xfrm>
-            <a:off x="9207658" y="2972243"/>
-            <a:ext cx="2397901" cy="369332"/>
-          </a:xfrm>
-          <a:prstGeom prst="rect">
-            <a:avLst/>
-          </a:prstGeom>
-          <a:noFill/>
-        </p:spPr>
-        <p:txBody>
-          <a:bodyPr wrap="none" rtlCol="0">
-            <a:spAutoFit/>
-          </a:bodyPr>
-          <a:lstStyle/>
-          <a:p>
-            <a:r>
-              <a:rPr lang="en-US" dirty="0"/>
-              <a:t>* On a single document</a:t>
-            </a:r>
-            <a:endParaRPr lang="hr-HR" dirty="0"/>
-          </a:p>
-        </p:txBody>
-      </p:sp>
     </p:spTree>
     <p:extLst>
       <p:ext uri="{BB962C8B-B14F-4D97-AF65-F5344CB8AC3E}">
-        <p14:creationId xmlns:p14="http://schemas.microsoft.com/office/powerpoint/2010/main" val="156289158"/>
+        <p14:creationId xmlns:p14="http://schemas.microsoft.com/office/powerpoint/2010/main" val="1627581678"/>
       </p:ext>
     </p:extLst>
   </p:cSld>
@@ -27235,4 +31638,299 @@
     </a:ext>
   </a:extLst>
 </a:theme>
+</file>
+
+<file path=ppt/theme/theme2.xml><?xml version="1.0" encoding="utf-8"?>
+<a:theme xmlns:a="http://schemas.openxmlformats.org/drawingml/2006/main" name="Office Theme">
+  <a:themeElements>
+    <a:clrScheme name="Office">
+      <a:dk1>
+        <a:sysClr val="windowText" lastClr="000000"/>
+      </a:dk1>
+      <a:lt1>
+        <a:sysClr val="window" lastClr="FFFFFF"/>
+      </a:lt1>
+      <a:dk2>
+        <a:srgbClr val="44546A"/>
+      </a:dk2>
+      <a:lt2>
+        <a:srgbClr val="E7E6E6"/>
+      </a:lt2>
+      <a:accent1>
+        <a:srgbClr val="4472C4"/>
+      </a:accent1>
+      <a:accent2>
+        <a:srgbClr val="ED7D31"/>
+      </a:accent2>
+      <a:accent3>
+        <a:srgbClr val="A5A5A5"/>
+      </a:accent3>
+      <a:accent4>
+        <a:srgbClr val="FFC000"/>
+      </a:accent4>
+      <a:accent5>
+        <a:srgbClr val="5B9BD5"/>
+      </a:accent5>
+      <a:accent6>
+        <a:srgbClr val="70AD47"/>
+      </a:accent6>
+      <a:hlink>
+        <a:srgbClr val="0563C1"/>
+      </a:hlink>
+      <a:folHlink>
+        <a:srgbClr val="954F72"/>
+      </a:folHlink>
+    </a:clrScheme>
+    <a:fontScheme name="Office">
+      <a:majorFont>
+        <a:latin typeface="Calibri Light" panose="020F0302020204030204"/>
+        <a:ea typeface=""/>
+        <a:cs typeface=""/>
+        <a:font script="Jpan" typeface="游ゴシック Light"/>
+        <a:font script="Hang" typeface="맑은 고딕"/>
+        <a:font script="Hans" typeface="等线 Light"/>
+        <a:font script="Hant" typeface="新細明體"/>
+        <a:font script="Arab" typeface="Times New Roman"/>
+        <a:font script="Hebr" typeface="Times New Roman"/>
+        <a:font script="Thai" typeface="Angsana New"/>
+        <a:font script="Ethi" typeface="Nyala"/>
+        <a:font script="Beng" typeface="Vrinda"/>
+        <a:font script="Gujr" typeface="Shruti"/>
+        <a:font script="Khmr" typeface="MoolBoran"/>
+        <a:font script="Knda" typeface="Tunga"/>
+        <a:font script="Guru" typeface="Raavi"/>
+        <a:font script="Cans" typeface="Euphemia"/>
+        <a:font script="Cher" typeface="Plantagenet Cherokee"/>
+        <a:font script="Yiii" typeface="Microsoft Yi Baiti"/>
+        <a:font script="Tibt" typeface="Microsoft Himalaya"/>
+        <a:font script="Thaa" typeface="MV Boli"/>
+        <a:font script="Deva" typeface="Mangal"/>
+        <a:font script="Telu" typeface="Gautami"/>
+        <a:font script="Taml" typeface="Latha"/>
+        <a:font script="Syrc" typeface="Estrangelo Edessa"/>
+        <a:font script="Orya" typeface="Kalinga"/>
+        <a:font script="Mlym" typeface="Kartika"/>
+        <a:font script="Laoo" typeface="DokChampa"/>
+        <a:font script="Sinh" typeface="Iskoola Pota"/>
+        <a:font script="Mong" typeface="Mongolian Baiti"/>
+        <a:font script="Viet" typeface="Times New Roman"/>
+        <a:font script="Uigh" typeface="Microsoft Uighur"/>
+        <a:font script="Geor" typeface="Sylfaen"/>
+        <a:font script="Armn" typeface="Arial"/>
+        <a:font script="Bugi" typeface="Leelawadee UI"/>
+        <a:font script="Bopo" typeface="Microsoft JhengHei"/>
+        <a:font script="Java" typeface="Javanese Text"/>
+        <a:font script="Lisu" typeface="Segoe UI"/>
+        <a:font script="Mymr" typeface="Myanmar Text"/>
+        <a:font script="Nkoo" typeface="Ebrima"/>
+        <a:font script="Olck" typeface="Nirmala UI"/>
+        <a:font script="Osma" typeface="Ebrima"/>
+        <a:font script="Phag" typeface="Phagspa"/>
+        <a:font script="Syrn" typeface="Estrangelo Edessa"/>
+        <a:font script="Syrj" typeface="Estrangelo Edessa"/>
+        <a:font script="Syre" typeface="Estrangelo Edessa"/>
+        <a:font script="Sora" typeface="Nirmala UI"/>
+        <a:font script="Tale" typeface="Microsoft Tai Le"/>
+        <a:font script="Talu" typeface="Microsoft New Tai Lue"/>
+        <a:font script="Tfng" typeface="Ebrima"/>
+      </a:majorFont>
+      <a:minorFont>
+        <a:latin typeface="Calibri" panose="020F0502020204030204"/>
+        <a:ea typeface=""/>
+        <a:cs typeface=""/>
+        <a:font script="Jpan" typeface="游ゴシック"/>
+        <a:font script="Hang" typeface="맑은 고딕"/>
+        <a:font script="Hans" typeface="等线"/>
+        <a:font script="Hant" typeface="新細明體"/>
+        <a:font script="Arab" typeface="Arial"/>
+        <a:font script="Hebr" typeface="Arial"/>
+        <a:font script="Thai" typeface="Cordia New"/>
+        <a:font script="Ethi" typeface="Nyala"/>
+        <a:font script="Beng" typeface="Vrinda"/>
+        <a:font script="Gujr" typeface="Shruti"/>
+        <a:font script="Khmr" typeface="DaunPenh"/>
+        <a:font script="Knda" typeface="Tunga"/>
+        <a:font script="Guru" typeface="Raavi"/>
+        <a:font script="Cans" typeface="Euphemia"/>
+        <a:font script="Cher" typeface="Plantagenet Cherokee"/>
+        <a:font script="Yiii" typeface="Microsoft Yi Baiti"/>
+        <a:font script="Tibt" typeface="Microsoft Himalaya"/>
+        <a:font script="Thaa" typeface="MV Boli"/>
+        <a:font script="Deva" typeface="Mangal"/>
+        <a:font script="Telu" typeface="Gautami"/>
+        <a:font script="Taml" typeface="Latha"/>
+        <a:font script="Syrc" typeface="Estrangelo Edessa"/>
+        <a:font script="Orya" typeface="Kalinga"/>
+        <a:font script="Mlym" typeface="Kartika"/>
+        <a:font script="Laoo" typeface="DokChampa"/>
+        <a:font script="Sinh" typeface="Iskoola Pota"/>
+        <a:font script="Mong" typeface="Mongolian Baiti"/>
+        <a:font script="Viet" typeface="Arial"/>
+        <a:font script="Uigh" typeface="Microsoft Uighur"/>
+        <a:font script="Geor" typeface="Sylfaen"/>
+        <a:font script="Armn" typeface="Arial"/>
+        <a:font script="Bugi" typeface="Leelawadee UI"/>
+        <a:font script="Bopo" typeface="Microsoft JhengHei"/>
+        <a:font script="Java" typeface="Javanese Text"/>
+        <a:font script="Lisu" typeface="Segoe UI"/>
+        <a:font script="Mymr" typeface="Myanmar Text"/>
+        <a:font script="Nkoo" typeface="Ebrima"/>
+        <a:font script="Olck" typeface="Nirmala UI"/>
+        <a:font script="Osma" typeface="Ebrima"/>
+        <a:font script="Phag" typeface="Phagspa"/>
+        <a:font script="Syrn" typeface="Estrangelo Edessa"/>
+        <a:font script="Syrj" typeface="Estrangelo Edessa"/>
+        <a:font script="Syre" typeface="Estrangelo Edessa"/>
+        <a:font script="Sora" typeface="Nirmala UI"/>
+        <a:font script="Tale" typeface="Microsoft Tai Le"/>
+        <a:font script="Talu" typeface="Microsoft New Tai Lue"/>
+        <a:font script="Tfng" typeface="Ebrima"/>
+      </a:minorFont>
+    </a:fontScheme>
+    <a:fmtScheme name="Office">
+      <a:fillStyleLst>
+        <a:solidFill>
+          <a:schemeClr val="phClr"/>
+        </a:solidFill>
+        <a:gradFill rotWithShape="1">
+          <a:gsLst>
+            <a:gs pos="0">
+              <a:schemeClr val="phClr">
+                <a:lumMod val="110000"/>
+                <a:satMod val="105000"/>
+                <a:tint val="67000"/>
+              </a:schemeClr>
+            </a:gs>
+            <a:gs pos="50000">
+              <a:schemeClr val="phClr">
+                <a:lumMod val="105000"/>
+                <a:satMod val="103000"/>
+                <a:tint val="73000"/>
+              </a:schemeClr>
+            </a:gs>
+            <a:gs pos="100000">
+              <a:schemeClr val="phClr">
+                <a:lumMod val="105000"/>
+                <a:satMod val="109000"/>
+                <a:tint val="81000"/>
+              </a:schemeClr>
+            </a:gs>
+          </a:gsLst>
+          <a:lin ang="5400000" scaled="0"/>
+        </a:gradFill>
+        <a:gradFill rotWithShape="1">
+          <a:gsLst>
+            <a:gs pos="0">
+              <a:schemeClr val="phClr">
+                <a:satMod val="103000"/>
+                <a:lumMod val="102000"/>
+                <a:tint val="94000"/>
+              </a:schemeClr>
+            </a:gs>
+            <a:gs pos="50000">
+              <a:schemeClr val="phClr">
+                <a:satMod val="110000"/>
+                <a:lumMod val="100000"/>
+                <a:shade val="100000"/>
+              </a:schemeClr>
+            </a:gs>
+            <a:gs pos="100000">
+              <a:schemeClr val="phClr">
+                <a:lumMod val="99000"/>
+                <a:satMod val="120000"/>
+                <a:shade val="78000"/>
+              </a:schemeClr>
+            </a:gs>
+          </a:gsLst>
+          <a:lin ang="5400000" scaled="0"/>
+        </a:gradFill>
+      </a:fillStyleLst>
+      <a:lnStyleLst>
+        <a:ln w="6350" cap="flat" cmpd="sng" algn="ctr">
+          <a:solidFill>
+            <a:schemeClr val="phClr"/>
+          </a:solidFill>
+          <a:prstDash val="solid"/>
+          <a:miter lim="800000"/>
+        </a:ln>
+        <a:ln w="12700" cap="flat" cmpd="sng" algn="ctr">
+          <a:solidFill>
+            <a:schemeClr val="phClr"/>
+          </a:solidFill>
+          <a:prstDash val="solid"/>
+          <a:miter lim="800000"/>
+        </a:ln>
+        <a:ln w="19050" cap="flat" cmpd="sng" algn="ctr">
+          <a:solidFill>
+            <a:schemeClr val="phClr"/>
+          </a:solidFill>
+          <a:prstDash val="solid"/>
+          <a:miter lim="800000"/>
+        </a:ln>
+      </a:lnStyleLst>
+      <a:effectStyleLst>
+        <a:effectStyle>
+          <a:effectLst/>
+        </a:effectStyle>
+        <a:effectStyle>
+          <a:effectLst/>
+        </a:effectStyle>
+        <a:effectStyle>
+          <a:effectLst>
+            <a:outerShdw blurRad="57150" dist="19050" dir="5400000" algn="ctr" rotWithShape="0">
+              <a:srgbClr val="000000">
+                <a:alpha val="63000"/>
+              </a:srgbClr>
+            </a:outerShdw>
+          </a:effectLst>
+        </a:effectStyle>
+      </a:effectStyleLst>
+      <a:bgFillStyleLst>
+        <a:solidFill>
+          <a:schemeClr val="phClr"/>
+        </a:solidFill>
+        <a:solidFill>
+          <a:schemeClr val="phClr">
+            <a:tint val="95000"/>
+            <a:satMod val="170000"/>
+          </a:schemeClr>
+        </a:solidFill>
+        <a:gradFill rotWithShape="1">
+          <a:gsLst>
+            <a:gs pos="0">
+              <a:schemeClr val="phClr">
+                <a:tint val="93000"/>
+                <a:satMod val="150000"/>
+                <a:shade val="98000"/>
+                <a:lumMod val="102000"/>
+              </a:schemeClr>
+            </a:gs>
+            <a:gs pos="50000">
+              <a:schemeClr val="phClr">
+                <a:tint val="98000"/>
+                <a:satMod val="130000"/>
+                <a:shade val="90000"/>
+                <a:lumMod val="103000"/>
+              </a:schemeClr>
+            </a:gs>
+            <a:gs pos="100000">
+              <a:schemeClr val="phClr">
+                <a:shade val="63000"/>
+                <a:satMod val="120000"/>
+              </a:schemeClr>
+            </a:gs>
+          </a:gsLst>
+          <a:lin ang="5400000" scaled="0"/>
+        </a:gradFill>
+      </a:bgFillStyleLst>
+    </a:fmtScheme>
+  </a:themeElements>
+  <a:objectDefaults/>
+  <a:extraClrSchemeLst/>
+  <a:extLst>
+    <a:ext uri="{05A4C25C-085E-4340-85A3-A5531E510DB2}">
+      <thm15:themeFamily xmlns:thm15="http://schemas.microsoft.com/office/thememl/2012/main" name="Office Theme" id="{62F939B6-93AF-4DB8-9C6B-D6C7DFDC589F}" vid="{4A3C46E8-61CC-4603-A589-7422A47A8E4A}"/>
+    </a:ext>
+  </a:extLst>
+</a:theme>
 </file>
--- a/documentation/presentation/Token-level author diarization using clustering of stylistic.pptx
+++ b/documentation/presentation/Token-level author diarization using clustering of stylistic.pptx
@@ -27656,6 +27656,52 @@
           <a:chExt cx="0" cy="0"/>
         </a:xfrm>
       </p:grpSpPr>
+      <p:pic>
+        <p:nvPicPr>
+          <p:cNvPr id="3" name="Content Placeholder 2"/>
+          <p:cNvPicPr>
+            <a:picLocks noGrp="1" noChangeAspect="1"/>
+          </p:cNvPicPr>
+          <p:nvPr>
+            <p:ph sz="half" idx="2"/>
+          </p:nvPr>
+        </p:nvPicPr>
+        <p:blipFill>
+          <a:blip r:embed="rId3"/>
+          <a:stretch>
+            <a:fillRect/>
+          </a:stretch>
+        </p:blipFill>
+        <p:spPr>
+          <a:xfrm>
+            <a:off x="962290" y="2704779"/>
+            <a:ext cx="4912782" cy="3684587"/>
+          </a:xfrm>
+        </p:spPr>
+      </p:pic>
+      <p:pic>
+        <p:nvPicPr>
+          <p:cNvPr id="11" name="Content Placeholder 10"/>
+          <p:cNvPicPr>
+            <a:picLocks noGrp="1" noChangeAspect="1"/>
+          </p:cNvPicPr>
+          <p:nvPr>
+            <p:ph sz="quarter" idx="4"/>
+          </p:nvPr>
+        </p:nvPicPr>
+        <p:blipFill>
+          <a:blip r:embed="rId4"/>
+          <a:stretch>
+            <a:fillRect/>
+          </a:stretch>
+        </p:blipFill>
+        <p:spPr>
+          <a:xfrm>
+            <a:off x="6307403" y="2704779"/>
+            <a:ext cx="4912782" cy="3684587"/>
+          </a:xfrm>
+        </p:spPr>
+      </p:pic>
       <p:sp>
         <p:nvSpPr>
           <p:cNvPr id="4" name="Title 3"/>
@@ -27723,29 +27769,6 @@
           </a:p>
         </p:txBody>
       </p:sp>
-      <p:pic>
-        <p:nvPicPr>
-          <p:cNvPr id="3" name="Content Placeholder 2"/>
-          <p:cNvPicPr>
-            <a:picLocks noGrp="1" noChangeAspect="1"/>
-          </p:cNvPicPr>
-          <p:nvPr>
-            <p:ph sz="half" idx="2"/>
-          </p:nvPr>
-        </p:nvPicPr>
-        <p:blipFill>
-          <a:blip r:embed="rId3"/>
-          <a:stretch>
-            <a:fillRect/>
-          </a:stretch>
-        </p:blipFill>
-        <p:spPr>
-          <a:xfrm>
-            <a:off x="962290" y="2887663"/>
-            <a:ext cx="4912782" cy="3684587"/>
-          </a:xfrm>
-        </p:spPr>
-      </p:pic>
       <p:sp>
         <p:nvSpPr>
           <p:cNvPr id="7" name="Text Placeholder 6"/>
@@ -27774,29 +27797,6 @@
           </a:p>
         </p:txBody>
       </p:sp>
-      <p:pic>
-        <p:nvPicPr>
-          <p:cNvPr id="11" name="Content Placeholder 10"/>
-          <p:cNvPicPr>
-            <a:picLocks noGrp="1" noChangeAspect="1"/>
-          </p:cNvPicPr>
-          <p:nvPr>
-            <p:ph sz="quarter" idx="4"/>
-          </p:nvPr>
-        </p:nvPicPr>
-        <p:blipFill>
-          <a:blip r:embed="rId4"/>
-          <a:stretch>
-            <a:fillRect/>
-          </a:stretch>
-        </p:blipFill>
-        <p:spPr>
-          <a:xfrm>
-            <a:off x="6307403" y="2887663"/>
-            <a:ext cx="4912782" cy="3684587"/>
-          </a:xfrm>
-        </p:spPr>
-      </p:pic>
       <p:graphicFrame>
         <p:nvGraphicFramePr>
           <p:cNvPr id="9" name="Content Placeholder 3"/>
@@ -27823,7 +27823,7 @@
         </p:nvSpPr>
         <p:spPr>
           <a:xfrm>
-            <a:off x="5556343" y="4440097"/>
+            <a:off x="5556343" y="4257213"/>
             <a:ext cx="1069789" cy="579717"/>
           </a:xfrm>
           <a:prstGeom prst="rightArrow">
@@ -27863,7 +27863,7 @@
         </p:nvSpPr>
         <p:spPr>
           <a:xfrm>
-            <a:off x="586441" y="2887565"/>
+            <a:off x="586441" y="6334150"/>
             <a:ext cx="11019118" cy="369332"/>
           </a:xfrm>
           <a:prstGeom prst="rect">
@@ -31264,22 +31264,14 @@
           <a:lstStyle/>
           <a:p>
             <a:r>
-              <a:rPr lang="hr-HR" dirty="0" err="1"/>
-              <a:t>Uses</a:t>
-            </a:r>
-            <a:r>
-              <a:rPr lang="hr-HR" dirty="0"/>
-              <a:t> </a:t>
-            </a:r>
-            <a:r>
               <a:rPr lang="en-US" dirty="0"/>
-              <a:t>a trainable transformation in order to adopt the feature space for clustering</a:t>
+              <a:t>A trainable transformation to adapt the feature space for clustering</a:t>
             </a:r>
           </a:p>
           <a:p>
             <a:r>
               <a:rPr lang="en-US" dirty="0"/>
-              <a:t>Linear or elementwise linear transformation </a:t>
+              <a:t>Linear (output dimension 40) or elementwise linear transformation </a:t>
             </a:r>
             <a:r>
               <a:rPr lang="en-US" i="1" dirty="0"/>

--- a/documentation/presentation/Token-level author diarization using clustering of stylistic.pptx
+++ b/documentation/presentation/Token-level author diarization using clustering of stylistic.pptx
@@ -18,8 +18,8 @@
     <p:sldId id="270" r:id="rId9"/>
     <p:sldId id="263" r:id="rId10"/>
     <p:sldId id="264" r:id="rId11"/>
-    <p:sldId id="266" r:id="rId12"/>
-    <p:sldId id="265" r:id="rId13"/>
+    <p:sldId id="265" r:id="rId12"/>
+    <p:sldId id="266" r:id="rId13"/>
     <p:sldId id="267" r:id="rId14"/>
     <p:sldId id="268" r:id="rId15"/>
     <p:sldId id="269" r:id="rId16"/>
@@ -172,10 +172,8 @@
             <a:solidFill>
               <a:schemeClr val="accent1"/>
             </a:solidFill>
-            <a:ln w="19050">
-              <a:solidFill>
-                <a:schemeClr val="lt1"/>
-              </a:solidFill>
+            <a:ln>
+              <a:noFill/>
             </a:ln>
             <a:effectLst/>
           </c:spPr>
@@ -184,17 +182,6 @@
             <c:idx val="0"/>
             <c:invertIfNegative val="0"/>
             <c:bubble3D val="0"/>
-            <c:spPr>
-              <a:solidFill>
-                <a:schemeClr val="accent1"/>
-              </a:solidFill>
-              <a:ln w="19050">
-                <a:solidFill>
-                  <a:schemeClr val="lt1"/>
-                </a:solidFill>
-              </a:ln>
-              <a:effectLst/>
-            </c:spPr>
             <c:extLst>
               <c:ext xmlns:c16="http://schemas.microsoft.com/office/drawing/2014/chart" uri="{C3380CC4-5D6E-409C-BE32-E72D297353CC}">
                 <c16:uniqueId val="{00000002-2398-460F-B0B2-6F4B3C5691FB}"/>
@@ -248,10 +235,8 @@
             <a:solidFill>
               <a:srgbClr val="FF0000"/>
             </a:solidFill>
-            <a:ln w="19050">
-              <a:solidFill>
-                <a:schemeClr val="lt1"/>
-              </a:solidFill>
+            <a:ln>
+              <a:noFill/>
             </a:ln>
             <a:effectLst/>
           </c:spPr>
@@ -303,10 +288,8 @@
             <a:solidFill>
               <a:schemeClr val="accent1"/>
             </a:solidFill>
-            <a:ln w="19050">
-              <a:solidFill>
-                <a:schemeClr val="lt1"/>
-              </a:solidFill>
+            <a:ln>
+              <a:noFill/>
             </a:ln>
             <a:effectLst/>
           </c:spPr>
@@ -358,10 +341,8 @@
             <a:solidFill>
               <a:srgbClr val="FF0000"/>
             </a:solidFill>
-            <a:ln w="19050">
-              <a:solidFill>
-                <a:schemeClr val="lt1"/>
-              </a:solidFill>
+            <a:ln>
+              <a:noFill/>
             </a:ln>
             <a:effectLst/>
           </c:spPr>
@@ -413,10 +394,8 @@
             <a:solidFill>
               <a:schemeClr val="accent1"/>
             </a:solidFill>
-            <a:ln w="19050">
-              <a:solidFill>
-                <a:schemeClr val="lt1"/>
-              </a:solidFill>
+            <a:ln>
+              <a:noFill/>
             </a:ln>
             <a:effectLst/>
           </c:spPr>
@@ -468,10 +447,8 @@
             <a:solidFill>
               <a:srgbClr val="FF0000"/>
             </a:solidFill>
-            <a:ln w="19050">
-              <a:solidFill>
-                <a:schemeClr val="lt1"/>
-              </a:solidFill>
+            <a:ln>
+              <a:noFill/>
             </a:ln>
             <a:effectLst/>
           </c:spPr>
@@ -526,7 +503,7 @@
         <c:delete val="0"/>
         <c:axPos val="b"/>
         <c:numFmt formatCode="General" sourceLinked="1"/>
-        <c:majorTickMark val="out"/>
+        <c:majorTickMark val="none"/>
         <c:minorTickMark val="none"/>
         <c:tickLblPos val="nextTo"/>
         <c:spPr>
@@ -592,7 +569,7 @@
           </c:spPr>
         </c:majorGridlines>
         <c:numFmt formatCode="General" sourceLinked="1"/>
-        <c:majorTickMark val="out"/>
+        <c:majorTickMark val="none"/>
         <c:minorTickMark val="none"/>
         <c:tickLblPos val="nextTo"/>
         <c:spPr>
@@ -745,7 +722,7 @@
           </c:tx>
           <c:spPr>
             <a:solidFill>
-              <a:schemeClr val="accent4"/>
+              <a:schemeClr val="accent1"/>
             </a:solidFill>
             <a:ln>
               <a:noFill/>
@@ -2023,7 +2000,7 @@
 </file>
 
 <file path=ppt/charts/style1.xml><?xml version="1.0" encoding="utf-8"?>
-<cs:chartStyle xmlns:cs="http://schemas.microsoft.com/office/drawing/2012/chartStyle" xmlns:a="http://schemas.openxmlformats.org/drawingml/2006/main" id="251">
+<cs:chartStyle xmlns:cs="http://schemas.microsoft.com/office/drawing/2012/chartStyle" xmlns:a="http://schemas.openxmlformats.org/drawingml/2006/main" id="297">
   <cs:axisTitle>
     <cs:lnRef idx="0"/>
     <cs:fillRef idx="0"/>
@@ -2080,7 +2057,7 @@
         <a:round/>
       </a:ln>
     </cs:spPr>
-    <cs:defRPr sz="1197" kern="1200"/>
+    <cs:defRPr sz="1330" kern="1200"/>
   </cs:chartArea>
   <cs:dataLabel>
     <cs:lnRef idx="0"/>
@@ -2131,13 +2108,6 @@
     <cs:fontRef idx="minor">
       <a:schemeClr val="tx1"/>
     </cs:fontRef>
-    <cs:spPr>
-      <a:ln w="19050">
-        <a:solidFill>
-          <a:schemeClr val="lt1"/>
-        </a:solidFill>
-      </a:ln>
-    </cs:spPr>
   </cs:dataPoint>
   <cs:dataPoint3D>
     <cs:lnRef idx="0"/>
@@ -2148,19 +2118,12 @@
     <cs:fontRef idx="minor">
       <a:schemeClr val="tx1"/>
     </cs:fontRef>
-    <cs:spPr>
-      <a:ln w="25400">
-        <a:solidFill>
-          <a:schemeClr val="lt1"/>
-        </a:solidFill>
-      </a:ln>
-    </cs:spPr>
   </cs:dataPoint3D>
   <cs:dataPointLine>
     <cs:lnRef idx="0">
       <cs:styleClr val="auto"/>
     </cs:lnRef>
-    <cs:fillRef idx="0"/>
+    <cs:fillRef idx="1"/>
     <cs:effectRef idx="0"/>
     <cs:fontRef idx="minor">
       <a:schemeClr val="tx1"/>
@@ -2198,7 +2161,7 @@
     <cs:lnRef idx="0">
       <cs:styleClr val="auto"/>
     </cs:lnRef>
-    <cs:fillRef idx="0"/>
+    <cs:fillRef idx="1"/>
     <cs:effectRef idx="0"/>
     <cs:fontRef idx="minor">
       <a:schemeClr val="tx1"/>
@@ -23722,7 +23685,7 @@
           <a:p>
             <a:fld id="{44B3C5A4-0CCA-4BBB-B598-370495444CF2}" type="datetimeFigureOut">
               <a:rPr lang="hr-HR" smtClean="0"/>
-              <a:t>2017-06-04</a:t>
+              <a:t>6.6.2017.</a:t>
             </a:fld>
             <a:endParaRPr lang="hr-HR"/>
           </a:p>
@@ -24403,7 +24366,7 @@
     </p:spTree>
     <p:extLst>
       <p:ext uri="{BB962C8B-B14F-4D97-AF65-F5344CB8AC3E}">
-        <p14:creationId xmlns:p14="http://schemas.microsoft.com/office/powerpoint/2010/main" val="1150163873"/>
+        <p14:creationId xmlns:p14="http://schemas.microsoft.com/office/powerpoint/2010/main" val="948235522"/>
       </p:ext>
     </p:extLst>
   </p:cSld>
@@ -24487,7 +24450,7 @@
     </p:spTree>
     <p:extLst>
       <p:ext uri="{BB962C8B-B14F-4D97-AF65-F5344CB8AC3E}">
-        <p14:creationId xmlns:p14="http://schemas.microsoft.com/office/powerpoint/2010/main" val="948235522"/>
+        <p14:creationId xmlns:p14="http://schemas.microsoft.com/office/powerpoint/2010/main" val="1150163873"/>
       </p:ext>
     </p:extLst>
   </p:cSld>
@@ -24725,7 +24688,7 @@
             <a:fld id="{87DE6118-2437-4B30-8E3C-4D2BE6020583}" type="datetimeFigureOut">
               <a:rPr lang="en-US" smtClean="0"/>
               <a:pPr/>
-              <a:t>6/4/2017</a:t>
+              <a:t>6/6/2017</a:t>
             </a:fld>
             <a:endParaRPr lang="en-US" dirty="0"/>
           </a:p>
@@ -24896,7 +24859,7 @@
           <a:p>
             <a:fld id="{87DE6118-2437-4B30-8E3C-4D2BE6020583}" type="datetimeFigureOut">
               <a:rPr lang="en-US" smtClean="0"/>
-              <a:t>6/4/2017</a:t>
+              <a:t>6/6/2017</a:t>
             </a:fld>
             <a:endParaRPr lang="en-US" dirty="0"/>
           </a:p>
@@ -25076,7 +25039,7 @@
           <a:p>
             <a:fld id="{87DE6118-2437-4B30-8E3C-4D2BE6020583}" type="datetimeFigureOut">
               <a:rPr lang="en-US" smtClean="0"/>
-              <a:t>6/4/2017</a:t>
+              <a:t>6/6/2017</a:t>
             </a:fld>
             <a:endParaRPr lang="en-US" dirty="0"/>
           </a:p>
@@ -25246,7 +25209,7 @@
           <a:p>
             <a:fld id="{87DE6118-2437-4B30-8E3C-4D2BE6020583}" type="datetimeFigureOut">
               <a:rPr lang="en-US" smtClean="0"/>
-              <a:t>6/4/2017</a:t>
+              <a:t>6/6/2017</a:t>
             </a:fld>
             <a:endParaRPr lang="en-US" dirty="0"/>
           </a:p>
@@ -25493,7 +25456,7 @@
             <a:fld id="{87DE6118-2437-4B30-8E3C-4D2BE6020583}" type="datetimeFigureOut">
               <a:rPr lang="en-US" smtClean="0"/>
               <a:pPr/>
-              <a:t>6/4/2017</a:t>
+              <a:t>6/6/2017</a:t>
             </a:fld>
             <a:endParaRPr lang="en-US" dirty="0"/>
           </a:p>
@@ -25726,7 +25689,7 @@
           <a:p>
             <a:fld id="{87DE6118-2437-4B30-8E3C-4D2BE6020583}" type="datetimeFigureOut">
               <a:rPr lang="en-US" smtClean="0"/>
-              <a:t>6/4/2017</a:t>
+              <a:t>6/6/2017</a:t>
             </a:fld>
             <a:endParaRPr lang="en-US" dirty="0"/>
           </a:p>
@@ -26093,7 +26056,7 @@
           <a:p>
             <a:fld id="{87DE6118-2437-4B30-8E3C-4D2BE6020583}" type="datetimeFigureOut">
               <a:rPr lang="en-US" smtClean="0"/>
-              <a:t>6/4/2017</a:t>
+              <a:t>6/6/2017</a:t>
             </a:fld>
             <a:endParaRPr lang="en-US" dirty="0"/>
           </a:p>
@@ -26211,7 +26174,7 @@
           <a:p>
             <a:fld id="{87DE6118-2437-4B30-8E3C-4D2BE6020583}" type="datetimeFigureOut">
               <a:rPr lang="en-US" smtClean="0"/>
-              <a:t>6/4/2017</a:t>
+              <a:t>6/6/2017</a:t>
             </a:fld>
             <a:endParaRPr lang="en-US" dirty="0"/>
           </a:p>
@@ -26306,7 +26269,7 @@
           <a:p>
             <a:fld id="{87DE6118-2437-4B30-8E3C-4D2BE6020583}" type="datetimeFigureOut">
               <a:rPr lang="en-US" smtClean="0"/>
-              <a:t>6/4/2017</a:t>
+              <a:t>6/6/2017</a:t>
             </a:fld>
             <a:endParaRPr lang="en-US" dirty="0"/>
           </a:p>
@@ -26584,7 +26547,7 @@
             <a:fld id="{87DE6118-2437-4B30-8E3C-4D2BE6020583}" type="datetimeFigureOut">
               <a:rPr lang="en-US" smtClean="0"/>
               <a:pPr/>
-              <a:t>6/4/2017</a:t>
+              <a:t>6/6/2017</a:t>
             </a:fld>
             <a:endParaRPr lang="en-US" dirty="0"/>
           </a:p>
@@ -26839,7 +26802,7 @@
             <a:fld id="{87DE6118-2437-4B30-8E3C-4D2BE6020583}" type="datetimeFigureOut">
               <a:rPr lang="en-US" smtClean="0"/>
               <a:pPr/>
-              <a:t>6/4/2017</a:t>
+              <a:t>6/6/2017</a:t>
             </a:fld>
             <a:endParaRPr lang="en-US" dirty="0"/>
           </a:p>
@@ -27054,7 +27017,7 @@
             <a:fld id="{87DE6118-2437-4B30-8E3C-4D2BE6020583}" type="datetimeFigureOut">
               <a:rPr lang="en-US" smtClean="0"/>
               <a:pPr/>
-              <a:t>6/4/2017</a:t>
+              <a:t>6/6/2017</a:t>
             </a:fld>
             <a:endParaRPr lang="en-US" dirty="0"/>
           </a:p>
@@ -27538,7 +27501,7 @@
             </a:r>
             <a:r>
               <a:rPr lang="en-US" sz="4800" cap="none" dirty="0"/>
-              <a:t> context</a:t>
+              <a:t> contexts</a:t>
             </a:r>
             <a:endParaRPr lang="hr-HR" sz="4800" cap="none" dirty="0"/>
           </a:p>
@@ -28015,7 +27978,13 @@
           <p:cNvGraphicFramePr>
             <a:graphicFrameLocks/>
           </p:cNvGraphicFramePr>
-          <p:nvPr/>
+          <p:nvPr>
+            <p:extLst>
+              <p:ext uri="{D42A27DB-BD31-4B8C-83A1-F6EECF244321}">
+                <p14:modId xmlns:p14="http://schemas.microsoft.com/office/powerpoint/2010/main" val="2962888696"/>
+              </p:ext>
+            </p:extLst>
+          </p:nvPr>
         </p:nvGraphicFramePr>
         <p:xfrm>
           <a:off x="586441" y="1535278"/>
@@ -28044,58 +28013,18 @@
           </a:xfrm>
         </p:spPr>
         <p:txBody>
-          <a:bodyPr>
-            <a:normAutofit lnSpcReduction="10000"/>
-          </a:bodyPr>
+          <a:bodyPr/>
           <a:lstStyle/>
           <a:p>
             <a:r>
               <a:rPr lang="en-US" dirty="0"/>
-              <a:t>Task </a:t>
-            </a:r>
-            <a:r>
-              <a:rPr lang="en-US" i="1" dirty="0"/>
-              <a:t>a</a:t>
-            </a:r>
-            <a:r>
-              <a:rPr lang="en-US" dirty="0"/>
-              <a:t>: Agglomerative clustering with cosine affinity and average linkage</a:t>
+              <a:t>A training and a test set</a:t>
             </a:r>
           </a:p>
           <a:p>
             <a:r>
               <a:rPr lang="en-US" dirty="0"/>
-              <a:t>Task </a:t>
-            </a:r>
-            <a:r>
-              <a:rPr lang="en-US" i="1" dirty="0"/>
-              <a:t>b</a:t>
-            </a:r>
-            <a:r>
-              <a:rPr lang="en-US" dirty="0"/>
-              <a:t>: Agglomerative clustering with Euclidean affinity and average linkage</a:t>
-            </a:r>
-          </a:p>
-          <a:p>
-            <a:r>
-              <a:rPr lang="en-US" dirty="0"/>
-              <a:t>Task </a:t>
-            </a:r>
-            <a:r>
-              <a:rPr lang="en-US" i="1" dirty="0"/>
-              <a:t>c</a:t>
-            </a:r>
-            <a:r>
-              <a:rPr lang="en-US" dirty="0"/>
-              <a:t>: DBSCAN (eps=0.23, </a:t>
-            </a:r>
-            <a:r>
-              <a:rPr lang="en-US" dirty="0" err="1"/>
-              <a:t>min_samples</a:t>
-            </a:r>
-            <a:r>
-              <a:rPr lang="en-US" dirty="0"/>
-              <a:t>=64, metric=cosine)</a:t>
+              <a:t>Grid search on the training set over several algorithms on all tasks</a:t>
             </a:r>
           </a:p>
         </p:txBody>
@@ -28122,34 +28051,22 @@
           <a:p>
             <a:r>
               <a:rPr lang="en-US" dirty="0"/>
-              <a:t>All tasks: k-means</a:t>
+              <a:t>Development set (70% of the data) split into a training set and a validation set for the feature transformation</a:t>
             </a:r>
           </a:p>
           <a:p>
             <a:r>
               <a:rPr lang="en-US" dirty="0"/>
-              <a:t>Tried automatic cluster number prediction using the elbow rule for Task </a:t>
-            </a:r>
-            <a:r>
-              <a:rPr lang="en-US" i="1" dirty="0"/>
-              <a:t>c </a:t>
-            </a:r>
-            <a:r>
-              <a:rPr lang="en-US" dirty="0"/>
-              <a:t>and outlier elimination for Task </a:t>
-            </a:r>
-            <a:r>
-              <a:rPr lang="en-US" i="1" dirty="0"/>
-              <a:t>a</a:t>
-            </a:r>
-            <a:endParaRPr lang="hr-HR" i="1" dirty="0"/>
+              <a:t>30% of data left for the test set</a:t>
+            </a:r>
+            <a:endParaRPr lang="hr-HR" dirty="0"/>
           </a:p>
         </p:txBody>
       </p:sp>
     </p:spTree>
     <p:extLst>
       <p:ext uri="{BB962C8B-B14F-4D97-AF65-F5344CB8AC3E}">
-        <p14:creationId xmlns:p14="http://schemas.microsoft.com/office/powerpoint/2010/main" val="392976105"/>
+        <p14:creationId xmlns:p14="http://schemas.microsoft.com/office/powerpoint/2010/main" val="1155150795"/>
       </p:ext>
     </p:extLst>
   </p:cSld>
@@ -28268,13 +28185,7 @@
           <p:cNvGraphicFramePr>
             <a:graphicFrameLocks/>
           </p:cNvGraphicFramePr>
-          <p:nvPr>
-            <p:extLst>
-              <p:ext uri="{D42A27DB-BD31-4B8C-83A1-F6EECF244321}">
-                <p14:modId xmlns:p14="http://schemas.microsoft.com/office/powerpoint/2010/main" val="2962888696"/>
-              </p:ext>
-            </p:extLst>
-          </p:nvPr>
+          <p:nvPr/>
         </p:nvGraphicFramePr>
         <p:xfrm>
           <a:off x="586441" y="1535278"/>
@@ -28303,18 +28214,58 @@
           </a:xfrm>
         </p:spPr>
         <p:txBody>
-          <a:bodyPr/>
+          <a:bodyPr>
+            <a:normAutofit lnSpcReduction="10000"/>
+          </a:bodyPr>
           <a:lstStyle/>
           <a:p>
             <a:r>
               <a:rPr lang="en-US" dirty="0"/>
-              <a:t>A training and a test set</a:t>
+              <a:t>Task </a:t>
+            </a:r>
+            <a:r>
+              <a:rPr lang="en-US" i="1" dirty="0"/>
+              <a:t>a</a:t>
+            </a:r>
+            <a:r>
+              <a:rPr lang="en-US" dirty="0"/>
+              <a:t>: Agglomerative clustering with cosine affinity and average linkage</a:t>
             </a:r>
           </a:p>
           <a:p>
             <a:r>
               <a:rPr lang="en-US" dirty="0"/>
-              <a:t>Grid search on the training set over several algorithms on all tasks</a:t>
+              <a:t>Task </a:t>
+            </a:r>
+            <a:r>
+              <a:rPr lang="en-US" i="1" dirty="0"/>
+              <a:t>b</a:t>
+            </a:r>
+            <a:r>
+              <a:rPr lang="en-US" dirty="0"/>
+              <a:t>: Agglomerative clustering with Euclidean affinity and average linkage</a:t>
+            </a:r>
+          </a:p>
+          <a:p>
+            <a:r>
+              <a:rPr lang="en-US" dirty="0"/>
+              <a:t>Task </a:t>
+            </a:r>
+            <a:r>
+              <a:rPr lang="en-US" i="1" dirty="0"/>
+              <a:t>c</a:t>
+            </a:r>
+            <a:r>
+              <a:rPr lang="en-US" dirty="0"/>
+              <a:t>: DBSCAN (eps=0.23, </a:t>
+            </a:r>
+            <a:r>
+              <a:rPr lang="en-US" dirty="0" err="1"/>
+              <a:t>min_samples</a:t>
+            </a:r>
+            <a:r>
+              <a:rPr lang="en-US" dirty="0"/>
+              <a:t>=64, metric=cosine)</a:t>
             </a:r>
           </a:p>
         </p:txBody>
@@ -28341,22 +28292,34 @@
           <a:p>
             <a:r>
               <a:rPr lang="en-US" dirty="0"/>
-              <a:t>Development set (70% of the data) split into a training set and a validation set for the feature transformation</a:t>
+              <a:t>All tasks: k-means</a:t>
             </a:r>
           </a:p>
           <a:p>
             <a:r>
               <a:rPr lang="en-US" dirty="0"/>
-              <a:t>30% of data left for the test set</a:t>
-            </a:r>
-            <a:endParaRPr lang="hr-HR" dirty="0"/>
+              <a:t>Tried automatic cluster number prediction using the elbow rule for Task </a:t>
+            </a:r>
+            <a:r>
+              <a:rPr lang="en-US" i="1" dirty="0"/>
+              <a:t>c </a:t>
+            </a:r>
+            <a:r>
+              <a:rPr lang="en-US" dirty="0"/>
+              <a:t>and outlier elimination for Task </a:t>
+            </a:r>
+            <a:r>
+              <a:rPr lang="en-US" i="1" dirty="0"/>
+              <a:t>a</a:t>
+            </a:r>
+            <a:endParaRPr lang="hr-HR" i="1" dirty="0"/>
           </a:p>
         </p:txBody>
       </p:sp>
     </p:spTree>
     <p:extLst>
       <p:ext uri="{BB962C8B-B14F-4D97-AF65-F5344CB8AC3E}">
-        <p14:creationId xmlns:p14="http://schemas.microsoft.com/office/powerpoint/2010/main" val="1155150795"/>
+        <p14:creationId xmlns:p14="http://schemas.microsoft.com/office/powerpoint/2010/main" val="392976105"/>
       </p:ext>
     </p:extLst>
   </p:cSld>
@@ -28551,8 +28514,8 @@
         </p:blipFill>
         <p:spPr>
           <a:xfrm>
-            <a:off x="1303205" y="1825625"/>
-            <a:ext cx="9585589" cy="3863492"/>
+            <a:off x="838200" y="1690688"/>
+            <a:ext cx="9920377" cy="3998429"/>
           </a:xfrm>
           <a:prstGeom prst="rect">
             <a:avLst/>
@@ -28767,7 +28730,7 @@
             <p:ph sz="half" idx="1"/>
             <p:extLst>
               <p:ext uri="{D42A27DB-BD31-4B8C-83A1-F6EECF244321}">
-                <p14:modId xmlns:p14="http://schemas.microsoft.com/office/powerpoint/2010/main" val="2902869239"/>
+                <p14:modId xmlns:p14="http://schemas.microsoft.com/office/powerpoint/2010/main" val="2051690965"/>
               </p:ext>
             </p:extLst>
           </p:nvPr>
@@ -29106,7 +29069,7 @@
             <p:ph sz="half" idx="1"/>
             <p:extLst>
               <p:ext uri="{D42A27DB-BD31-4B8C-83A1-F6EECF244321}">
-                <p14:modId xmlns:p14="http://schemas.microsoft.com/office/powerpoint/2010/main" val="136245000"/>
+                <p14:modId xmlns:p14="http://schemas.microsoft.com/office/powerpoint/2010/main" val="434597989"/>
               </p:ext>
             </p:extLst>
           </p:nvPr>

--- a/documentation/presentation/Token-level author diarization using clustering of stylistic.pptx
+++ b/documentation/presentation/Token-level author diarization using clustering of stylistic.pptx
@@ -736,7 +736,7 @@
               <c:strCache>
                 <c:ptCount val="1"/>
                 <c:pt idx="0">
-                  <c:v>Documet</c:v>
+                  <c:v>Document</c:v>
                 </c:pt>
               </c:strCache>
             </c:strRef>
@@ -789,7 +789,7 @@
               <c:strCache>
                 <c:ptCount val="1"/>
                 <c:pt idx="0">
-                  <c:v>Documet</c:v>
+                  <c:v>Document</c:v>
                 </c:pt>
               </c:strCache>
             </c:strRef>
@@ -842,7 +842,7 @@
               <c:strCache>
                 <c:ptCount val="1"/>
                 <c:pt idx="0">
-                  <c:v>Documet</c:v>
+                  <c:v>Document</c:v>
                 </c:pt>
               </c:strCache>
             </c:strRef>
@@ -895,7 +895,7 @@
               <c:strCache>
                 <c:ptCount val="1"/>
                 <c:pt idx="0">
-                  <c:v>Documet</c:v>
+                  <c:v>Document</c:v>
                 </c:pt>
               </c:strCache>
             </c:strRef>
@@ -948,7 +948,7 @@
               <c:strCache>
                 <c:ptCount val="1"/>
                 <c:pt idx="0">
-                  <c:v>Documet</c:v>
+                  <c:v>Document</c:v>
                 </c:pt>
               </c:strCache>
             </c:strRef>
@@ -1001,7 +1001,7 @@
               <c:strCache>
                 <c:ptCount val="1"/>
                 <c:pt idx="0">
-                  <c:v>Documet</c:v>
+                  <c:v>Document</c:v>
                 </c:pt>
               </c:strCache>
             </c:strRef>
@@ -1054,7 +1054,7 @@
               <c:strCache>
                 <c:ptCount val="1"/>
                 <c:pt idx="0">
-                  <c:v>Documet</c:v>
+                  <c:v>Document</c:v>
                 </c:pt>
               </c:strCache>
             </c:strRef>
@@ -1328,7 +1328,7 @@
               <c:strCache>
                 <c:ptCount val="1"/>
                 <c:pt idx="0">
-                  <c:v>Documet</c:v>
+                  <c:v>Document</c:v>
                 </c:pt>
               </c:strCache>
             </c:strRef>
@@ -1383,7 +1383,7 @@
               <c:strCache>
                 <c:ptCount val="1"/>
                 <c:pt idx="0">
-                  <c:v>Documet</c:v>
+                  <c:v>Document</c:v>
                 </c:pt>
               </c:strCache>
             </c:strRef>
@@ -1438,7 +1438,7 @@
               <c:strCache>
                 <c:ptCount val="1"/>
                 <c:pt idx="0">
-                  <c:v>Documet</c:v>
+                  <c:v>Document</c:v>
                 </c:pt>
               </c:strCache>
             </c:strRef>
@@ -1493,7 +1493,7 @@
               <c:strCache>
                 <c:ptCount val="1"/>
                 <c:pt idx="0">
-                  <c:v>Documet</c:v>
+                  <c:v>Document</c:v>
                 </c:pt>
               </c:strCache>
             </c:strRef>
@@ -1548,7 +1548,7 @@
               <c:strCache>
                 <c:ptCount val="1"/>
                 <c:pt idx="0">
-                  <c:v>Documet</c:v>
+                  <c:v>Document</c:v>
                 </c:pt>
               </c:strCache>
             </c:strRef>
@@ -1603,7 +1603,7 @@
               <c:strCache>
                 <c:ptCount val="1"/>
                 <c:pt idx="0">
-                  <c:v>Documet</c:v>
+                  <c:v>Document</c:v>
                 </c:pt>
               </c:strCache>
             </c:strRef>
@@ -1658,7 +1658,7 @@
               <c:strCache>
                 <c:ptCount val="1"/>
                 <c:pt idx="0">
-                  <c:v>Documet</c:v>
+                  <c:v>Document</c:v>
                 </c:pt>
               </c:strCache>
             </c:strRef>
@@ -23685,7 +23685,7 @@
           <a:p>
             <a:fld id="{44B3C5A4-0CCA-4BBB-B598-370495444CF2}" type="datetimeFigureOut">
               <a:rPr lang="hr-HR" smtClean="0"/>
-              <a:t>6.6.2017.</a:t>
+              <a:t>7.6.2017.</a:t>
             </a:fld>
             <a:endParaRPr lang="hr-HR"/>
           </a:p>
@@ -24165,6 +24165,343 @@
           <a:bodyPr/>
           <a:lstStyle/>
           <a:p>
+            <a:r>
+              <a:rPr lang="en-US" sz="1200" b="0" i="1" kern="1200" dirty="0" err="1">
+                <a:solidFill>
+                  <a:schemeClr val="tx1"/>
+                </a:solidFill>
+                <a:effectLst/>
+                <a:latin typeface="+mn-lt"/>
+                <a:ea typeface="+mn-ea"/>
+                <a:cs typeface="+mn-cs"/>
+              </a:rPr>
+              <a:t>L</a:t>
+            </a:r>
+            <a:r>
+              <a:rPr lang="en-US" sz="1200" b="0" i="0" kern="1200" dirty="0" err="1">
+                <a:solidFill>
+                  <a:schemeClr val="tx1"/>
+                </a:solidFill>
+                <a:effectLst/>
+                <a:latin typeface="+mn-lt"/>
+                <a:ea typeface="+mn-ea"/>
+                <a:cs typeface="+mn-cs"/>
+              </a:rPr>
+              <a:t>c</a:t>
+            </a:r>
+            <a:r>
+              <a:rPr lang="en-US" sz="1200" b="0" i="0" kern="1200" dirty="0">
+                <a:solidFill>
+                  <a:schemeClr val="tx1"/>
+                </a:solidFill>
+                <a:effectLst/>
+                <a:latin typeface="+mn-lt"/>
+                <a:ea typeface="+mn-ea"/>
+                <a:cs typeface="+mn-cs"/>
+              </a:rPr>
+              <a:t> is proportional to the average variance of groups</a:t>
+            </a:r>
+            <a:r>
+              <a:rPr lang="en-US" dirty="0"/>
+              <a:t> </a:t>
+            </a:r>
+            <a:endParaRPr lang="hr-HR" dirty="0"/>
+          </a:p>
+          <a:p>
+            <a:r>
+              <a:rPr lang="hr-HR" sz="1200" b="0" i="1" kern="1200" dirty="0" err="1">
+                <a:solidFill>
+                  <a:schemeClr val="tx1"/>
+                </a:solidFill>
+                <a:effectLst/>
+                <a:latin typeface="+mn-lt"/>
+                <a:ea typeface="+mn-ea"/>
+                <a:cs typeface="+mn-cs"/>
+              </a:rPr>
+              <a:t>L</a:t>
+            </a:r>
+            <a:r>
+              <a:rPr lang="hr-HR" sz="1200" b="0" i="0" kern="1200" dirty="0" err="1">
+                <a:solidFill>
+                  <a:schemeClr val="tx1"/>
+                </a:solidFill>
+                <a:effectLst/>
+                <a:latin typeface="+mn-lt"/>
+                <a:ea typeface="+mn-ea"/>
+                <a:cs typeface="+mn-cs"/>
+              </a:rPr>
+              <a:t>s</a:t>
+            </a:r>
+            <a:r>
+              <a:rPr lang="hr-HR" sz="1200" b="0" i="0" kern="1200" dirty="0">
+                <a:solidFill>
+                  <a:schemeClr val="tx1"/>
+                </a:solidFill>
+                <a:effectLst/>
+                <a:latin typeface="+mn-lt"/>
+                <a:ea typeface="+mn-ea"/>
+                <a:cs typeface="+mn-cs"/>
+              </a:rPr>
+              <a:t> </a:t>
+            </a:r>
+            <a:r>
+              <a:rPr lang="en-US" sz="1200" b="0" i="0" kern="1200" dirty="0">
+                <a:solidFill>
+                  <a:schemeClr val="tx1"/>
+                </a:solidFill>
+                <a:effectLst/>
+                <a:latin typeface="+mn-lt"/>
+                <a:ea typeface="+mn-ea"/>
+                <a:cs typeface="+mn-cs"/>
+              </a:rPr>
+              <a:t>penalizes centroids being</a:t>
+            </a:r>
+            <a:r>
+              <a:rPr lang="hr-HR" sz="1200" b="0" i="0" kern="1200" dirty="0">
+                <a:solidFill>
+                  <a:schemeClr val="tx1"/>
+                </a:solidFill>
+                <a:effectLst/>
+                <a:latin typeface="+mn-lt"/>
+                <a:ea typeface="+mn-ea"/>
+                <a:cs typeface="+mn-cs"/>
+              </a:rPr>
+              <a:t> </a:t>
+            </a:r>
+            <a:r>
+              <a:rPr lang="en-US" sz="1200" b="0" i="0" kern="1200" dirty="0">
+                <a:solidFill>
+                  <a:schemeClr val="tx1"/>
+                </a:solidFill>
+                <a:effectLst/>
+                <a:latin typeface="+mn-lt"/>
+                <a:ea typeface="+mn-ea"/>
+                <a:cs typeface="+mn-cs"/>
+              </a:rPr>
+              <a:t>too close to each other</a:t>
+            </a:r>
+            <a:r>
+              <a:rPr lang="en-US" dirty="0"/>
+              <a:t> </a:t>
+            </a:r>
+            <a:endParaRPr lang="hr-HR" sz="1200" b="0" i="0" kern="1200" dirty="0">
+              <a:solidFill>
+                <a:schemeClr val="tx1"/>
+              </a:solidFill>
+              <a:effectLst/>
+              <a:latin typeface="+mn-lt"/>
+              <a:ea typeface="+mn-ea"/>
+              <a:cs typeface="+mn-cs"/>
+            </a:endParaRPr>
+          </a:p>
+          <a:p>
+            <a:r>
+              <a:rPr lang="en-US" sz="1200" b="0" i="0" kern="1200" dirty="0">
+                <a:solidFill>
+                  <a:schemeClr val="tx1"/>
+                </a:solidFill>
+                <a:effectLst/>
+                <a:latin typeface="+mn-lt"/>
+                <a:ea typeface="+mn-ea"/>
+                <a:cs typeface="+mn-cs"/>
+              </a:rPr>
+              <a:t>The </a:t>
+            </a:r>
+            <a:r>
+              <a:rPr lang="en-US" sz="1200" b="0" i="1" kern="1200" dirty="0">
+                <a:solidFill>
+                  <a:schemeClr val="tx1"/>
+                </a:solidFill>
+                <a:effectLst/>
+                <a:latin typeface="+mn-lt"/>
+                <a:ea typeface="+mn-ea"/>
+                <a:cs typeface="+mn-cs"/>
+              </a:rPr>
+              <a:t>compactness loss </a:t>
+            </a:r>
+            <a:r>
+              <a:rPr lang="en-US" sz="1200" b="0" i="1" kern="1200" dirty="0" err="1">
+                <a:solidFill>
+                  <a:schemeClr val="tx1"/>
+                </a:solidFill>
+                <a:effectLst/>
+                <a:latin typeface="+mn-lt"/>
+                <a:ea typeface="+mn-ea"/>
+                <a:cs typeface="+mn-cs"/>
+              </a:rPr>
+              <a:t>L</a:t>
+            </a:r>
+            <a:r>
+              <a:rPr lang="en-US" sz="1200" b="0" i="0" kern="1200" dirty="0" err="1">
+                <a:solidFill>
+                  <a:schemeClr val="tx1"/>
+                </a:solidFill>
+                <a:effectLst/>
+                <a:latin typeface="+mn-lt"/>
+                <a:ea typeface="+mn-ea"/>
+                <a:cs typeface="+mn-cs"/>
+              </a:rPr>
+              <a:t>c</a:t>
+            </a:r>
+            <a:r>
+              <a:rPr lang="en-US" sz="1200" b="0" i="0" kern="1200" dirty="0">
+                <a:solidFill>
+                  <a:schemeClr val="tx1"/>
+                </a:solidFill>
+                <a:effectLst/>
+                <a:latin typeface="+mn-lt"/>
+                <a:ea typeface="+mn-ea"/>
+                <a:cs typeface="+mn-cs"/>
+              </a:rPr>
+              <a:t> is a weighted sum of within-group</a:t>
+            </a:r>
+            <a:r>
+              <a:rPr lang="hr-HR" sz="1200" b="0" i="0" kern="1200" dirty="0">
+                <a:solidFill>
+                  <a:schemeClr val="tx1"/>
+                </a:solidFill>
+                <a:effectLst/>
+                <a:latin typeface="+mn-lt"/>
+                <a:ea typeface="+mn-ea"/>
+                <a:cs typeface="+mn-cs"/>
+              </a:rPr>
+              <a:t> </a:t>
+            </a:r>
+            <a:r>
+              <a:rPr lang="en-US" sz="1200" b="0" i="0" kern="1200" dirty="0">
+                <a:solidFill>
+                  <a:schemeClr val="tx1"/>
+                </a:solidFill>
+                <a:effectLst/>
+                <a:latin typeface="+mn-lt"/>
+                <a:ea typeface="+mn-ea"/>
+                <a:cs typeface="+mn-cs"/>
+              </a:rPr>
+              <a:t>variances. The </a:t>
+            </a:r>
+            <a:r>
+              <a:rPr lang="en-US" sz="1200" b="0" i="1" kern="1200" dirty="0">
+                <a:solidFill>
+                  <a:schemeClr val="tx1"/>
+                </a:solidFill>
+                <a:effectLst/>
+                <a:latin typeface="+mn-lt"/>
+                <a:ea typeface="+mn-ea"/>
+                <a:cs typeface="+mn-cs"/>
+              </a:rPr>
+              <a:t>segregation loss L</a:t>
+            </a:r>
+            <a:r>
+              <a:rPr lang="en-US" sz="1200" b="0" i="0" kern="1200" dirty="0">
+                <a:solidFill>
+                  <a:schemeClr val="tx1"/>
+                </a:solidFill>
+                <a:effectLst/>
+                <a:latin typeface="+mn-lt"/>
+                <a:ea typeface="+mn-ea"/>
+                <a:cs typeface="+mn-cs"/>
+              </a:rPr>
+              <a:t>s is proportional to the</a:t>
+            </a:r>
+            <a:br>
+              <a:rPr lang="en-US" sz="1200" b="0" i="0" kern="1200" dirty="0">
+                <a:solidFill>
+                  <a:schemeClr val="tx1"/>
+                </a:solidFill>
+                <a:effectLst/>
+                <a:latin typeface="+mn-lt"/>
+                <a:ea typeface="+mn-ea"/>
+                <a:cs typeface="+mn-cs"/>
+              </a:rPr>
+            </a:br>
+            <a:r>
+              <a:rPr lang="en-US" sz="1200" b="0" i="0" kern="1200" dirty="0">
+                <a:solidFill>
+                  <a:schemeClr val="tx1"/>
+                </a:solidFill>
+                <a:effectLst/>
+                <a:latin typeface="+mn-lt"/>
+                <a:ea typeface="+mn-ea"/>
+                <a:cs typeface="+mn-cs"/>
+              </a:rPr>
+              <a:t>sum of magnitudes (not magnitude of the sum) of forces</a:t>
+            </a:r>
+            <a:r>
+              <a:rPr lang="hr-HR" sz="1200" b="0" i="0" kern="1200" dirty="0">
+                <a:solidFill>
+                  <a:schemeClr val="tx1"/>
+                </a:solidFill>
+                <a:effectLst/>
+                <a:latin typeface="+mn-lt"/>
+                <a:ea typeface="+mn-ea"/>
+                <a:cs typeface="+mn-cs"/>
+              </a:rPr>
+              <a:t> </a:t>
+            </a:r>
+            <a:r>
+              <a:rPr lang="en-US" sz="1200" b="0" i="0" kern="1200" dirty="0">
+                <a:solidFill>
+                  <a:schemeClr val="tx1"/>
+                </a:solidFill>
+                <a:effectLst/>
+                <a:latin typeface="+mn-lt"/>
+                <a:ea typeface="+mn-ea"/>
+                <a:cs typeface="+mn-cs"/>
+              </a:rPr>
+              <a:t>between </a:t>
+            </a:r>
+            <a:r>
+              <a:rPr lang="en-US" sz="1200" b="0" i="1" kern="1200" dirty="0">
+                <a:solidFill>
+                  <a:schemeClr val="tx1"/>
+                </a:solidFill>
+                <a:effectLst/>
+                <a:latin typeface="+mn-lt"/>
+                <a:ea typeface="+mn-ea"/>
+                <a:cs typeface="+mn-cs"/>
+              </a:rPr>
+              <a:t>c </a:t>
+            </a:r>
+            <a:r>
+              <a:rPr lang="en-US" sz="1200" b="0" i="0" kern="1200" dirty="0">
+                <a:solidFill>
+                  <a:schemeClr val="tx1"/>
+                </a:solidFill>
+                <a:effectLst/>
+                <a:latin typeface="+mn-lt"/>
+                <a:ea typeface="+mn-ea"/>
+                <a:cs typeface="+mn-cs"/>
+              </a:rPr>
+              <a:t>equally charged particles each located at one of</a:t>
+            </a:r>
+            <a:r>
+              <a:rPr lang="hr-HR" sz="1200" b="0" i="0" kern="1200" dirty="0">
+                <a:solidFill>
+                  <a:schemeClr val="tx1"/>
+                </a:solidFill>
+                <a:effectLst/>
+                <a:latin typeface="+mn-lt"/>
+                <a:ea typeface="+mn-ea"/>
+                <a:cs typeface="+mn-cs"/>
+              </a:rPr>
+              <a:t> </a:t>
+            </a:r>
+            <a:r>
+              <a:rPr lang="en-US" sz="1200" b="0" i="0" kern="1200" dirty="0">
+                <a:solidFill>
+                  <a:schemeClr val="tx1"/>
+                </a:solidFill>
+                <a:effectLst/>
+                <a:latin typeface="+mn-lt"/>
+                <a:ea typeface="+mn-ea"/>
+                <a:cs typeface="+mn-cs"/>
+              </a:rPr>
+              <a:t>the centroids.</a:t>
+            </a:r>
+            <a:r>
+              <a:rPr lang="en-US" dirty="0"/>
+              <a:t> </a:t>
+            </a:r>
             <a:endParaRPr lang="hr-HR" dirty="0"/>
           </a:p>
         </p:txBody>
@@ -24505,6 +24842,177 @@
           <a:lstStyle/>
           <a:p>
             <a:r>
+              <a:rPr lang="hr-HR" dirty="0" err="1"/>
+              <a:t>Our</a:t>
+            </a:r>
+            <a:r>
+              <a:rPr lang="hr-HR" dirty="0"/>
+              <a:t> </a:t>
+            </a:r>
+            <a:r>
+              <a:rPr lang="hr-HR" dirty="0" err="1"/>
+              <a:t>results</a:t>
+            </a:r>
+            <a:r>
+              <a:rPr lang="hr-HR" dirty="0"/>
+              <a:t> are </a:t>
+            </a:r>
+            <a:r>
+              <a:rPr lang="hr-HR" dirty="0" err="1"/>
+              <a:t>not</a:t>
+            </a:r>
+            <a:r>
+              <a:rPr lang="hr-HR" dirty="0"/>
+              <a:t> </a:t>
+            </a:r>
+            <a:r>
+              <a:rPr lang="hr-HR" dirty="0" err="1"/>
+              <a:t>good</a:t>
+            </a:r>
+            <a:r>
+              <a:rPr lang="hr-HR" dirty="0"/>
+              <a:t>, 95% </a:t>
+            </a:r>
+            <a:r>
+              <a:rPr lang="hr-HR" dirty="0" err="1"/>
+              <a:t>lower</a:t>
+            </a:r>
+            <a:r>
+              <a:rPr lang="hr-HR" dirty="0"/>
+              <a:t> limit </a:t>
+            </a:r>
+            <a:r>
+              <a:rPr lang="hr-HR" dirty="0" err="1"/>
+              <a:t>is</a:t>
+            </a:r>
+            <a:r>
+              <a:rPr lang="hr-HR" dirty="0"/>
+              <a:t> </a:t>
+            </a:r>
+            <a:r>
+              <a:rPr lang="hr-HR" dirty="0" err="1"/>
+              <a:t>below</a:t>
+            </a:r>
+            <a:r>
+              <a:rPr lang="hr-HR" dirty="0"/>
+              <a:t>  single-</a:t>
+            </a:r>
+            <a:r>
+              <a:rPr lang="hr-HR" dirty="0" err="1"/>
+              <a:t>author</a:t>
+            </a:r>
+            <a:r>
+              <a:rPr lang="hr-HR" dirty="0"/>
+              <a:t> BL, </a:t>
+            </a:r>
+            <a:r>
+              <a:rPr lang="hr-HR" dirty="0" err="1"/>
+              <a:t>better</a:t>
+            </a:r>
+            <a:r>
+              <a:rPr lang="hr-HR" dirty="0"/>
+              <a:t> </a:t>
+            </a:r>
+            <a:r>
+              <a:rPr lang="hr-HR" dirty="0" err="1"/>
+              <a:t>tha</a:t>
+            </a:r>
+            <a:r>
+              <a:rPr lang="hr-HR" dirty="0"/>
+              <a:t> </a:t>
+            </a:r>
+            <a:r>
+              <a:rPr lang="hr-HR" dirty="0" err="1"/>
+              <a:t>kuzntsov</a:t>
+            </a:r>
+            <a:r>
+              <a:rPr lang="hr-HR" dirty="0"/>
+              <a:t>*</a:t>
+            </a:r>
+          </a:p>
+        </p:txBody>
+      </p:sp>
+      <p:sp>
+        <p:nvSpPr>
+          <p:cNvPr id="4" name="Slide Number Placeholder 3"/>
+          <p:cNvSpPr>
+            <a:spLocks noGrp="1"/>
+          </p:cNvSpPr>
+          <p:nvPr>
+            <p:ph type="sldNum" sz="quarter" idx="10"/>
+          </p:nvPr>
+        </p:nvSpPr>
+        <p:spPr/>
+        <p:txBody>
+          <a:bodyPr/>
+          <a:lstStyle/>
+          <a:p>
+            <a:fld id="{55E96210-A9A4-43FB-8065-D05213461070}" type="slidenum">
+              <a:rPr lang="hr-HR" smtClean="0"/>
+              <a:t>13</a:t>
+            </a:fld>
+            <a:endParaRPr lang="hr-HR"/>
+          </a:p>
+        </p:txBody>
+      </p:sp>
+    </p:spTree>
+    <p:extLst>
+      <p:ext uri="{BB962C8B-B14F-4D97-AF65-F5344CB8AC3E}">
+        <p14:creationId xmlns:p14="http://schemas.microsoft.com/office/powerpoint/2010/main" val="290490718"/>
+      </p:ext>
+    </p:extLst>
+  </p:cSld>
+  <p:clrMapOvr>
+    <a:masterClrMapping/>
+  </p:clrMapOvr>
+</p:notes>
+</file>
+
+<file path=ppt/notesSlides/notesSlide8.xml><?xml version="1.0" encoding="utf-8"?>
+<p:notes xmlns:a="http://schemas.openxmlformats.org/drawingml/2006/main" xmlns:r="http://schemas.openxmlformats.org/officeDocument/2006/relationships" xmlns:p="http://schemas.openxmlformats.org/presentationml/2006/main">
+  <p:cSld>
+    <p:spTree>
+      <p:nvGrpSpPr>
+        <p:cNvPr id="1" name=""/>
+        <p:cNvGrpSpPr/>
+        <p:nvPr/>
+      </p:nvGrpSpPr>
+      <p:grpSpPr>
+        <a:xfrm>
+          <a:off x="0" y="0"/>
+          <a:ext cx="0" cy="0"/>
+          <a:chOff x="0" y="0"/>
+          <a:chExt cx="0" cy="0"/>
+        </a:xfrm>
+      </p:grpSpPr>
+      <p:sp>
+        <p:nvSpPr>
+          <p:cNvPr id="2" name="Slide Image Placeholder 1"/>
+          <p:cNvSpPr>
+            <a:spLocks noGrp="1" noRot="1" noChangeAspect="1"/>
+          </p:cNvSpPr>
+          <p:nvPr>
+            <p:ph type="sldImg"/>
+          </p:nvPr>
+        </p:nvSpPr>
+        <p:spPr/>
+      </p:sp>
+      <p:sp>
+        <p:nvSpPr>
+          <p:cNvPr id="3" name="Notes Placeholder 2"/>
+          <p:cNvSpPr>
+            <a:spLocks noGrp="1"/>
+          </p:cNvSpPr>
+          <p:nvPr>
+            <p:ph type="body" idx="1"/>
+          </p:nvPr>
+        </p:nvSpPr>
+        <p:spPr/>
+        <p:txBody>
+          <a:bodyPr/>
+          <a:lstStyle/>
+          <a:p>
+            <a:r>
               <a:rPr lang="en-US" dirty="0"/>
               <a:t>Mention that Model B in the table uses 2 groups for k-means and the problems with the </a:t>
             </a:r>
@@ -24688,7 +25196,7 @@
             <a:fld id="{87DE6118-2437-4B30-8E3C-4D2BE6020583}" type="datetimeFigureOut">
               <a:rPr lang="en-US" smtClean="0"/>
               <a:pPr/>
-              <a:t>6/6/2017</a:t>
+              <a:t>6/7/2017</a:t>
             </a:fld>
             <a:endParaRPr lang="en-US" dirty="0"/>
           </a:p>
@@ -24859,7 +25367,7 @@
           <a:p>
             <a:fld id="{87DE6118-2437-4B30-8E3C-4D2BE6020583}" type="datetimeFigureOut">
               <a:rPr lang="en-US" smtClean="0"/>
-              <a:t>6/6/2017</a:t>
+              <a:t>6/7/2017</a:t>
             </a:fld>
             <a:endParaRPr lang="en-US" dirty="0"/>
           </a:p>
@@ -25039,7 +25547,7 @@
           <a:p>
             <a:fld id="{87DE6118-2437-4B30-8E3C-4D2BE6020583}" type="datetimeFigureOut">
               <a:rPr lang="en-US" smtClean="0"/>
-              <a:t>6/6/2017</a:t>
+              <a:t>6/7/2017</a:t>
             </a:fld>
             <a:endParaRPr lang="en-US" dirty="0"/>
           </a:p>
@@ -25209,7 +25717,7 @@
           <a:p>
             <a:fld id="{87DE6118-2437-4B30-8E3C-4D2BE6020583}" type="datetimeFigureOut">
               <a:rPr lang="en-US" smtClean="0"/>
-              <a:t>6/6/2017</a:t>
+              <a:t>6/7/2017</a:t>
             </a:fld>
             <a:endParaRPr lang="en-US" dirty="0"/>
           </a:p>
@@ -25456,7 +25964,7 @@
             <a:fld id="{87DE6118-2437-4B30-8E3C-4D2BE6020583}" type="datetimeFigureOut">
               <a:rPr lang="en-US" smtClean="0"/>
               <a:pPr/>
-              <a:t>6/6/2017</a:t>
+              <a:t>6/7/2017</a:t>
             </a:fld>
             <a:endParaRPr lang="en-US" dirty="0"/>
           </a:p>
@@ -25689,7 +26197,7 @@
           <a:p>
             <a:fld id="{87DE6118-2437-4B30-8E3C-4D2BE6020583}" type="datetimeFigureOut">
               <a:rPr lang="en-US" smtClean="0"/>
-              <a:t>6/6/2017</a:t>
+              <a:t>6/7/2017</a:t>
             </a:fld>
             <a:endParaRPr lang="en-US" dirty="0"/>
           </a:p>
@@ -26056,7 +26564,7 @@
           <a:p>
             <a:fld id="{87DE6118-2437-4B30-8E3C-4D2BE6020583}" type="datetimeFigureOut">
               <a:rPr lang="en-US" smtClean="0"/>
-              <a:t>6/6/2017</a:t>
+              <a:t>6/7/2017</a:t>
             </a:fld>
             <a:endParaRPr lang="en-US" dirty="0"/>
           </a:p>
@@ -26174,7 +26682,7 @@
           <a:p>
             <a:fld id="{87DE6118-2437-4B30-8E3C-4D2BE6020583}" type="datetimeFigureOut">
               <a:rPr lang="en-US" smtClean="0"/>
-              <a:t>6/6/2017</a:t>
+              <a:t>6/7/2017</a:t>
             </a:fld>
             <a:endParaRPr lang="en-US" dirty="0"/>
           </a:p>
@@ -26269,7 +26777,7 @@
           <a:p>
             <a:fld id="{87DE6118-2437-4B30-8E3C-4D2BE6020583}" type="datetimeFigureOut">
               <a:rPr lang="en-US" smtClean="0"/>
-              <a:t>6/6/2017</a:t>
+              <a:t>6/7/2017</a:t>
             </a:fld>
             <a:endParaRPr lang="en-US" dirty="0"/>
           </a:p>
@@ -26547,7 +27055,7 @@
             <a:fld id="{87DE6118-2437-4B30-8E3C-4D2BE6020583}" type="datetimeFigureOut">
               <a:rPr lang="en-US" smtClean="0"/>
               <a:pPr/>
-              <a:t>6/6/2017</a:t>
+              <a:t>6/7/2017</a:t>
             </a:fld>
             <a:endParaRPr lang="en-US" dirty="0"/>
           </a:p>
@@ -26802,7 +27310,7 @@
             <a:fld id="{87DE6118-2437-4B30-8E3C-4D2BE6020583}" type="datetimeFigureOut">
               <a:rPr lang="en-US" smtClean="0"/>
               <a:pPr/>
-              <a:t>6/6/2017</a:t>
+              <a:t>6/7/2017</a:t>
             </a:fld>
             <a:endParaRPr lang="en-US" dirty="0"/>
           </a:p>
@@ -27017,7 +27525,7 @@
             <a:fld id="{87DE6118-2437-4B30-8E3C-4D2BE6020583}" type="datetimeFigureOut">
               <a:rPr lang="en-US" smtClean="0"/>
               <a:pPr/>
-              <a:t>6/6/2017</a:t>
+              <a:t>6/7/2017</a:t>
             </a:fld>
             <a:endParaRPr lang="en-US" dirty="0"/>
           </a:p>
@@ -27568,7 +28076,7 @@
         </p:nvSpPr>
         <p:spPr>
           <a:xfrm>
-            <a:off x="4547704" y="749989"/>
+            <a:off x="2644476" y="753031"/>
             <a:ext cx="6902531" cy="369332"/>
           </a:xfrm>
           <a:prstGeom prst="rect">
@@ -28401,7 +28909,7 @@
           <p:nvPr/>
         </p:nvPicPr>
         <p:blipFill rotWithShape="1">
-          <a:blip r:embed="rId2"/>
+          <a:blip r:embed="rId3"/>
           <a:srcRect l="40735" t="22434" r="3971" b="39642"/>
           <a:stretch/>
         </p:blipFill>
@@ -28514,7 +29022,7 @@
         </p:blipFill>
         <p:spPr>
           <a:xfrm>
-            <a:off x="838200" y="1690688"/>
+            <a:off x="1135811" y="1690688"/>
             <a:ext cx="9920377" cy="3998429"/>
           </a:xfrm>
           <a:prstGeom prst="rect">
@@ -28590,7 +29098,7 @@
           <a:bodyPr/>
           <a:lstStyle/>
           <a:p>
-            <a:endParaRPr lang="hr-HR"/>
+            <a:endParaRPr lang="hr-HR" dirty="0"/>
           </a:p>
         </p:txBody>
       </p:sp>
@@ -29069,7 +29577,7 @@
             <p:ph sz="half" idx="1"/>
             <p:extLst>
               <p:ext uri="{D42A27DB-BD31-4B8C-83A1-F6EECF244321}">
-                <p14:modId xmlns:p14="http://schemas.microsoft.com/office/powerpoint/2010/main" val="434597989"/>
+                <p14:modId xmlns:p14="http://schemas.microsoft.com/office/powerpoint/2010/main" val="2600572673"/>
               </p:ext>
             </p:extLst>
           </p:nvPr>
@@ -29436,7 +29944,7 @@
             <p:ph sz="half" idx="1"/>
             <p:extLst>
               <p:ext uri="{D42A27DB-BD31-4B8C-83A1-F6EECF244321}">
-                <p14:modId xmlns:p14="http://schemas.microsoft.com/office/powerpoint/2010/main" val="3784372234"/>
+                <p14:modId xmlns:p14="http://schemas.microsoft.com/office/powerpoint/2010/main" val="2406349765"/>
               </p:ext>
             </p:extLst>
           </p:nvPr>
@@ -29545,7 +30053,15 @@
             </a:r>
             <a:r>
               <a:rPr lang="hr-HR" dirty="0"/>
-              <a:t> a </a:t>
+              <a:t> </a:t>
+            </a:r>
+            <a:r>
+              <a:rPr lang="hr-HR" dirty="0" err="1"/>
+              <a:t>the</a:t>
+            </a:r>
+            <a:r>
+              <a:rPr lang="hr-HR" dirty="0"/>
+              <a:t> </a:t>
             </a:r>
             <a:r>
               <a:rPr lang="hr-HR" dirty="0" err="1"/>
@@ -30741,17 +31257,18 @@
               <a:t>140 tokens for tasks </a:t>
             </a:r>
             <a:r>
-              <a:rPr lang="en-US" i="1" dirty="0"/>
-              <a:t>a</a:t>
+              <a:rPr lang="hr-HR" i="1" dirty="0"/>
+              <a:t>b </a:t>
             </a:r>
             <a:r>
               <a:rPr lang="en-US" dirty="0"/>
-              <a:t> and </a:t>
-            </a:r>
-            <a:r>
-              <a:rPr lang="en-US" i="1" dirty="0"/>
-              <a:t>b</a:t>
-            </a:r>
+              <a:t>and </a:t>
+            </a:r>
+            <a:r>
+              <a:rPr lang="hr-HR" i="1" dirty="0"/>
+              <a:t>c</a:t>
+            </a:r>
+            <a:endParaRPr lang="en-US" i="1" dirty="0"/>
           </a:p>
         </p:txBody>
       </p:sp>
